--- a/IHP_2024/20240524/22段構成TIAの検討.pptx
+++ b/IHP_2024/20240524/22段構成TIAの検討.pptx
@@ -5,7 +5,7 @@
     <p:sldMasterId id="2147483648" r:id="rId1"/>
   </p:sldMasterIdLst>
   <p:notesMasterIdLst>
-    <p:notesMasterId r:id="rId7"/>
+    <p:notesMasterId r:id="rId8"/>
   </p:notesMasterIdLst>
   <p:sldIdLst>
     <p:sldId id="256" r:id="rId2"/>
@@ -13,6 +13,7 @@
     <p:sldId id="258" r:id="rId4"/>
     <p:sldId id="259" r:id="rId5"/>
     <p:sldId id="260" r:id="rId6"/>
+    <p:sldId id="261" r:id="rId7"/>
   </p:sldIdLst>
   <p:sldSz cx="12192000" cy="6858000"/>
   <p:notesSz cx="6858000" cy="9144000"/>
@@ -2934,13 +2935,19 @@
         <p:spPr/>
         <p:txBody>
           <a:bodyPr/>
-          <a:lstStyle/>
+          <a:lstStyle>
+            <a:lvl1pPr>
+              <a:defRPr>
+                <a:latin typeface="Times Newer Roman" panose="00000500000000000000" pitchFamily="50" charset="0"/>
+              </a:defRPr>
+            </a:lvl1pPr>
+          </a:lstStyle>
           <a:p>
             <a:r>
-              <a:rPr kumimoji="1" lang="en-US" altLang="ja-JP"/>
+              <a:rPr lang="en-US" altLang="ja-JP"/>
               <a:t>2024/5/24</a:t>
             </a:r>
-            <a:endParaRPr kumimoji="1" lang="ja-JP" altLang="en-US"/>
+            <a:endParaRPr lang="ja-JP" altLang="en-US"/>
           </a:p>
         </p:txBody>
       </p:sp>
@@ -2963,13 +2970,20 @@
         <p:spPr/>
         <p:txBody>
           <a:bodyPr/>
-          <a:lstStyle/>
+          <a:lstStyle>
+            <a:lvl1pPr>
+              <a:defRPr>
+                <a:latin typeface="Times Newer Roman" panose="00000500000000000000" pitchFamily="50" charset="0"/>
+              </a:defRPr>
+            </a:lvl1pPr>
+          </a:lstStyle>
           <a:p>
             <a:fld id="{6294761A-CFE9-4878-87A7-90ECABD59CE5}" type="slidenum">
-              <a:rPr kumimoji="1" lang="ja-JP" altLang="en-US" smtClean="0"/>
+              <a:rPr lang="ja-JP" altLang="en-US" smtClean="0"/>
+              <a:pPr/>
               <a:t>‹#›</a:t>
             </a:fld>
-            <a:endParaRPr kumimoji="1" lang="ja-JP" altLang="en-US"/>
+            <a:endParaRPr lang="ja-JP" altLang="en-US"/>
           </a:p>
         </p:txBody>
       </p:sp>
@@ -3006,14 +3020,16 @@
                 <a:solidFill>
                   <a:schemeClr val="bg1"/>
                 </a:solidFill>
+                <a:latin typeface="Times Newer Roman" panose="00000500000000000000" pitchFamily="50" charset="0"/>
               </a:defRPr>
             </a:lvl1pPr>
           </a:lstStyle>
           <a:p>
             <a:r>
-              <a:rPr lang="en-US" altLang="ja-JP" dirty="0"/>
+              <a:rPr lang="en-US" altLang="ja-JP"/>
               <a:t>Wave Signal Processing Circuit Laboratory,  Meiji University</a:t>
             </a:r>
+            <a:endParaRPr lang="en-US" altLang="ja-JP" dirty="0"/>
           </a:p>
         </p:txBody>
       </p:sp>
@@ -4220,6 +4236,7 @@
                 <a:solidFill>
                   <a:schemeClr val="bg1"/>
                 </a:solidFill>
+                <a:latin typeface="Times Newer Roman" panose="00000500000000000000" pitchFamily="50" charset="0"/>
               </a:defRPr>
             </a:lvl1pPr>
           </a:lstStyle>
@@ -4265,14 +4282,16 @@
                 <a:solidFill>
                   <a:schemeClr val="bg1"/>
                 </a:solidFill>
+                <a:latin typeface="Times Newer Roman" panose="00000500000000000000" pitchFamily="50" charset="0"/>
               </a:defRPr>
             </a:lvl1pPr>
           </a:lstStyle>
           <a:p>
             <a:r>
-              <a:rPr lang="en-US" altLang="ja-JP" dirty="0"/>
+              <a:rPr lang="en-US" altLang="ja-JP"/>
               <a:t>Wave Signal Processing Circuit Laboratory,  Meiji University</a:t>
             </a:r>
+            <a:endParaRPr lang="en-US" altLang="ja-JP" dirty="0"/>
           </a:p>
         </p:txBody>
       </p:sp>
@@ -4309,6 +4328,7 @@
                 <a:solidFill>
                   <a:schemeClr val="bg1"/>
                 </a:solidFill>
+                <a:latin typeface="Times Newer Roman" panose="00000500000000000000" pitchFamily="50" charset="0"/>
               </a:defRPr>
             </a:lvl1pPr>
           </a:lstStyle>
@@ -5568,8 +5588,8 @@
               <a:chExt cx="9018495" cy="1029769"/>
             </a:xfrm>
           </p:grpSpPr>
-          <mc:AlternateContent xmlns:mc="http://schemas.openxmlformats.org/markup-compatibility/2006">
-            <mc:Choice xmlns:a14="http://schemas.microsoft.com/office/drawing/2010/main" Requires="a14">
+          <mc:AlternateContent xmlns:mc="http://schemas.openxmlformats.org/markup-compatibility/2006" xmlns:a14="http://schemas.microsoft.com/office/drawing/2010/main">
+            <mc:Choice Requires="a14">
               <p:sp>
                 <p:nvSpPr>
                   <p:cNvPr id="7" name="テキスト ボックス 6">
@@ -6813,7 +6833,7 @@
                 </p:txBody>
               </p:sp>
             </mc:Choice>
-            <mc:Fallback>
+            <mc:Fallback xmlns="">
               <p:sp>
                 <p:nvSpPr>
                   <p:cNvPr id="7" name="テキスト ボックス 6">
@@ -7099,134 +7119,6 @@
           </a:p>
         </p:txBody>
       </p:sp>
-      <mc:AlternateContent xmlns:mc="http://schemas.openxmlformats.org/markup-compatibility/2006">
-        <mc:Choice xmlns:a14="http://schemas.microsoft.com/office/drawing/2010/main" Requires="a14">
-          <p:sp>
-            <p:nvSpPr>
-              <p:cNvPr id="9" name="テキスト ボックス 8">
-                <a:extLst>
-                  <a:ext uri="{FF2B5EF4-FFF2-40B4-BE49-F238E27FC236}">
-                    <a16:creationId xmlns:a16="http://schemas.microsoft.com/office/drawing/2014/main" id="{BB103DBA-A18F-D9B8-0CE9-9940C0F452E3}"/>
-                  </a:ext>
-                </a:extLst>
-              </p:cNvPr>
-              <p:cNvSpPr txBox="1"/>
-              <p:nvPr/>
-            </p:nvSpPr>
-            <p:spPr>
-              <a:xfrm>
-                <a:off x="3980330" y="1229575"/>
-                <a:ext cx="3935505" cy="369332"/>
-              </a:xfrm>
-              <a:prstGeom prst="rect">
-                <a:avLst/>
-              </a:prstGeom>
-              <a:noFill/>
-            </p:spPr>
-            <p:txBody>
-              <a:bodyPr wrap="square" rtlCol="0">
-                <a:spAutoFit/>
-              </a:bodyPr>
-              <a:lstStyle/>
-              <a:p>
-                <a:pPr algn="l"/>
-                <a14:m>
-                  <m:oMath xmlns:m="http://schemas.openxmlformats.org/officeDocument/2006/math">
-                    <m:r>
-                      <a:rPr lang="en-US" altLang="ja-JP" b="0" i="1" smtClean="0">
-                        <a:latin typeface="Cambria Math" panose="02040503050406030204" pitchFamily="18" charset="0"/>
-                      </a:rPr>
-                      <m:t>(</m:t>
-                    </m:r>
-                  </m:oMath>
-                </a14:m>
-                <a:r>
-                  <a:rPr lang="ja-JP" altLang="en-US" dirty="0"/>
-                  <a:t>・</a:t>
-                </a:r>
-                <a14:m>
-                  <m:oMath xmlns:m="http://schemas.openxmlformats.org/officeDocument/2006/math">
-                    <m:r>
-                      <a:rPr kumimoji="1" lang="en-US" altLang="ja-JP" b="0" i="1" smtClean="0">
-                        <a:latin typeface="Cambria Math" panose="02040503050406030204" pitchFamily="18" charset="0"/>
-                      </a:rPr>
-                      <m:t>𝜔</m:t>
-                    </m:r>
-                    <m:r>
-                      <a:rPr lang="ja-JP" altLang="en-US" i="1">
-                        <a:latin typeface="Cambria Math" panose="02040503050406030204" pitchFamily="18" charset="0"/>
-                      </a:rPr>
-                      <m:t>・</m:t>
-                    </m:r>
-                    <m:r>
-                      <a:rPr lang="en-US" altLang="ja-JP" b="0" i="1" smtClean="0">
-                        <a:latin typeface="Cambria Math" panose="02040503050406030204" pitchFamily="18" charset="0"/>
-                      </a:rPr>
-                      <m:t>)</m:t>
-                    </m:r>
-                  </m:oMath>
-                </a14:m>
-                <a:r>
-                  <a:rPr kumimoji="1" lang="en-US" altLang="ja-JP" dirty="0">
-                    <a:latin typeface="Times Newer Roman" panose="00000500000000000000" pitchFamily="50" charset="0"/>
-                  </a:rPr>
-                  <a:t>  &lt;</a:t>
-                </a:r>
-                <a:r>
-                  <a:rPr kumimoji="1" lang="ja-JP" altLang="en-US" dirty="0">
-                    <a:latin typeface="Times Newer Roman" panose="00000500000000000000" pitchFamily="50" charset="0"/>
-                  </a:rPr>
-                  <a:t>暇</a:t>
-                </a:r>
-              </a:p>
-            </p:txBody>
-          </p:sp>
-        </mc:Choice>
-        <mc:Fallback>
-          <p:sp>
-            <p:nvSpPr>
-              <p:cNvPr id="9" name="テキスト ボックス 8">
-                <a:extLst>
-                  <a:ext uri="{FF2B5EF4-FFF2-40B4-BE49-F238E27FC236}">
-                    <a16:creationId xmlns:a16="http://schemas.microsoft.com/office/drawing/2014/main" id="{BB103DBA-A18F-D9B8-0CE9-9940C0F452E3}"/>
-                  </a:ext>
-                </a:extLst>
-              </p:cNvPr>
-              <p:cNvSpPr txBox="1">
-                <a:spLocks noRot="1" noChangeAspect="1" noMove="1" noResize="1" noEditPoints="1" noAdjustHandles="1" noChangeArrowheads="1" noChangeShapeType="1" noTextEdit="1"/>
-              </p:cNvSpPr>
-              <p:nvPr/>
-            </p:nvSpPr>
-            <p:spPr>
-              <a:xfrm>
-                <a:off x="3980330" y="1229575"/>
-                <a:ext cx="3935505" cy="369332"/>
-              </a:xfrm>
-              <a:prstGeom prst="rect">
-                <a:avLst/>
-              </a:prstGeom>
-              <a:blipFill>
-                <a:blip r:embed="rId2"/>
-                <a:stretch>
-                  <a:fillRect l="-464" t="-11667" b="-28333"/>
-                </a:stretch>
-              </a:blipFill>
-            </p:spPr>
-            <p:txBody>
-              <a:bodyPr/>
-              <a:lstStyle/>
-              <a:p>
-                <a:r>
-                  <a:rPr lang="ja-JP" altLang="en-US">
-                    <a:noFill/>
-                  </a:rPr>
-                  <a:t> </a:t>
-                </a:r>
-              </a:p>
-            </p:txBody>
-          </p:sp>
-        </mc:Fallback>
-      </mc:AlternateContent>
       <p:grpSp>
         <p:nvGrpSpPr>
           <p:cNvPr id="11" name="グループ化 10">
@@ -7241,14 +7133,14 @@
         </p:nvGrpSpPr>
         <p:grpSpPr>
           <a:xfrm>
-            <a:off x="1103718" y="1714440"/>
+            <a:off x="1103718" y="1290288"/>
             <a:ext cx="9049870" cy="1029769"/>
             <a:chOff x="1371600" y="2754346"/>
             <a:chExt cx="9049870" cy="1029769"/>
           </a:xfrm>
         </p:grpSpPr>
-        <mc:AlternateContent xmlns:mc="http://schemas.openxmlformats.org/markup-compatibility/2006">
-          <mc:Choice xmlns:a14="http://schemas.microsoft.com/office/drawing/2010/main" Requires="a14">
+        <mc:AlternateContent xmlns:mc="http://schemas.openxmlformats.org/markup-compatibility/2006" xmlns:a14="http://schemas.microsoft.com/office/drawing/2010/main">
+          <mc:Choice Requires="a14">
             <p:sp>
               <p:nvSpPr>
                 <p:cNvPr id="6" name="テキスト ボックス 5">
@@ -8492,7 +8384,7 @@
               </p:txBody>
             </p:sp>
           </mc:Choice>
-          <mc:Fallback>
+          <mc:Fallback xmlns="">
             <p:sp>
               <p:nvSpPr>
                 <p:cNvPr id="6" name="テキスト ボックス 5">
@@ -8603,7 +8495,7 @@
             </p:nvSpPr>
             <p:spPr>
               <a:xfrm>
-                <a:off x="1021978" y="2859742"/>
+                <a:off x="1021978" y="2435590"/>
                 <a:ext cx="9048688" cy="1634550"/>
               </a:xfrm>
               <a:prstGeom prst="rect">
@@ -9964,7 +9856,7 @@
             </p:nvSpPr>
             <p:spPr>
               <a:xfrm>
-                <a:off x="1021978" y="2859742"/>
+                <a:off x="1021978" y="2435590"/>
                 <a:ext cx="9048688" cy="1634550"/>
               </a:xfrm>
               <a:prstGeom prst="rect">
@@ -10006,7 +9898,7 @@
         </p:nvSpPr>
         <p:spPr>
           <a:xfrm>
-            <a:off x="1135093" y="3016894"/>
+            <a:off x="1135093" y="2592742"/>
             <a:ext cx="233082" cy="1477398"/>
           </a:xfrm>
           <a:prstGeom prst="leftBrace">
@@ -10045,10 +9937,10 @@
         <mc:Choice xmlns:a14="http://schemas.microsoft.com/office/drawing/2010/main" Requires="a14">
           <p:sp>
             <p:nvSpPr>
-              <p:cNvPr id="15" name="テキスト ボックス 14">
+              <p:cNvPr id="7" name="テキスト ボックス 6">
                 <a:extLst>
                   <a:ext uri="{FF2B5EF4-FFF2-40B4-BE49-F238E27FC236}">
-                    <a16:creationId xmlns:a16="http://schemas.microsoft.com/office/drawing/2014/main" id="{4CE474ED-7E24-4291-8900-763B2BBBE879}"/>
+                    <a16:creationId xmlns:a16="http://schemas.microsoft.com/office/drawing/2014/main" id="{37A46B49-C5B2-44CC-3565-439220683EEC}"/>
                   </a:ext>
                 </a:extLst>
               </p:cNvPr>
@@ -10057,8 +9949,8 @@
             </p:nvSpPr>
             <p:spPr>
               <a:xfrm>
-                <a:off x="-286371" y="4677087"/>
-                <a:ext cx="12989360" cy="1029128"/>
+                <a:off x="674003" y="4183749"/>
+                <a:ext cx="10843994" cy="668645"/>
               </a:xfrm>
               <a:prstGeom prst="rect">
                 <a:avLst/>
@@ -10066,7 +9958,1771 @@
               <a:noFill/>
             </p:spPr>
             <p:txBody>
-              <a:bodyPr wrap="square">
+              <a:bodyPr wrap="square" rtlCol="0">
+                <a:spAutoFit/>
+              </a:bodyPr>
+              <a:lstStyle/>
+              <a:p>
+                <a14:m>
+                  <m:oMath xmlns:m="http://schemas.openxmlformats.org/officeDocument/2006/math">
+                    <m:sSub>
+                      <m:sSubPr>
+                        <m:ctrlPr>
+                          <a:rPr kumimoji="1" lang="en-US" altLang="ja-JP" b="0" i="1" smtClean="0">
+                            <a:latin typeface="Cambria Math" panose="02040503050406030204" pitchFamily="18" charset="0"/>
+                          </a:rPr>
+                        </m:ctrlPr>
+                      </m:sSubPr>
+                      <m:e>
+                        <m:r>
+                          <a:rPr kumimoji="1" lang="en-US" altLang="ja-JP" b="0" i="1" smtClean="0">
+                            <a:latin typeface="Cambria Math" panose="02040503050406030204" pitchFamily="18" charset="0"/>
+                          </a:rPr>
+                          <m:t>𝐺</m:t>
+                        </m:r>
+                      </m:e>
+                      <m:sub>
+                        <m:r>
+                          <a:rPr kumimoji="1" lang="en-US" altLang="ja-JP" b="0" i="1" smtClean="0">
+                            <a:latin typeface="Cambria Math" panose="02040503050406030204" pitchFamily="18" charset="0"/>
+                          </a:rPr>
+                          <m:t>𝐸</m:t>
+                        </m:r>
+                        <m:r>
+                          <a:rPr kumimoji="1" lang="en-US" altLang="ja-JP" b="0" i="1" smtClean="0">
+                            <a:latin typeface="Cambria Math" panose="02040503050406030204" pitchFamily="18" charset="0"/>
+                          </a:rPr>
+                          <m:t>1</m:t>
+                        </m:r>
+                      </m:sub>
+                    </m:sSub>
+                    <m:r>
+                      <a:rPr kumimoji="1" lang="en-US" altLang="ja-JP" b="0" i="1" smtClean="0">
+                        <a:latin typeface="Cambria Math" panose="02040503050406030204" pitchFamily="18" charset="0"/>
+                      </a:rPr>
+                      <m:t>+</m:t>
+                    </m:r>
+                    <m:sSub>
+                      <m:sSubPr>
+                        <m:ctrlPr>
+                          <a:rPr kumimoji="1" lang="en-US" altLang="ja-JP" b="0" i="1" smtClean="0">
+                            <a:latin typeface="Cambria Math" panose="02040503050406030204" pitchFamily="18" charset="0"/>
+                          </a:rPr>
+                        </m:ctrlPr>
+                      </m:sSubPr>
+                      <m:e>
+                        <m:r>
+                          <a:rPr kumimoji="1" lang="en-US" altLang="ja-JP" b="0" i="1" smtClean="0">
+                            <a:latin typeface="Cambria Math" panose="02040503050406030204" pitchFamily="18" charset="0"/>
+                          </a:rPr>
+                          <m:t>𝑔</m:t>
+                        </m:r>
+                      </m:e>
+                      <m:sub>
+                        <m:r>
+                          <a:rPr kumimoji="1" lang="en-US" altLang="ja-JP" b="0" i="1" smtClean="0">
+                            <a:latin typeface="Cambria Math" panose="02040503050406030204" pitchFamily="18" charset="0"/>
+                          </a:rPr>
+                          <m:t>𝑚</m:t>
+                        </m:r>
+                        <m:r>
+                          <a:rPr kumimoji="1" lang="en-US" altLang="ja-JP" b="0" i="1" smtClean="0">
+                            <a:latin typeface="Cambria Math" panose="02040503050406030204" pitchFamily="18" charset="0"/>
+                          </a:rPr>
+                          <m:t>1</m:t>
+                        </m:r>
+                      </m:sub>
+                    </m:sSub>
+                    <m:r>
+                      <a:rPr kumimoji="1" lang="en-US" altLang="ja-JP" b="0" i="1" smtClean="0">
+                        <a:latin typeface="Cambria Math" panose="02040503050406030204" pitchFamily="18" charset="0"/>
+                      </a:rPr>
+                      <m:t>+</m:t>
+                    </m:r>
+                    <m:sSub>
+                      <m:sSubPr>
+                        <m:ctrlPr>
+                          <a:rPr kumimoji="1" lang="en-US" altLang="ja-JP" b="0" i="1" smtClean="0">
+                            <a:latin typeface="Cambria Math" panose="02040503050406030204" pitchFamily="18" charset="0"/>
+                          </a:rPr>
+                        </m:ctrlPr>
+                      </m:sSubPr>
+                      <m:e>
+                        <m:r>
+                          <a:rPr kumimoji="1" lang="en-US" altLang="ja-JP" b="0" i="1" smtClean="0">
+                            <a:latin typeface="Cambria Math" panose="02040503050406030204" pitchFamily="18" charset="0"/>
+                          </a:rPr>
+                          <m:t>𝑔</m:t>
+                        </m:r>
+                      </m:e>
+                      <m:sub>
+                        <m:r>
+                          <a:rPr kumimoji="1" lang="en-US" altLang="ja-JP" b="0" i="1" smtClean="0">
+                            <a:latin typeface="Cambria Math" panose="02040503050406030204" pitchFamily="18" charset="0"/>
+                          </a:rPr>
+                          <m:t>𝑐</m:t>
+                        </m:r>
+                        <m:r>
+                          <a:rPr kumimoji="1" lang="en-US" altLang="ja-JP" b="0" i="1" smtClean="0">
+                            <a:latin typeface="Cambria Math" panose="02040503050406030204" pitchFamily="18" charset="0"/>
+                          </a:rPr>
+                          <m:t>1</m:t>
+                        </m:r>
+                      </m:sub>
+                    </m:sSub>
+                    <m:r>
+                      <a:rPr kumimoji="1" lang="en-US" altLang="ja-JP" b="0" i="1" smtClean="0">
+                        <a:latin typeface="Cambria Math" panose="02040503050406030204" pitchFamily="18" charset="0"/>
+                      </a:rPr>
+                      <m:t>≔</m:t>
+                    </m:r>
+                    <m:sSub>
+                      <m:sSubPr>
+                        <m:ctrlPr>
+                          <a:rPr kumimoji="1" lang="en-US" altLang="ja-JP" b="0" i="1" smtClean="0">
+                            <a:latin typeface="Cambria Math" panose="02040503050406030204" pitchFamily="18" charset="0"/>
+                          </a:rPr>
+                        </m:ctrlPr>
+                      </m:sSubPr>
+                      <m:e>
+                        <m:r>
+                          <a:rPr kumimoji="1" lang="en-US" altLang="ja-JP" b="0" i="1" smtClean="0">
+                            <a:latin typeface="Cambria Math" panose="02040503050406030204" pitchFamily="18" charset="0"/>
+                          </a:rPr>
+                          <m:t>𝐺</m:t>
+                        </m:r>
+                      </m:e>
+                      <m:sub>
+                        <m:r>
+                          <a:rPr kumimoji="1" lang="en-US" altLang="ja-JP" b="0" i="1" smtClean="0">
+                            <a:latin typeface="Cambria Math" panose="02040503050406030204" pitchFamily="18" charset="0"/>
+                          </a:rPr>
+                          <m:t>1</m:t>
+                        </m:r>
+                      </m:sub>
+                    </m:sSub>
+                  </m:oMath>
+                </a14:m>
+                <a:r>
+                  <a:rPr kumimoji="1" lang="en-US" altLang="ja-JP" dirty="0">
+                    <a:latin typeface="Times Newer Roman" panose="00000500000000000000" pitchFamily="50" charset="0"/>
+                  </a:rPr>
+                  <a:t>	</a:t>
+                </a:r>
+                <a:r>
+                  <a:rPr lang="en-US" altLang="ja-JP" dirty="0"/>
+                  <a:t> </a:t>
+                </a:r>
+                <a14:m>
+                  <m:oMath xmlns:m="http://schemas.openxmlformats.org/officeDocument/2006/math">
+                    <m:sSub>
+                      <m:sSubPr>
+                        <m:ctrlPr>
+                          <a:rPr lang="en-US" altLang="ja-JP" i="1">
+                            <a:latin typeface="Cambria Math" panose="02040503050406030204" pitchFamily="18" charset="0"/>
+                          </a:rPr>
+                        </m:ctrlPr>
+                      </m:sSubPr>
+                      <m:e>
+                        <m:r>
+                          <a:rPr lang="en-US" altLang="ja-JP" i="1">
+                            <a:latin typeface="Cambria Math" panose="02040503050406030204" pitchFamily="18" charset="0"/>
+                          </a:rPr>
+                          <m:t>𝐺</m:t>
+                        </m:r>
+                      </m:e>
+                      <m:sub>
+                        <m:r>
+                          <a:rPr lang="en-US" altLang="ja-JP" i="1">
+                            <a:latin typeface="Cambria Math" panose="02040503050406030204" pitchFamily="18" charset="0"/>
+                          </a:rPr>
+                          <m:t>𝐶</m:t>
+                        </m:r>
+                        <m:r>
+                          <a:rPr lang="en-US" altLang="ja-JP" i="1">
+                            <a:latin typeface="Cambria Math" panose="02040503050406030204" pitchFamily="18" charset="0"/>
+                          </a:rPr>
+                          <m:t>1</m:t>
+                        </m:r>
+                      </m:sub>
+                    </m:sSub>
+                    <m:r>
+                      <a:rPr lang="en-US" altLang="ja-JP" i="1">
+                        <a:latin typeface="Cambria Math" panose="02040503050406030204" pitchFamily="18" charset="0"/>
+                      </a:rPr>
+                      <m:t>+</m:t>
+                    </m:r>
+                    <m:sSub>
+                      <m:sSubPr>
+                        <m:ctrlPr>
+                          <a:rPr lang="en-US" altLang="ja-JP" i="1">
+                            <a:latin typeface="Cambria Math" panose="02040503050406030204" pitchFamily="18" charset="0"/>
+                          </a:rPr>
+                        </m:ctrlPr>
+                      </m:sSubPr>
+                      <m:e>
+                        <m:r>
+                          <a:rPr lang="en-US" altLang="ja-JP" i="1">
+                            <a:latin typeface="Cambria Math" panose="02040503050406030204" pitchFamily="18" charset="0"/>
+                          </a:rPr>
+                          <m:t>𝑔</m:t>
+                        </m:r>
+                      </m:e>
+                      <m:sub>
+                        <m:r>
+                          <a:rPr lang="en-US" altLang="ja-JP" i="1">
+                            <a:latin typeface="Cambria Math" panose="02040503050406030204" pitchFamily="18" charset="0"/>
+                          </a:rPr>
+                          <m:t>𝑐𝑒</m:t>
+                        </m:r>
+                        <m:r>
+                          <a:rPr lang="en-US" altLang="ja-JP" i="1">
+                            <a:latin typeface="Cambria Math" panose="02040503050406030204" pitchFamily="18" charset="0"/>
+                          </a:rPr>
+                          <m:t>1</m:t>
+                        </m:r>
+                      </m:sub>
+                    </m:sSub>
+                    <m:r>
+                      <a:rPr lang="en-US" altLang="ja-JP" i="1">
+                        <a:latin typeface="Cambria Math" panose="02040503050406030204" pitchFamily="18" charset="0"/>
+                      </a:rPr>
+                      <m:t>+</m:t>
+                    </m:r>
+                    <m:sSub>
+                      <m:sSubPr>
+                        <m:ctrlPr>
+                          <a:rPr lang="en-US" altLang="ja-JP" i="1">
+                            <a:latin typeface="Cambria Math" panose="02040503050406030204" pitchFamily="18" charset="0"/>
+                          </a:rPr>
+                        </m:ctrlPr>
+                      </m:sSubPr>
+                      <m:e>
+                        <m:r>
+                          <a:rPr lang="en-US" altLang="ja-JP" i="1">
+                            <a:latin typeface="Cambria Math" panose="02040503050406030204" pitchFamily="18" charset="0"/>
+                          </a:rPr>
+                          <m:t>𝑔</m:t>
+                        </m:r>
+                      </m:e>
+                      <m:sub>
+                        <m:r>
+                          <a:rPr lang="en-US" altLang="ja-JP" i="1">
+                            <a:latin typeface="Cambria Math" panose="02040503050406030204" pitchFamily="18" charset="0"/>
+                          </a:rPr>
+                          <m:t>𝑖𝑒</m:t>
+                        </m:r>
+                        <m:r>
+                          <a:rPr lang="en-US" altLang="ja-JP" i="1">
+                            <a:latin typeface="Cambria Math" panose="02040503050406030204" pitchFamily="18" charset="0"/>
+                          </a:rPr>
+                          <m:t>1</m:t>
+                        </m:r>
+                      </m:sub>
+                    </m:sSub>
+                    <m:r>
+                      <a:rPr lang="en-US" altLang="ja-JP" i="1">
+                        <a:latin typeface="Cambria Math" panose="02040503050406030204" pitchFamily="18" charset="0"/>
+                      </a:rPr>
+                      <m:t> </m:t>
+                    </m:r>
+                    <m:r>
+                      <a:rPr lang="en-US" altLang="ja-JP" b="0" i="0" smtClean="0">
+                        <a:latin typeface="Cambria Math" panose="02040503050406030204" pitchFamily="18" charset="0"/>
+                      </a:rPr>
+                      <m:t>≔</m:t>
+                    </m:r>
+                    <m:sSub>
+                      <m:sSubPr>
+                        <m:ctrlPr>
+                          <a:rPr lang="en-US" altLang="ja-JP" b="0" i="0" smtClean="0">
+                            <a:latin typeface="Cambria Math" panose="02040503050406030204" pitchFamily="18" charset="0"/>
+                          </a:rPr>
+                        </m:ctrlPr>
+                      </m:sSubPr>
+                      <m:e>
+                        <m:r>
+                          <m:rPr>
+                            <m:sty m:val="p"/>
+                          </m:rPr>
+                          <a:rPr lang="en-US" altLang="ja-JP" b="0" i="0" smtClean="0">
+                            <a:latin typeface="Cambria Math" panose="02040503050406030204" pitchFamily="18" charset="0"/>
+                          </a:rPr>
+                          <m:t>G</m:t>
+                        </m:r>
+                      </m:e>
+                      <m:sub>
+                        <m:r>
+                          <a:rPr lang="en-US" altLang="ja-JP" b="0" i="0" smtClean="0">
+                            <a:latin typeface="Cambria Math" panose="02040503050406030204" pitchFamily="18" charset="0"/>
+                          </a:rPr>
+                          <m:t>2</m:t>
+                        </m:r>
+                      </m:sub>
+                    </m:sSub>
+                  </m:oMath>
+                </a14:m>
+                <a:r>
+                  <a:rPr kumimoji="1" lang="en-US" altLang="ja-JP" dirty="0">
+                    <a:latin typeface="Times Newer Roman" panose="00000500000000000000" pitchFamily="50" charset="0"/>
+                  </a:rPr>
+                  <a:t>	  </a:t>
+                </a:r>
+                <a14:m>
+                  <m:oMath xmlns:m="http://schemas.openxmlformats.org/officeDocument/2006/math">
+                    <m:sSub>
+                      <m:sSubPr>
+                        <m:ctrlPr>
+                          <a:rPr lang="en-US" altLang="ja-JP" i="1">
+                            <a:latin typeface="Cambria Math" panose="02040503050406030204" pitchFamily="18" charset="0"/>
+                          </a:rPr>
+                        </m:ctrlPr>
+                      </m:sSubPr>
+                      <m:e>
+                        <m:r>
+                          <a:rPr lang="en-US" altLang="ja-JP" i="1">
+                            <a:latin typeface="Cambria Math" panose="02040503050406030204" pitchFamily="18" charset="0"/>
+                          </a:rPr>
+                          <m:t>𝐶</m:t>
+                        </m:r>
+                      </m:e>
+                      <m:sub>
+                        <m:r>
+                          <a:rPr lang="en-US" altLang="ja-JP" i="1">
+                            <a:latin typeface="Cambria Math" panose="02040503050406030204" pitchFamily="18" charset="0"/>
+                          </a:rPr>
+                          <m:t>𝑃𝐷</m:t>
+                        </m:r>
+                      </m:sub>
+                    </m:sSub>
+                    <m:r>
+                      <a:rPr lang="en-US" altLang="ja-JP" i="1">
+                        <a:latin typeface="Cambria Math" panose="02040503050406030204" pitchFamily="18" charset="0"/>
+                      </a:rPr>
+                      <m:t>+</m:t>
+                    </m:r>
+                    <m:sSub>
+                      <m:sSubPr>
+                        <m:ctrlPr>
+                          <a:rPr lang="en-US" altLang="ja-JP" i="1">
+                            <a:latin typeface="Cambria Math" panose="02040503050406030204" pitchFamily="18" charset="0"/>
+                          </a:rPr>
+                        </m:ctrlPr>
+                      </m:sSubPr>
+                      <m:e>
+                        <m:r>
+                          <a:rPr lang="en-US" altLang="ja-JP" i="1">
+                            <a:latin typeface="Cambria Math" panose="02040503050406030204" pitchFamily="18" charset="0"/>
+                          </a:rPr>
+                          <m:t>𝐶</m:t>
+                        </m:r>
+                      </m:e>
+                      <m:sub>
+                        <m:r>
+                          <a:rPr lang="en-US" altLang="ja-JP" i="1">
+                            <a:latin typeface="Cambria Math" panose="02040503050406030204" pitchFamily="18" charset="0"/>
+                          </a:rPr>
+                          <m:t>𝑗𝑒</m:t>
+                        </m:r>
+                        <m:r>
+                          <a:rPr lang="en-US" altLang="ja-JP" i="1">
+                            <a:latin typeface="Cambria Math" panose="02040503050406030204" pitchFamily="18" charset="0"/>
+                          </a:rPr>
+                          <m:t>1</m:t>
+                        </m:r>
+                      </m:sub>
+                    </m:sSub>
+                    <m:r>
+                      <a:rPr lang="en-US" altLang="ja-JP" b="0" i="1" smtClean="0">
+                        <a:latin typeface="Cambria Math" panose="02040503050406030204" pitchFamily="18" charset="0"/>
+                      </a:rPr>
+                      <m:t>≔</m:t>
+                    </m:r>
+                    <m:sSub>
+                      <m:sSubPr>
+                        <m:ctrlPr>
+                          <a:rPr lang="en-US" altLang="ja-JP" b="0" i="1" smtClean="0">
+                            <a:latin typeface="Cambria Math" panose="02040503050406030204" pitchFamily="18" charset="0"/>
+                          </a:rPr>
+                        </m:ctrlPr>
+                      </m:sSubPr>
+                      <m:e>
+                        <m:r>
+                          <a:rPr lang="en-US" altLang="ja-JP" b="0" i="1" smtClean="0">
+                            <a:latin typeface="Cambria Math" panose="02040503050406030204" pitchFamily="18" charset="0"/>
+                          </a:rPr>
+                          <m:t>𝐶</m:t>
+                        </m:r>
+                      </m:e>
+                      <m:sub>
+                        <m:r>
+                          <a:rPr lang="en-US" altLang="ja-JP" b="0" i="1" smtClean="0">
+                            <a:latin typeface="Cambria Math" panose="02040503050406030204" pitchFamily="18" charset="0"/>
+                          </a:rPr>
+                          <m:t>1</m:t>
+                        </m:r>
+                      </m:sub>
+                    </m:sSub>
+                  </m:oMath>
+                </a14:m>
+                <a:r>
+                  <a:rPr kumimoji="1" lang="en-US" altLang="ja-JP" dirty="0">
+                    <a:latin typeface="Times Newer Roman" panose="00000500000000000000" pitchFamily="50" charset="0"/>
+                  </a:rPr>
+                  <a:t>		</a:t>
+                </a:r>
+                <a:r>
+                  <a:rPr lang="en-US" altLang="ja-JP" dirty="0"/>
+                  <a:t> </a:t>
+                </a:r>
+                <a14:m>
+                  <m:oMath xmlns:m="http://schemas.openxmlformats.org/officeDocument/2006/math">
+                    <m:sSub>
+                      <m:sSubPr>
+                        <m:ctrlPr>
+                          <a:rPr lang="en-US" altLang="ja-JP" i="1">
+                            <a:latin typeface="Cambria Math" panose="02040503050406030204" pitchFamily="18" charset="0"/>
+                          </a:rPr>
+                        </m:ctrlPr>
+                      </m:sSubPr>
+                      <m:e>
+                        <m:r>
+                          <a:rPr lang="en-US" altLang="ja-JP" i="1">
+                            <a:latin typeface="Cambria Math" panose="02040503050406030204" pitchFamily="18" charset="0"/>
+                          </a:rPr>
+                          <m:t>𝐶</m:t>
+                        </m:r>
+                      </m:e>
+                      <m:sub>
+                        <m:r>
+                          <a:rPr lang="en-US" altLang="ja-JP" i="1">
+                            <a:latin typeface="Cambria Math" panose="02040503050406030204" pitchFamily="18" charset="0"/>
+                          </a:rPr>
+                          <m:t>𝑗𝑐</m:t>
+                        </m:r>
+                        <m:r>
+                          <a:rPr lang="en-US" altLang="ja-JP" i="1">
+                            <a:latin typeface="Cambria Math" panose="02040503050406030204" pitchFamily="18" charset="0"/>
+                          </a:rPr>
+                          <m:t>1</m:t>
+                        </m:r>
+                      </m:sub>
+                    </m:sSub>
+                    <m:r>
+                      <a:rPr lang="en-US" altLang="ja-JP" i="1">
+                        <a:latin typeface="Cambria Math" panose="02040503050406030204" pitchFamily="18" charset="0"/>
+                      </a:rPr>
+                      <m:t>+</m:t>
+                    </m:r>
+                    <m:sSub>
+                      <m:sSubPr>
+                        <m:ctrlPr>
+                          <a:rPr lang="en-US" altLang="ja-JP" i="1">
+                            <a:latin typeface="Cambria Math" panose="02040503050406030204" pitchFamily="18" charset="0"/>
+                          </a:rPr>
+                        </m:ctrlPr>
+                      </m:sSubPr>
+                      <m:e>
+                        <m:r>
+                          <a:rPr lang="en-US" altLang="ja-JP" i="1">
+                            <a:latin typeface="Cambria Math" panose="02040503050406030204" pitchFamily="18" charset="0"/>
+                          </a:rPr>
+                          <m:t>𝐶</m:t>
+                        </m:r>
+                      </m:e>
+                      <m:sub>
+                        <m:r>
+                          <a:rPr lang="en-US" altLang="ja-JP" i="1">
+                            <a:latin typeface="Cambria Math" panose="02040503050406030204" pitchFamily="18" charset="0"/>
+                          </a:rPr>
+                          <m:t>𝑗𝑐</m:t>
+                        </m:r>
+                        <m:r>
+                          <a:rPr lang="en-US" altLang="ja-JP" i="1">
+                            <a:latin typeface="Cambria Math" panose="02040503050406030204" pitchFamily="18" charset="0"/>
+                          </a:rPr>
+                          <m:t>2</m:t>
+                        </m:r>
+                      </m:sub>
+                    </m:sSub>
+                    <m:r>
+                      <a:rPr lang="en-US" altLang="ja-JP" i="1">
+                        <a:latin typeface="Cambria Math" panose="02040503050406030204" pitchFamily="18" charset="0"/>
+                      </a:rPr>
+                      <m:t>+</m:t>
+                    </m:r>
+                    <m:sSub>
+                      <m:sSubPr>
+                        <m:ctrlPr>
+                          <a:rPr lang="en-US" altLang="ja-JP" i="1">
+                            <a:latin typeface="Cambria Math" panose="02040503050406030204" pitchFamily="18" charset="0"/>
+                          </a:rPr>
+                        </m:ctrlPr>
+                      </m:sSubPr>
+                      <m:e>
+                        <m:r>
+                          <a:rPr lang="en-US" altLang="ja-JP" i="1">
+                            <a:latin typeface="Cambria Math" panose="02040503050406030204" pitchFamily="18" charset="0"/>
+                          </a:rPr>
+                          <m:t>𝐶</m:t>
+                        </m:r>
+                      </m:e>
+                      <m:sub>
+                        <m:r>
+                          <a:rPr lang="en-US" altLang="ja-JP" i="1">
+                            <a:latin typeface="Cambria Math" panose="02040503050406030204" pitchFamily="18" charset="0"/>
+                          </a:rPr>
+                          <m:t>𝑗𝑒</m:t>
+                        </m:r>
+                        <m:r>
+                          <a:rPr lang="en-US" altLang="ja-JP" i="1">
+                            <a:latin typeface="Cambria Math" panose="02040503050406030204" pitchFamily="18" charset="0"/>
+                          </a:rPr>
+                          <m:t>2</m:t>
+                        </m:r>
+                      </m:sub>
+                    </m:sSub>
+                    <m:r>
+                      <a:rPr lang="en-US" altLang="ja-JP" b="0" i="1" smtClean="0">
+                        <a:latin typeface="Cambria Math" panose="02040503050406030204" pitchFamily="18" charset="0"/>
+                      </a:rPr>
+                      <m:t>≔</m:t>
+                    </m:r>
+                    <m:sSub>
+                      <m:sSubPr>
+                        <m:ctrlPr>
+                          <a:rPr lang="en-US" altLang="ja-JP" b="0" i="1" smtClean="0">
+                            <a:latin typeface="Cambria Math" panose="02040503050406030204" pitchFamily="18" charset="0"/>
+                          </a:rPr>
+                        </m:ctrlPr>
+                      </m:sSubPr>
+                      <m:e>
+                        <m:r>
+                          <a:rPr lang="en-US" altLang="ja-JP" b="0" i="1" smtClean="0">
+                            <a:latin typeface="Cambria Math" panose="02040503050406030204" pitchFamily="18" charset="0"/>
+                          </a:rPr>
+                          <m:t>𝐶</m:t>
+                        </m:r>
+                      </m:e>
+                      <m:sub>
+                        <m:r>
+                          <a:rPr lang="en-US" altLang="ja-JP" b="0" i="1" smtClean="0">
+                            <a:latin typeface="Cambria Math" panose="02040503050406030204" pitchFamily="18" charset="0"/>
+                          </a:rPr>
+                          <m:t>2</m:t>
+                        </m:r>
+                      </m:sub>
+                    </m:sSub>
+                  </m:oMath>
+                </a14:m>
+                <a:endParaRPr kumimoji="1" lang="en-US" altLang="ja-JP" dirty="0">
+                  <a:latin typeface="Times Newer Roman" panose="00000500000000000000" pitchFamily="50" charset="0"/>
+                </a:endParaRPr>
+              </a:p>
+              <a:p>
+                <a:r>
+                  <a:rPr lang="ja-JP" altLang="en-US" dirty="0">
+                    <a:latin typeface="Times Newer Roman" panose="00000500000000000000" pitchFamily="50" charset="0"/>
+                  </a:rPr>
+                  <a:t>と置くと</a:t>
+                </a:r>
+                <a:endParaRPr kumimoji="1" lang="ja-JP" altLang="en-US" dirty="0">
+                  <a:latin typeface="Times Newer Roman" panose="00000500000000000000" pitchFamily="50" charset="0"/>
+                </a:endParaRPr>
+              </a:p>
+            </p:txBody>
+          </p:sp>
+        </mc:Choice>
+        <mc:Fallback>
+          <p:sp>
+            <p:nvSpPr>
+              <p:cNvPr id="7" name="テキスト ボックス 6">
+                <a:extLst>
+                  <a:ext uri="{FF2B5EF4-FFF2-40B4-BE49-F238E27FC236}">
+                    <a16:creationId xmlns:a16="http://schemas.microsoft.com/office/drawing/2014/main" id="{37A46B49-C5B2-44CC-3565-439220683EEC}"/>
+                  </a:ext>
+                </a:extLst>
+              </p:cNvPr>
+              <p:cNvSpPr txBox="1">
+                <a:spLocks noRot="1" noChangeAspect="1" noMove="1" noResize="1" noEditPoints="1" noAdjustHandles="1" noChangeArrowheads="1" noChangeShapeType="1" noTextEdit="1"/>
+              </p:cNvSpPr>
+              <p:nvPr/>
+            </p:nvSpPr>
+            <p:spPr>
+              <a:xfrm>
+                <a:off x="674003" y="4183749"/>
+                <a:ext cx="10843994" cy="668645"/>
+              </a:xfrm>
+              <a:prstGeom prst="rect">
+                <a:avLst/>
+              </a:prstGeom>
+              <a:blipFill>
+                <a:blip r:embed="rId5"/>
+                <a:stretch>
+                  <a:fillRect l="-506" b="-12727"/>
+                </a:stretch>
+              </a:blipFill>
+            </p:spPr>
+            <p:txBody>
+              <a:bodyPr/>
+              <a:lstStyle/>
+              <a:p>
+                <a:r>
+                  <a:rPr lang="ja-JP" altLang="en-US">
+                    <a:noFill/>
+                  </a:rPr>
+                  <a:t> </a:t>
+                </a:r>
+              </a:p>
+            </p:txBody>
+          </p:sp>
+        </mc:Fallback>
+      </mc:AlternateContent>
+      <mc:AlternateContent xmlns:mc="http://schemas.openxmlformats.org/markup-compatibility/2006">
+        <mc:Choice xmlns:a14="http://schemas.microsoft.com/office/drawing/2010/main" Requires="a14">
+          <p:sp>
+            <p:nvSpPr>
+              <p:cNvPr id="8" name="テキスト ボックス 7">
+                <a:extLst>
+                  <a:ext uri="{FF2B5EF4-FFF2-40B4-BE49-F238E27FC236}">
+                    <a16:creationId xmlns:a16="http://schemas.microsoft.com/office/drawing/2014/main" id="{47F49D32-A472-4B30-A9EC-89D0B4847104}"/>
+                  </a:ext>
+                </a:extLst>
+              </p:cNvPr>
+              <p:cNvSpPr txBox="1"/>
+              <p:nvPr/>
+            </p:nvSpPr>
+            <p:spPr>
+              <a:xfrm>
+                <a:off x="1103718" y="4776470"/>
+                <a:ext cx="9048688" cy="1582484"/>
+              </a:xfrm>
+              <a:prstGeom prst="rect">
+                <a:avLst/>
+              </a:prstGeom>
+              <a:noFill/>
+            </p:spPr>
+            <p:txBody>
+              <a:bodyPr wrap="square" rtlCol="0">
+                <a:spAutoFit/>
+              </a:bodyPr>
+              <a:lstStyle/>
+              <a:p>
+                <a:pPr algn="l"/>
+                <a14:m>
+                  <m:oMathPara xmlns:m="http://schemas.openxmlformats.org/officeDocument/2006/math">
+                    <m:oMathParaPr>
+                      <m:jc m:val="centerGroup"/>
+                    </m:oMathParaPr>
+                    <m:oMath xmlns:m="http://schemas.openxmlformats.org/officeDocument/2006/math">
+                      <m:sSub>
+                        <m:sSubPr>
+                          <m:ctrlPr>
+                            <a:rPr kumimoji="1" lang="en-US" altLang="ja-JP" b="0" i="1" smtClean="0">
+                              <a:latin typeface="Cambria Math" panose="02040503050406030204" pitchFamily="18" charset="0"/>
+                            </a:rPr>
+                          </m:ctrlPr>
+                        </m:sSubPr>
+                        <m:e>
+                          <m:r>
+                            <a:rPr kumimoji="1" lang="en-US" altLang="ja-JP" b="0" i="1" smtClean="0">
+                              <a:latin typeface="Cambria Math" panose="02040503050406030204" pitchFamily="18" charset="0"/>
+                            </a:rPr>
+                            <m:t>𝑣</m:t>
+                          </m:r>
+                        </m:e>
+                        <m:sub>
+                          <m:r>
+                            <a:rPr kumimoji="1" lang="en-US" altLang="ja-JP" b="0" i="1" smtClean="0">
+                              <a:latin typeface="Cambria Math" panose="02040503050406030204" pitchFamily="18" charset="0"/>
+                            </a:rPr>
+                            <m:t>𝑒</m:t>
+                          </m:r>
+                        </m:sub>
+                      </m:sSub>
+                      <m:r>
+                        <a:rPr kumimoji="1" lang="en-US" altLang="ja-JP" b="0" i="1" smtClean="0">
+                          <a:latin typeface="Cambria Math" panose="02040503050406030204" pitchFamily="18" charset="0"/>
+                        </a:rPr>
+                        <m:t>=</m:t>
+                      </m:r>
+                      <m:f>
+                        <m:fPr>
+                          <m:ctrlPr>
+                            <a:rPr kumimoji="1" lang="en-US" altLang="ja-JP" b="0" i="1" smtClean="0">
+                              <a:latin typeface="Cambria Math" panose="02040503050406030204" pitchFamily="18" charset="0"/>
+                            </a:rPr>
+                          </m:ctrlPr>
+                        </m:fPr>
+                        <m:num>
+                          <m:sSub>
+                            <m:sSubPr>
+                              <m:ctrlPr>
+                                <a:rPr kumimoji="1" lang="en-US" altLang="ja-JP" b="0" i="1" smtClean="0">
+                                  <a:latin typeface="Cambria Math" panose="02040503050406030204" pitchFamily="18" charset="0"/>
+                                </a:rPr>
+                              </m:ctrlPr>
+                            </m:sSubPr>
+                            <m:e>
+                              <m:r>
+                                <a:rPr kumimoji="1" lang="en-US" altLang="ja-JP" b="0" i="1" smtClean="0">
+                                  <a:latin typeface="Cambria Math" panose="02040503050406030204" pitchFamily="18" charset="0"/>
+                                </a:rPr>
+                                <m:t>𝑔</m:t>
+                              </m:r>
+                            </m:e>
+                            <m:sub>
+                              <m:r>
+                                <a:rPr kumimoji="1" lang="en-US" altLang="ja-JP" b="0" i="1" smtClean="0">
+                                  <a:latin typeface="Cambria Math" panose="02040503050406030204" pitchFamily="18" charset="0"/>
+                                </a:rPr>
+                                <m:t>𝑐</m:t>
+                              </m:r>
+                              <m:r>
+                                <a:rPr kumimoji="1" lang="en-US" altLang="ja-JP" b="0" i="1" smtClean="0">
+                                  <a:latin typeface="Cambria Math" panose="02040503050406030204" pitchFamily="18" charset="0"/>
+                                </a:rPr>
+                                <m:t>1</m:t>
+                              </m:r>
+                            </m:sub>
+                          </m:sSub>
+                        </m:num>
+                        <m:den>
+                          <m:sSub>
+                            <m:sSubPr>
+                              <m:ctrlPr>
+                                <a:rPr kumimoji="1" lang="en-US" altLang="ja-JP" b="0" i="1" smtClean="0">
+                                  <a:latin typeface="Cambria Math" panose="02040503050406030204" pitchFamily="18" charset="0"/>
+                                </a:rPr>
+                              </m:ctrlPr>
+                            </m:sSubPr>
+                            <m:e>
+                              <m:r>
+                                <a:rPr kumimoji="1" lang="en-US" altLang="ja-JP" b="0" i="1" smtClean="0">
+                                  <a:latin typeface="Cambria Math" panose="02040503050406030204" pitchFamily="18" charset="0"/>
+                                </a:rPr>
+                                <m:t>𝐺</m:t>
+                              </m:r>
+                            </m:e>
+                            <m:sub>
+                              <m:r>
+                                <a:rPr kumimoji="1" lang="en-US" altLang="ja-JP" b="0" i="1" smtClean="0">
+                                  <a:latin typeface="Cambria Math" panose="02040503050406030204" pitchFamily="18" charset="0"/>
+                                </a:rPr>
+                                <m:t>1</m:t>
+                              </m:r>
+                            </m:sub>
+                          </m:sSub>
+                          <m:r>
+                            <a:rPr kumimoji="1" lang="en-US" altLang="ja-JP" b="0" i="1" smtClean="0">
+                              <a:latin typeface="Cambria Math" panose="02040503050406030204" pitchFamily="18" charset="0"/>
+                            </a:rPr>
+                            <m:t>+</m:t>
+                          </m:r>
+                          <m:r>
+                            <a:rPr kumimoji="1" lang="en-US" altLang="ja-JP" b="0" i="1" smtClean="0">
+                              <a:latin typeface="Cambria Math" panose="02040503050406030204" pitchFamily="18" charset="0"/>
+                            </a:rPr>
+                            <m:t>𝑗</m:t>
+                          </m:r>
+                          <m:r>
+                            <a:rPr kumimoji="1" lang="en-US" altLang="ja-JP" b="0" i="1" smtClean="0">
+                              <a:latin typeface="Cambria Math" panose="02040503050406030204" pitchFamily="18" charset="0"/>
+                            </a:rPr>
+                            <m:t>𝜔</m:t>
+                          </m:r>
+                          <m:sSub>
+                            <m:sSubPr>
+                              <m:ctrlPr>
+                                <a:rPr kumimoji="1" lang="en-US" altLang="ja-JP" b="0" i="1" smtClean="0">
+                                  <a:latin typeface="Cambria Math" panose="02040503050406030204" pitchFamily="18" charset="0"/>
+                                </a:rPr>
+                              </m:ctrlPr>
+                            </m:sSubPr>
+                            <m:e>
+                              <m:r>
+                                <a:rPr kumimoji="1" lang="en-US" altLang="ja-JP" b="0" i="1" smtClean="0">
+                                  <a:latin typeface="Cambria Math" panose="02040503050406030204" pitchFamily="18" charset="0"/>
+                                </a:rPr>
+                                <m:t>𝐶</m:t>
+                              </m:r>
+                            </m:e>
+                            <m:sub>
+                              <m:r>
+                                <a:rPr kumimoji="1" lang="en-US" altLang="ja-JP" b="0" i="1" smtClean="0">
+                                  <a:latin typeface="Cambria Math" panose="02040503050406030204" pitchFamily="18" charset="0"/>
+                                </a:rPr>
+                                <m:t>1</m:t>
+                              </m:r>
+                            </m:sub>
+                          </m:sSub>
+                        </m:den>
+                      </m:f>
+                      <m:sSub>
+                        <m:sSubPr>
+                          <m:ctrlPr>
+                            <a:rPr kumimoji="1" lang="en-US" altLang="ja-JP" b="0" i="1" smtClean="0">
+                              <a:latin typeface="Cambria Math" panose="02040503050406030204" pitchFamily="18" charset="0"/>
+                            </a:rPr>
+                          </m:ctrlPr>
+                        </m:sSubPr>
+                        <m:e>
+                          <m:r>
+                            <a:rPr kumimoji="1" lang="en-US" altLang="ja-JP" b="0" i="1" smtClean="0">
+                              <a:latin typeface="Cambria Math" panose="02040503050406030204" pitchFamily="18" charset="0"/>
+                            </a:rPr>
+                            <m:t>𝑣</m:t>
+                          </m:r>
+                        </m:e>
+                        <m:sub>
+                          <m:r>
+                            <a:rPr kumimoji="1" lang="en-US" altLang="ja-JP" b="0" i="1" smtClean="0">
+                              <a:latin typeface="Cambria Math" panose="02040503050406030204" pitchFamily="18" charset="0"/>
+                            </a:rPr>
+                            <m:t>𝑚</m:t>
+                          </m:r>
+                        </m:sub>
+                      </m:sSub>
+                      <m:r>
+                        <a:rPr kumimoji="1" lang="en-US" altLang="ja-JP" b="0" i="1" smtClean="0">
+                          <a:latin typeface="Cambria Math" panose="02040503050406030204" pitchFamily="18" charset="0"/>
+                        </a:rPr>
+                        <m:t>−</m:t>
+                      </m:r>
+                      <m:f>
+                        <m:fPr>
+                          <m:ctrlPr>
+                            <a:rPr kumimoji="1" lang="en-US" altLang="ja-JP" b="0" i="1" smtClean="0">
+                              <a:latin typeface="Cambria Math" panose="02040503050406030204" pitchFamily="18" charset="0"/>
+                            </a:rPr>
+                          </m:ctrlPr>
+                        </m:fPr>
+                        <m:num>
+                          <m:sSub>
+                            <m:sSubPr>
+                              <m:ctrlPr>
+                                <a:rPr kumimoji="1" lang="en-US" altLang="ja-JP" b="0" i="1" smtClean="0">
+                                  <a:latin typeface="Cambria Math" panose="02040503050406030204" pitchFamily="18" charset="0"/>
+                                </a:rPr>
+                              </m:ctrlPr>
+                            </m:sSubPr>
+                            <m:e>
+                              <m:r>
+                                <a:rPr kumimoji="1" lang="en-US" altLang="ja-JP" b="0" i="1" smtClean="0">
+                                  <a:latin typeface="Cambria Math" panose="02040503050406030204" pitchFamily="18" charset="0"/>
+                                </a:rPr>
+                                <m:t>𝑖</m:t>
+                              </m:r>
+                            </m:e>
+                            <m:sub>
+                              <m:r>
+                                <a:rPr kumimoji="1" lang="en-US" altLang="ja-JP" b="0" i="1" smtClean="0">
+                                  <a:latin typeface="Cambria Math" panose="02040503050406030204" pitchFamily="18" charset="0"/>
+                                </a:rPr>
+                                <m:t>𝑖𝑛</m:t>
+                              </m:r>
+                            </m:sub>
+                          </m:sSub>
+                        </m:num>
+                        <m:den>
+                          <m:sSub>
+                            <m:sSubPr>
+                              <m:ctrlPr>
+                                <a:rPr kumimoji="1" lang="en-US" altLang="ja-JP" b="0" i="1" smtClean="0">
+                                  <a:latin typeface="Cambria Math" panose="02040503050406030204" pitchFamily="18" charset="0"/>
+                                </a:rPr>
+                              </m:ctrlPr>
+                            </m:sSubPr>
+                            <m:e>
+                              <m:r>
+                                <a:rPr kumimoji="1" lang="en-US" altLang="ja-JP" b="0" i="1" smtClean="0">
+                                  <a:latin typeface="Cambria Math" panose="02040503050406030204" pitchFamily="18" charset="0"/>
+                                </a:rPr>
+                                <m:t>𝐺</m:t>
+                              </m:r>
+                            </m:e>
+                            <m:sub>
+                              <m:r>
+                                <a:rPr kumimoji="1" lang="en-US" altLang="ja-JP" b="0" i="1" smtClean="0">
+                                  <a:latin typeface="Cambria Math" panose="02040503050406030204" pitchFamily="18" charset="0"/>
+                                </a:rPr>
+                                <m:t>1</m:t>
+                              </m:r>
+                            </m:sub>
+                          </m:sSub>
+                          <m:r>
+                            <a:rPr kumimoji="1" lang="en-US" altLang="ja-JP" b="0" i="1" smtClean="0">
+                              <a:latin typeface="Cambria Math" panose="02040503050406030204" pitchFamily="18" charset="0"/>
+                            </a:rPr>
+                            <m:t>+</m:t>
+                          </m:r>
+                          <m:r>
+                            <a:rPr kumimoji="1" lang="en-US" altLang="ja-JP" b="0" i="1" smtClean="0">
+                              <a:latin typeface="Cambria Math" panose="02040503050406030204" pitchFamily="18" charset="0"/>
+                            </a:rPr>
+                            <m:t>𝑗</m:t>
+                          </m:r>
+                          <m:r>
+                            <a:rPr kumimoji="1" lang="en-US" altLang="ja-JP" b="0" i="1" smtClean="0">
+                              <a:latin typeface="Cambria Math" panose="02040503050406030204" pitchFamily="18" charset="0"/>
+                            </a:rPr>
+                            <m:t>𝜔</m:t>
+                          </m:r>
+                          <m:sSub>
+                            <m:sSubPr>
+                              <m:ctrlPr>
+                                <a:rPr kumimoji="1" lang="en-US" altLang="ja-JP" b="0" i="1" smtClean="0">
+                                  <a:latin typeface="Cambria Math" panose="02040503050406030204" pitchFamily="18" charset="0"/>
+                                </a:rPr>
+                              </m:ctrlPr>
+                            </m:sSubPr>
+                            <m:e>
+                              <m:r>
+                                <a:rPr kumimoji="1" lang="en-US" altLang="ja-JP" b="0" i="1" smtClean="0">
+                                  <a:latin typeface="Cambria Math" panose="02040503050406030204" pitchFamily="18" charset="0"/>
+                                </a:rPr>
+                                <m:t>𝐶</m:t>
+                              </m:r>
+                            </m:e>
+                            <m:sub>
+                              <m:r>
+                                <a:rPr kumimoji="1" lang="en-US" altLang="ja-JP" b="0" i="1" smtClean="0">
+                                  <a:latin typeface="Cambria Math" panose="02040503050406030204" pitchFamily="18" charset="0"/>
+                                </a:rPr>
+                                <m:t>1</m:t>
+                              </m:r>
+                            </m:sub>
+                          </m:sSub>
+                        </m:den>
+                      </m:f>
+                    </m:oMath>
+                  </m:oMathPara>
+                </a14:m>
+                <a:endParaRPr kumimoji="1" lang="en-US" altLang="ja-JP" dirty="0">
+                  <a:latin typeface="Times Newer Roman" panose="00000500000000000000" pitchFamily="50" charset="0"/>
+                </a:endParaRPr>
+              </a:p>
+              <a:p>
+                <a:pPr algn="l"/>
+                <a14:m>
+                  <m:oMathPara xmlns:m="http://schemas.openxmlformats.org/officeDocument/2006/math">
+                    <m:oMathParaPr>
+                      <m:jc m:val="centerGroup"/>
+                    </m:oMathParaPr>
+                    <m:oMath xmlns:m="http://schemas.openxmlformats.org/officeDocument/2006/math">
+                      <m:sSub>
+                        <m:sSubPr>
+                          <m:ctrlPr>
+                            <a:rPr kumimoji="1" lang="en-US" altLang="ja-JP" b="0" i="1" smtClean="0">
+                              <a:latin typeface="Cambria Math" panose="02040503050406030204" pitchFamily="18" charset="0"/>
+                            </a:rPr>
+                          </m:ctrlPr>
+                        </m:sSubPr>
+                        <m:e>
+                          <m:r>
+                            <a:rPr kumimoji="1" lang="en-US" altLang="ja-JP" b="0" i="1" smtClean="0">
+                              <a:latin typeface="Cambria Math" panose="02040503050406030204" pitchFamily="18" charset="0"/>
+                            </a:rPr>
+                            <m:t>𝑣</m:t>
+                          </m:r>
+                        </m:e>
+                        <m:sub>
+                          <m:r>
+                            <a:rPr kumimoji="1" lang="en-US" altLang="ja-JP" b="0" i="1" smtClean="0">
+                              <a:latin typeface="Cambria Math" panose="02040503050406030204" pitchFamily="18" charset="0"/>
+                            </a:rPr>
+                            <m:t>𝑚</m:t>
+                          </m:r>
+                        </m:sub>
+                      </m:sSub>
+                      <m:r>
+                        <a:rPr kumimoji="1" lang="en-US" altLang="ja-JP" b="0" i="1" smtClean="0">
+                          <a:latin typeface="Cambria Math" panose="02040503050406030204" pitchFamily="18" charset="0"/>
+                        </a:rPr>
+                        <m:t>=</m:t>
+                      </m:r>
+                      <m:f>
+                        <m:fPr>
+                          <m:ctrlPr>
+                            <a:rPr kumimoji="1" lang="en-US" altLang="ja-JP" b="0" i="1" smtClean="0">
+                              <a:latin typeface="Cambria Math" panose="02040503050406030204" pitchFamily="18" charset="0"/>
+                            </a:rPr>
+                          </m:ctrlPr>
+                        </m:fPr>
+                        <m:num>
+                          <m:sSub>
+                            <m:sSubPr>
+                              <m:ctrlPr>
+                                <a:rPr kumimoji="1" lang="en-US" altLang="ja-JP" b="0" i="1" smtClean="0">
+                                  <a:latin typeface="Cambria Math" panose="02040503050406030204" pitchFamily="18" charset="0"/>
+                                </a:rPr>
+                              </m:ctrlPr>
+                            </m:sSubPr>
+                            <m:e>
+                              <m:r>
+                                <a:rPr kumimoji="1" lang="en-US" altLang="ja-JP" b="0" i="1" smtClean="0">
+                                  <a:latin typeface="Cambria Math" panose="02040503050406030204" pitchFamily="18" charset="0"/>
+                                </a:rPr>
+                                <m:t>𝐺</m:t>
+                              </m:r>
+                            </m:e>
+                            <m:sub>
+                              <m:r>
+                                <a:rPr kumimoji="1" lang="en-US" altLang="ja-JP" b="0" i="1" smtClean="0">
+                                  <a:latin typeface="Cambria Math" panose="02040503050406030204" pitchFamily="18" charset="0"/>
+                                </a:rPr>
+                                <m:t>𝐶</m:t>
+                              </m:r>
+                              <m:r>
+                                <a:rPr kumimoji="1" lang="en-US" altLang="ja-JP" b="0" i="1" smtClean="0">
+                                  <a:latin typeface="Cambria Math" panose="02040503050406030204" pitchFamily="18" charset="0"/>
+                                </a:rPr>
+                                <m:t>2</m:t>
+                              </m:r>
+                            </m:sub>
+                          </m:sSub>
+                          <m:r>
+                            <a:rPr kumimoji="1" lang="en-US" altLang="ja-JP" b="0" i="1" smtClean="0">
+                              <a:latin typeface="Cambria Math" panose="02040503050406030204" pitchFamily="18" charset="0"/>
+                            </a:rPr>
+                            <m:t>+</m:t>
+                          </m:r>
+                          <m:sSub>
+                            <m:sSubPr>
+                              <m:ctrlPr>
+                                <a:rPr kumimoji="1" lang="en-US" altLang="ja-JP" b="0" i="1" smtClean="0">
+                                  <a:latin typeface="Cambria Math" panose="02040503050406030204" pitchFamily="18" charset="0"/>
+                                </a:rPr>
+                              </m:ctrlPr>
+                            </m:sSubPr>
+                            <m:e>
+                              <m:r>
+                                <a:rPr kumimoji="1" lang="en-US" altLang="ja-JP" b="0" i="1" smtClean="0">
+                                  <a:latin typeface="Cambria Math" panose="02040503050406030204" pitchFamily="18" charset="0"/>
+                                </a:rPr>
+                                <m:t>𝑔</m:t>
+                              </m:r>
+                            </m:e>
+                            <m:sub>
+                              <m:r>
+                                <a:rPr kumimoji="1" lang="en-US" altLang="ja-JP" b="0" i="1" smtClean="0">
+                                  <a:latin typeface="Cambria Math" panose="02040503050406030204" pitchFamily="18" charset="0"/>
+                                </a:rPr>
+                                <m:t>𝑐𝑒</m:t>
+                              </m:r>
+                              <m:r>
+                                <a:rPr kumimoji="1" lang="en-US" altLang="ja-JP" b="0" i="1" smtClean="0">
+                                  <a:latin typeface="Cambria Math" panose="02040503050406030204" pitchFamily="18" charset="0"/>
+                                </a:rPr>
+                                <m:t>2</m:t>
+                              </m:r>
+                            </m:sub>
+                          </m:sSub>
+                          <m:r>
+                            <a:rPr kumimoji="1" lang="en-US" altLang="ja-JP" b="0" i="1" smtClean="0">
+                              <a:latin typeface="Cambria Math" panose="02040503050406030204" pitchFamily="18" charset="0"/>
+                            </a:rPr>
+                            <m:t>+</m:t>
+                          </m:r>
+                          <m:r>
+                            <a:rPr kumimoji="1" lang="en-US" altLang="ja-JP" b="0" i="1" smtClean="0">
+                              <a:latin typeface="Cambria Math" panose="02040503050406030204" pitchFamily="18" charset="0"/>
+                            </a:rPr>
+                            <m:t>𝑗</m:t>
+                          </m:r>
+                          <m:r>
+                            <a:rPr kumimoji="1" lang="en-US" altLang="ja-JP" b="0" i="1" smtClean="0">
+                              <a:latin typeface="Cambria Math" panose="02040503050406030204" pitchFamily="18" charset="0"/>
+                            </a:rPr>
+                            <m:t>𝜔</m:t>
+                          </m:r>
+                          <m:sSub>
+                            <m:sSubPr>
+                              <m:ctrlPr>
+                                <a:rPr kumimoji="1" lang="en-US" altLang="ja-JP" b="0" i="1" smtClean="0">
+                                  <a:latin typeface="Cambria Math" panose="02040503050406030204" pitchFamily="18" charset="0"/>
+                                </a:rPr>
+                              </m:ctrlPr>
+                            </m:sSubPr>
+                            <m:e>
+                              <m:r>
+                                <a:rPr kumimoji="1" lang="en-US" altLang="ja-JP" b="0" i="1" smtClean="0">
+                                  <a:latin typeface="Cambria Math" panose="02040503050406030204" pitchFamily="18" charset="0"/>
+                                </a:rPr>
+                                <m:t>𝐶</m:t>
+                              </m:r>
+                            </m:e>
+                            <m:sub>
+                              <m:r>
+                                <a:rPr kumimoji="1" lang="en-US" altLang="ja-JP" b="0" i="1" smtClean="0">
+                                  <a:latin typeface="Cambria Math" panose="02040503050406030204" pitchFamily="18" charset="0"/>
+                                </a:rPr>
+                                <m:t>𝑗𝑐</m:t>
+                              </m:r>
+                              <m:r>
+                                <a:rPr kumimoji="1" lang="en-US" altLang="ja-JP" b="0" i="1" smtClean="0">
+                                  <a:latin typeface="Cambria Math" panose="02040503050406030204" pitchFamily="18" charset="0"/>
+                                </a:rPr>
+                                <m:t>2</m:t>
+                              </m:r>
+                            </m:sub>
+                          </m:sSub>
+                        </m:num>
+                        <m:den>
+                          <m:r>
+                            <a:rPr kumimoji="1" lang="en-US" altLang="ja-JP" b="0" i="1" smtClean="0">
+                              <a:latin typeface="Cambria Math" panose="02040503050406030204" pitchFamily="18" charset="0"/>
+                            </a:rPr>
+                            <m:t>−</m:t>
+                          </m:r>
+                          <m:sSub>
+                            <m:sSubPr>
+                              <m:ctrlPr>
+                                <a:rPr kumimoji="1" lang="en-US" altLang="ja-JP" b="0" i="1" smtClean="0">
+                                  <a:latin typeface="Cambria Math" panose="02040503050406030204" pitchFamily="18" charset="0"/>
+                                </a:rPr>
+                              </m:ctrlPr>
+                            </m:sSubPr>
+                            <m:e>
+                              <m:r>
+                                <a:rPr kumimoji="1" lang="en-US" altLang="ja-JP" b="0" i="1" smtClean="0">
+                                  <a:latin typeface="Cambria Math" panose="02040503050406030204" pitchFamily="18" charset="0"/>
+                                </a:rPr>
+                                <m:t>𝑔</m:t>
+                              </m:r>
+                            </m:e>
+                            <m:sub>
+                              <m:r>
+                                <a:rPr kumimoji="1" lang="en-US" altLang="ja-JP" b="0" i="1" smtClean="0">
+                                  <a:latin typeface="Cambria Math" panose="02040503050406030204" pitchFamily="18" charset="0"/>
+                                </a:rPr>
+                                <m:t>𝑚</m:t>
+                              </m:r>
+                              <m:r>
+                                <a:rPr kumimoji="1" lang="en-US" altLang="ja-JP" b="0" i="1" smtClean="0">
+                                  <a:latin typeface="Cambria Math" panose="02040503050406030204" pitchFamily="18" charset="0"/>
+                                </a:rPr>
+                                <m:t>2</m:t>
+                              </m:r>
+                            </m:sub>
+                          </m:sSub>
+                          <m:r>
+                            <a:rPr kumimoji="1" lang="en-US" altLang="ja-JP" b="0" i="1" smtClean="0">
+                              <a:latin typeface="Cambria Math" panose="02040503050406030204" pitchFamily="18" charset="0"/>
+                            </a:rPr>
+                            <m:t>+</m:t>
+                          </m:r>
+                          <m:r>
+                            <a:rPr kumimoji="1" lang="en-US" altLang="ja-JP" b="0" i="1" smtClean="0">
+                              <a:latin typeface="Cambria Math" panose="02040503050406030204" pitchFamily="18" charset="0"/>
+                            </a:rPr>
+                            <m:t>𝑗</m:t>
+                          </m:r>
+                          <m:r>
+                            <a:rPr kumimoji="1" lang="en-US" altLang="ja-JP" b="0" i="1" smtClean="0">
+                              <a:latin typeface="Cambria Math" panose="02040503050406030204" pitchFamily="18" charset="0"/>
+                            </a:rPr>
+                            <m:t>𝜔</m:t>
+                          </m:r>
+                          <m:sSub>
+                            <m:sSubPr>
+                              <m:ctrlPr>
+                                <a:rPr kumimoji="1" lang="en-US" altLang="ja-JP" b="0" i="1" smtClean="0">
+                                  <a:latin typeface="Cambria Math" panose="02040503050406030204" pitchFamily="18" charset="0"/>
+                                </a:rPr>
+                              </m:ctrlPr>
+                            </m:sSubPr>
+                            <m:e>
+                              <m:r>
+                                <a:rPr kumimoji="1" lang="en-US" altLang="ja-JP" b="0" i="1" smtClean="0">
+                                  <a:latin typeface="Cambria Math" panose="02040503050406030204" pitchFamily="18" charset="0"/>
+                                </a:rPr>
+                                <m:t>𝐶</m:t>
+                              </m:r>
+                            </m:e>
+                            <m:sub>
+                              <m:r>
+                                <a:rPr kumimoji="1" lang="en-US" altLang="ja-JP" b="0" i="1" smtClean="0">
+                                  <a:latin typeface="Cambria Math" panose="02040503050406030204" pitchFamily="18" charset="0"/>
+                                </a:rPr>
+                                <m:t>𝑗𝑐</m:t>
+                              </m:r>
+                              <m:r>
+                                <a:rPr kumimoji="1" lang="en-US" altLang="ja-JP" b="0" i="1" smtClean="0">
+                                  <a:latin typeface="Cambria Math" panose="02040503050406030204" pitchFamily="18" charset="0"/>
+                                </a:rPr>
+                                <m:t>2</m:t>
+                              </m:r>
+                            </m:sub>
+                          </m:sSub>
+                        </m:den>
+                      </m:f>
+                      <m:sSub>
+                        <m:sSubPr>
+                          <m:ctrlPr>
+                            <a:rPr kumimoji="1" lang="en-US" altLang="ja-JP" b="0" i="1" smtClean="0">
+                              <a:latin typeface="Cambria Math" panose="02040503050406030204" pitchFamily="18" charset="0"/>
+                            </a:rPr>
+                          </m:ctrlPr>
+                        </m:sSubPr>
+                        <m:e>
+                          <m:r>
+                            <a:rPr kumimoji="1" lang="en-US" altLang="ja-JP" b="0" i="1" smtClean="0">
+                              <a:latin typeface="Cambria Math" panose="02040503050406030204" pitchFamily="18" charset="0"/>
+                            </a:rPr>
+                            <m:t>𝑣</m:t>
+                          </m:r>
+                        </m:e>
+                        <m:sub>
+                          <m:r>
+                            <a:rPr kumimoji="1" lang="en-US" altLang="ja-JP" b="0" i="1" smtClean="0">
+                              <a:latin typeface="Cambria Math" panose="02040503050406030204" pitchFamily="18" charset="0"/>
+                            </a:rPr>
+                            <m:t>𝑜𝑢𝑡</m:t>
+                          </m:r>
+                        </m:sub>
+                      </m:sSub>
+                    </m:oMath>
+                  </m:oMathPara>
+                </a14:m>
+                <a:endParaRPr kumimoji="1" lang="en-US" altLang="ja-JP" dirty="0">
+                  <a:latin typeface="Times Newer Roman" panose="00000500000000000000" pitchFamily="50" charset="0"/>
+                </a:endParaRPr>
+              </a:p>
+              <a:p>
+                <a14:m>
+                  <m:oMathPara xmlns:m="http://schemas.openxmlformats.org/officeDocument/2006/math">
+                    <m:oMathParaPr>
+                      <m:jc m:val="centerGroup"/>
+                    </m:oMathParaPr>
+                    <m:oMath xmlns:m="http://schemas.openxmlformats.org/officeDocument/2006/math">
+                      <m:r>
+                        <a:rPr kumimoji="1" lang="en-US" altLang="ja-JP" b="0" i="1" smtClean="0">
+                          <a:latin typeface="Cambria Math" panose="02040503050406030204" pitchFamily="18" charset="0"/>
+                        </a:rPr>
+                        <m:t>𝑗</m:t>
+                      </m:r>
+                      <m:r>
+                        <a:rPr kumimoji="1" lang="en-US" altLang="ja-JP" b="0" i="1" smtClean="0">
+                          <a:latin typeface="Cambria Math" panose="02040503050406030204" pitchFamily="18" charset="0"/>
+                        </a:rPr>
+                        <m:t>𝜔</m:t>
+                      </m:r>
+                      <m:sSub>
+                        <m:sSubPr>
+                          <m:ctrlPr>
+                            <a:rPr kumimoji="1" lang="en-US" altLang="ja-JP" b="0" i="1" smtClean="0">
+                              <a:latin typeface="Cambria Math" panose="02040503050406030204" pitchFamily="18" charset="0"/>
+                            </a:rPr>
+                          </m:ctrlPr>
+                        </m:sSubPr>
+                        <m:e>
+                          <m:r>
+                            <a:rPr kumimoji="1" lang="en-US" altLang="ja-JP" b="0" i="1" smtClean="0">
+                              <a:latin typeface="Cambria Math" panose="02040503050406030204" pitchFamily="18" charset="0"/>
+                            </a:rPr>
+                            <m:t>𝐶</m:t>
+                          </m:r>
+                        </m:e>
+                        <m:sub>
+                          <m:r>
+                            <a:rPr kumimoji="1" lang="en-US" altLang="ja-JP" b="0" i="1" smtClean="0">
+                              <a:latin typeface="Cambria Math" panose="02040503050406030204" pitchFamily="18" charset="0"/>
+                            </a:rPr>
+                            <m:t>𝑗𝑐</m:t>
+                          </m:r>
+                          <m:r>
+                            <a:rPr kumimoji="1" lang="en-US" altLang="ja-JP" b="0" i="1" smtClean="0">
+                              <a:latin typeface="Cambria Math" panose="02040503050406030204" pitchFamily="18" charset="0"/>
+                            </a:rPr>
+                            <m:t>2</m:t>
+                          </m:r>
+                        </m:sub>
+                      </m:sSub>
+                      <m:sSub>
+                        <m:sSubPr>
+                          <m:ctrlPr>
+                            <a:rPr kumimoji="1" lang="en-US" altLang="ja-JP" b="0" i="1" smtClean="0">
+                              <a:latin typeface="Cambria Math" panose="02040503050406030204" pitchFamily="18" charset="0"/>
+                            </a:rPr>
+                          </m:ctrlPr>
+                        </m:sSubPr>
+                        <m:e>
+                          <m:r>
+                            <a:rPr kumimoji="1" lang="en-US" altLang="ja-JP" b="0" i="1" smtClean="0">
+                              <a:latin typeface="Cambria Math" panose="02040503050406030204" pitchFamily="18" charset="0"/>
+                            </a:rPr>
+                            <m:t>𝑣</m:t>
+                          </m:r>
+                        </m:e>
+                        <m:sub>
+                          <m:r>
+                            <a:rPr kumimoji="1" lang="en-US" altLang="ja-JP" b="0" i="1" smtClean="0">
+                              <a:latin typeface="Cambria Math" panose="02040503050406030204" pitchFamily="18" charset="0"/>
+                            </a:rPr>
+                            <m:t>𝑜𝑢𝑡</m:t>
+                          </m:r>
+                        </m:sub>
+                      </m:sSub>
+                      <m:r>
+                        <a:rPr kumimoji="1" lang="en-US" altLang="ja-JP" b="0" i="1" smtClean="0">
+                          <a:latin typeface="Cambria Math" panose="02040503050406030204" pitchFamily="18" charset="0"/>
+                        </a:rPr>
+                        <m:t>=</m:t>
+                      </m:r>
+                      <m:d>
+                        <m:dPr>
+                          <m:begChr m:val=""/>
+                          <m:ctrlPr>
+                            <a:rPr kumimoji="1" lang="en-US" altLang="ja-JP" b="0" i="1" smtClean="0">
+                              <a:latin typeface="Cambria Math" panose="02040503050406030204" pitchFamily="18" charset="0"/>
+                            </a:rPr>
+                          </m:ctrlPr>
+                        </m:dPr>
+                        <m:e>
+                          <m:d>
+                            <m:dPr>
+                              <m:endChr m:val=""/>
+                              <m:ctrlPr>
+                                <a:rPr kumimoji="1" lang="en-US" altLang="ja-JP" b="0" i="1" smtClean="0">
+                                  <a:latin typeface="Cambria Math" panose="02040503050406030204" pitchFamily="18" charset="0"/>
+                                </a:rPr>
+                              </m:ctrlPr>
+                            </m:dPr>
+                            <m:e>
+                              <m:sSub>
+                                <m:sSubPr>
+                                  <m:ctrlPr>
+                                    <a:rPr lang="en-US" altLang="ja-JP" i="1">
+                                      <a:latin typeface="Cambria Math" panose="02040503050406030204" pitchFamily="18" charset="0"/>
+                                    </a:rPr>
+                                  </m:ctrlPr>
+                                </m:sSubPr>
+                                <m:e>
+                                  <m:r>
+                                    <a:rPr lang="en-US" altLang="ja-JP" i="1">
+                                      <a:latin typeface="Cambria Math" panose="02040503050406030204" pitchFamily="18" charset="0"/>
+                                    </a:rPr>
+                                    <m:t>𝐺</m:t>
+                                  </m:r>
+                                </m:e>
+                                <m:sub>
+                                  <m:r>
+                                    <a:rPr lang="en-US" altLang="ja-JP" i="1">
+                                      <a:latin typeface="Cambria Math" panose="02040503050406030204" pitchFamily="18" charset="0"/>
+                                    </a:rPr>
+                                    <m:t>2</m:t>
+                                  </m:r>
+                                </m:sub>
+                              </m:sSub>
+                              <m:r>
+                                <a:rPr lang="en-US" altLang="ja-JP" i="1">
+                                  <a:latin typeface="Cambria Math" panose="02040503050406030204" pitchFamily="18" charset="0"/>
+                                </a:rPr>
+                                <m:t>+</m:t>
+                              </m:r>
+                              <m:r>
+                                <a:rPr lang="en-US" altLang="ja-JP" i="1">
+                                  <a:latin typeface="Cambria Math" panose="02040503050406030204" pitchFamily="18" charset="0"/>
+                                </a:rPr>
+                                <m:t>𝑗</m:t>
+                              </m:r>
+                              <m:r>
+                                <a:rPr lang="en-US" altLang="ja-JP" i="1">
+                                  <a:latin typeface="Cambria Math" panose="02040503050406030204" pitchFamily="18" charset="0"/>
+                                </a:rPr>
+                                <m:t>𝜔</m:t>
+                              </m:r>
+                              <m:sSub>
+                                <m:sSubPr>
+                                  <m:ctrlPr>
+                                    <a:rPr lang="en-US" altLang="ja-JP" i="1">
+                                      <a:latin typeface="Cambria Math" panose="02040503050406030204" pitchFamily="18" charset="0"/>
+                                    </a:rPr>
+                                  </m:ctrlPr>
+                                </m:sSubPr>
+                                <m:e>
+                                  <m:r>
+                                    <a:rPr lang="en-US" altLang="ja-JP" i="1">
+                                      <a:latin typeface="Cambria Math" panose="02040503050406030204" pitchFamily="18" charset="0"/>
+                                    </a:rPr>
+                                    <m:t>𝐶</m:t>
+                                  </m:r>
+                                </m:e>
+                                <m:sub>
+                                  <m:r>
+                                    <a:rPr lang="en-US" altLang="ja-JP" i="1">
+                                      <a:latin typeface="Cambria Math" panose="02040503050406030204" pitchFamily="18" charset="0"/>
+                                    </a:rPr>
+                                    <m:t>2</m:t>
+                                  </m:r>
+                                </m:sub>
+                              </m:sSub>
+                            </m:e>
+                          </m:d>
+                        </m:e>
+                      </m:d>
+                      <m:sSub>
+                        <m:sSubPr>
+                          <m:ctrlPr>
+                            <a:rPr kumimoji="1" lang="en-US" altLang="ja-JP" b="0" i="1" smtClean="0">
+                              <a:latin typeface="Cambria Math" panose="02040503050406030204" pitchFamily="18" charset="0"/>
+                            </a:rPr>
+                          </m:ctrlPr>
+                        </m:sSubPr>
+                        <m:e>
+                          <m:r>
+                            <a:rPr kumimoji="1" lang="en-US" altLang="ja-JP" b="0" i="1" smtClean="0">
+                              <a:latin typeface="Cambria Math" panose="02040503050406030204" pitchFamily="18" charset="0"/>
+                            </a:rPr>
+                            <m:t>𝑣</m:t>
+                          </m:r>
+                        </m:e>
+                        <m:sub>
+                          <m:r>
+                            <a:rPr kumimoji="1" lang="en-US" altLang="ja-JP" b="0" i="1" smtClean="0">
+                              <a:latin typeface="Cambria Math" panose="02040503050406030204" pitchFamily="18" charset="0"/>
+                            </a:rPr>
+                            <m:t>𝑚</m:t>
+                          </m:r>
+                        </m:sub>
+                      </m:sSub>
+                      <m:r>
+                        <a:rPr kumimoji="1" lang="en-US" altLang="ja-JP" b="0" i="1" smtClean="0">
+                          <a:latin typeface="Cambria Math" panose="02040503050406030204" pitchFamily="18" charset="0"/>
+                        </a:rPr>
+                        <m:t>−</m:t>
+                      </m:r>
+                      <m:d>
+                        <m:dPr>
+                          <m:ctrlPr>
+                            <a:rPr kumimoji="1" lang="en-US" altLang="ja-JP" b="0" i="1" smtClean="0">
+                              <a:latin typeface="Cambria Math" panose="02040503050406030204" pitchFamily="18" charset="0"/>
+                            </a:rPr>
+                          </m:ctrlPr>
+                        </m:dPr>
+                        <m:e>
+                          <m:sSub>
+                            <m:sSubPr>
+                              <m:ctrlPr>
+                                <a:rPr kumimoji="1" lang="en-US" altLang="ja-JP" b="0" i="1" smtClean="0">
+                                  <a:latin typeface="Cambria Math" panose="02040503050406030204" pitchFamily="18" charset="0"/>
+                                </a:rPr>
+                              </m:ctrlPr>
+                            </m:sSubPr>
+                            <m:e>
+                              <m:r>
+                                <a:rPr kumimoji="1" lang="en-US" altLang="ja-JP" b="0" i="1" smtClean="0">
+                                  <a:latin typeface="Cambria Math" panose="02040503050406030204" pitchFamily="18" charset="0"/>
+                                </a:rPr>
+                                <m:t>𝑔</m:t>
+                              </m:r>
+                            </m:e>
+                            <m:sub>
+                              <m:r>
+                                <a:rPr kumimoji="1" lang="en-US" altLang="ja-JP" b="0" i="1" smtClean="0">
+                                  <a:latin typeface="Cambria Math" panose="02040503050406030204" pitchFamily="18" charset="0"/>
+                                </a:rPr>
+                                <m:t>𝑚</m:t>
+                              </m:r>
+                              <m:r>
+                                <a:rPr kumimoji="1" lang="en-US" altLang="ja-JP" b="0" i="1" smtClean="0">
+                                  <a:latin typeface="Cambria Math" panose="02040503050406030204" pitchFamily="18" charset="0"/>
+                                </a:rPr>
+                                <m:t>1</m:t>
+                              </m:r>
+                            </m:sub>
+                          </m:sSub>
+                          <m:r>
+                            <a:rPr kumimoji="1" lang="en-US" altLang="ja-JP" b="0" i="1" smtClean="0">
+                              <a:latin typeface="Cambria Math" panose="02040503050406030204" pitchFamily="18" charset="0"/>
+                            </a:rPr>
+                            <m:t>+</m:t>
+                          </m:r>
+                          <m:sSub>
+                            <m:sSubPr>
+                              <m:ctrlPr>
+                                <a:rPr kumimoji="1" lang="en-US" altLang="ja-JP" b="0" i="1" smtClean="0">
+                                  <a:latin typeface="Cambria Math" panose="02040503050406030204" pitchFamily="18" charset="0"/>
+                                </a:rPr>
+                              </m:ctrlPr>
+                            </m:sSubPr>
+                            <m:e>
+                              <m:r>
+                                <a:rPr kumimoji="1" lang="en-US" altLang="ja-JP" b="0" i="1" smtClean="0">
+                                  <a:latin typeface="Cambria Math" panose="02040503050406030204" pitchFamily="18" charset="0"/>
+                                </a:rPr>
+                                <m:t>𝑔</m:t>
+                              </m:r>
+                            </m:e>
+                            <m:sub>
+                              <m:r>
+                                <a:rPr kumimoji="1" lang="en-US" altLang="ja-JP" b="0" i="1" smtClean="0">
+                                  <a:latin typeface="Cambria Math" panose="02040503050406030204" pitchFamily="18" charset="0"/>
+                                </a:rPr>
+                                <m:t>𝑐𝑒</m:t>
+                              </m:r>
+                              <m:r>
+                                <a:rPr kumimoji="1" lang="en-US" altLang="ja-JP" b="0" i="1" smtClean="0">
+                                  <a:latin typeface="Cambria Math" panose="02040503050406030204" pitchFamily="18" charset="0"/>
+                                </a:rPr>
+                                <m:t>1</m:t>
+                              </m:r>
+                            </m:sub>
+                          </m:sSub>
+                        </m:e>
+                      </m:d>
+                      <m:sSub>
+                        <m:sSubPr>
+                          <m:ctrlPr>
+                            <a:rPr kumimoji="1" lang="en-US" altLang="ja-JP" b="0" i="1" smtClean="0">
+                              <a:latin typeface="Cambria Math" panose="02040503050406030204" pitchFamily="18" charset="0"/>
+                            </a:rPr>
+                          </m:ctrlPr>
+                        </m:sSubPr>
+                        <m:e>
+                          <m:r>
+                            <a:rPr kumimoji="1" lang="en-US" altLang="ja-JP" b="0" i="1" smtClean="0">
+                              <a:latin typeface="Cambria Math" panose="02040503050406030204" pitchFamily="18" charset="0"/>
+                            </a:rPr>
+                            <m:t>𝑣</m:t>
+                          </m:r>
+                        </m:e>
+                        <m:sub>
+                          <m:r>
+                            <a:rPr kumimoji="1" lang="en-US" altLang="ja-JP" b="0" i="1" smtClean="0">
+                              <a:latin typeface="Cambria Math" panose="02040503050406030204" pitchFamily="18" charset="0"/>
+                            </a:rPr>
+                            <m:t>𝑒</m:t>
+                          </m:r>
+                        </m:sub>
+                      </m:sSub>
+                    </m:oMath>
+                  </m:oMathPara>
+                </a14:m>
+                <a:endParaRPr kumimoji="1" lang="ja-JP" altLang="en-US" dirty="0">
+                  <a:latin typeface="Times Newer Roman" panose="00000500000000000000" pitchFamily="50" charset="0"/>
+                </a:endParaRPr>
+              </a:p>
+            </p:txBody>
+          </p:sp>
+        </mc:Choice>
+        <mc:Fallback>
+          <p:sp>
+            <p:nvSpPr>
+              <p:cNvPr id="8" name="テキスト ボックス 7">
+                <a:extLst>
+                  <a:ext uri="{FF2B5EF4-FFF2-40B4-BE49-F238E27FC236}">
+                    <a16:creationId xmlns:a16="http://schemas.microsoft.com/office/drawing/2014/main" id="{47F49D32-A472-4B30-A9EC-89D0B4847104}"/>
+                  </a:ext>
+                </a:extLst>
+              </p:cNvPr>
+              <p:cNvSpPr txBox="1">
+                <a:spLocks noRot="1" noChangeAspect="1" noMove="1" noResize="1" noEditPoints="1" noAdjustHandles="1" noChangeArrowheads="1" noChangeShapeType="1" noTextEdit="1"/>
+              </p:cNvSpPr>
+              <p:nvPr/>
+            </p:nvSpPr>
+            <p:spPr>
+              <a:xfrm>
+                <a:off x="1103718" y="4776470"/>
+                <a:ext cx="9048688" cy="1582484"/>
+              </a:xfrm>
+              <a:prstGeom prst="rect">
+                <a:avLst/>
+              </a:prstGeom>
+              <a:blipFill>
+                <a:blip r:embed="rId6"/>
+                <a:stretch>
+                  <a:fillRect b="-58301"/>
+                </a:stretch>
+              </a:blipFill>
+            </p:spPr>
+            <p:txBody>
+              <a:bodyPr/>
+              <a:lstStyle/>
+              <a:p>
+                <a:r>
+                  <a:rPr lang="ja-JP" altLang="en-US">
+                    <a:noFill/>
+                  </a:rPr>
+                  <a:t> </a:t>
+                </a:r>
+              </a:p>
+            </p:txBody>
+          </p:sp>
+        </mc:Fallback>
+      </mc:AlternateContent>
+    </p:spTree>
+    <p:extLst>
+      <p:ext uri="{BB962C8B-B14F-4D97-AF65-F5344CB8AC3E}">
+        <p14:creationId xmlns:p14="http://schemas.microsoft.com/office/powerpoint/2010/main" val="4048698383"/>
+      </p:ext>
+    </p:extLst>
+  </p:cSld>
+  <p:clrMapOvr>
+    <a:masterClrMapping/>
+  </p:clrMapOvr>
+</p:sld>
+</file>
+
+<file path=ppt/slides/slide6.xml><?xml version="1.0" encoding="utf-8"?>
+<p:sld xmlns:a="http://schemas.openxmlformats.org/drawingml/2006/main" xmlns:r="http://schemas.openxmlformats.org/officeDocument/2006/relationships" xmlns:p="http://schemas.openxmlformats.org/presentationml/2006/main">
+  <p:cSld>
+    <p:spTree>
+      <p:nvGrpSpPr>
+        <p:cNvPr id="1" name=""/>
+        <p:cNvGrpSpPr/>
+        <p:nvPr/>
+      </p:nvGrpSpPr>
+      <p:grpSpPr>
+        <a:xfrm>
+          <a:off x="0" y="0"/>
+          <a:ext cx="0" cy="0"/>
+          <a:chOff x="0" y="0"/>
+          <a:chExt cx="0" cy="0"/>
+        </a:xfrm>
+      </p:grpSpPr>
+      <p:sp>
+        <p:nvSpPr>
+          <p:cNvPr id="2" name="タイトル 1">
+            <a:extLst>
+              <a:ext uri="{FF2B5EF4-FFF2-40B4-BE49-F238E27FC236}">
+                <a16:creationId xmlns:a16="http://schemas.microsoft.com/office/drawing/2014/main" id="{32A81D06-A31A-68AD-9C65-87C458F3E834}"/>
+              </a:ext>
+            </a:extLst>
+          </p:cNvPr>
+          <p:cNvSpPr>
+            <a:spLocks noGrp="1"/>
+          </p:cNvSpPr>
+          <p:nvPr>
+            <p:ph type="title"/>
+          </p:nvPr>
+        </p:nvSpPr>
+        <p:spPr/>
+        <p:txBody>
+          <a:bodyPr/>
+          <a:lstStyle/>
+          <a:p>
+            <a:r>
+              <a:rPr kumimoji="1" lang="ja-JP" altLang="en-US" dirty="0"/>
+              <a:t>小信号解析</a:t>
+            </a:r>
+          </a:p>
+        </p:txBody>
+      </p:sp>
+      <p:sp>
+        <p:nvSpPr>
+          <p:cNvPr id="3" name="日付プレースホルダー 2">
+            <a:extLst>
+              <a:ext uri="{FF2B5EF4-FFF2-40B4-BE49-F238E27FC236}">
+                <a16:creationId xmlns:a16="http://schemas.microsoft.com/office/drawing/2014/main" id="{2E0D8AC4-9B37-6EE8-519D-34C0AFA07138}"/>
+              </a:ext>
+            </a:extLst>
+          </p:cNvPr>
+          <p:cNvSpPr>
+            <a:spLocks noGrp="1"/>
+          </p:cNvSpPr>
+          <p:nvPr>
+            <p:ph type="dt" sz="half" idx="10"/>
+          </p:nvPr>
+        </p:nvSpPr>
+        <p:spPr/>
+        <p:txBody>
+          <a:bodyPr/>
+          <a:lstStyle/>
+          <a:p>
+            <a:r>
+              <a:rPr kumimoji="1" lang="en-US" altLang="ja-JP"/>
+              <a:t>2024/5/24</a:t>
+            </a:r>
+            <a:endParaRPr kumimoji="1" lang="ja-JP" altLang="en-US"/>
+          </a:p>
+        </p:txBody>
+      </p:sp>
+      <p:sp>
+        <p:nvSpPr>
+          <p:cNvPr id="4" name="スライド番号プレースホルダー 3">
+            <a:extLst>
+              <a:ext uri="{FF2B5EF4-FFF2-40B4-BE49-F238E27FC236}">
+                <a16:creationId xmlns:a16="http://schemas.microsoft.com/office/drawing/2014/main" id="{7EC53AF1-4ED1-3ADC-697A-7E4B3558740F}"/>
+              </a:ext>
+            </a:extLst>
+          </p:cNvPr>
+          <p:cNvSpPr>
+            <a:spLocks noGrp="1"/>
+          </p:cNvSpPr>
+          <p:nvPr>
+            <p:ph type="sldNum" sz="quarter" idx="12"/>
+          </p:nvPr>
+        </p:nvSpPr>
+        <p:spPr/>
+        <p:txBody>
+          <a:bodyPr/>
+          <a:lstStyle/>
+          <a:p>
+            <a:fld id="{6294761A-CFE9-4878-87A7-90ECABD59CE5}" type="slidenum">
+              <a:rPr kumimoji="1" lang="ja-JP" altLang="en-US" smtClean="0"/>
+              <a:t>6</a:t>
+            </a:fld>
+            <a:endParaRPr kumimoji="1" lang="ja-JP" altLang="en-US"/>
+          </a:p>
+        </p:txBody>
+      </p:sp>
+      <p:sp>
+        <p:nvSpPr>
+          <p:cNvPr id="5" name="フッター プレースホルダー 4">
+            <a:extLst>
+              <a:ext uri="{FF2B5EF4-FFF2-40B4-BE49-F238E27FC236}">
+                <a16:creationId xmlns:a16="http://schemas.microsoft.com/office/drawing/2014/main" id="{2B9AF9ED-EFFA-023D-4D7C-0AA2E7122D92}"/>
+              </a:ext>
+            </a:extLst>
+          </p:cNvPr>
+          <p:cNvSpPr>
+            <a:spLocks noGrp="1"/>
+          </p:cNvSpPr>
+          <p:nvPr>
+            <p:ph type="ftr" sz="quarter" idx="3"/>
+          </p:nvPr>
+        </p:nvSpPr>
+        <p:spPr/>
+        <p:txBody>
+          <a:bodyPr/>
+          <a:lstStyle/>
+          <a:p>
+            <a:r>
+              <a:rPr lang="en-US" altLang="ja-JP"/>
+              <a:t>Wave Signal Processing Circuit Laboratory,  Meiji University</a:t>
+            </a:r>
+            <a:endParaRPr lang="en-US" altLang="ja-JP" dirty="0"/>
+          </a:p>
+        </p:txBody>
+      </p:sp>
+      <mc:AlternateContent xmlns:mc="http://schemas.openxmlformats.org/markup-compatibility/2006">
+        <mc:Choice xmlns:a14="http://schemas.microsoft.com/office/drawing/2010/main" Requires="a14">
+          <p:sp>
+            <p:nvSpPr>
+              <p:cNvPr id="7" name="テキスト ボックス 6">
+                <a:extLst>
+                  <a:ext uri="{FF2B5EF4-FFF2-40B4-BE49-F238E27FC236}">
+                    <a16:creationId xmlns:a16="http://schemas.microsoft.com/office/drawing/2014/main" id="{8D38E9B7-C254-46F8-FCEF-87CE4AB986A8}"/>
+                  </a:ext>
+                </a:extLst>
+              </p:cNvPr>
+              <p:cNvSpPr txBox="1"/>
+              <p:nvPr/>
+            </p:nvSpPr>
+            <p:spPr>
+              <a:xfrm>
+                <a:off x="266700" y="1248770"/>
+                <a:ext cx="11658600" cy="2193677"/>
+              </a:xfrm>
+              <a:prstGeom prst="rect">
+                <a:avLst/>
+              </a:prstGeom>
+              <a:noFill/>
+            </p:spPr>
+            <p:txBody>
+              <a:bodyPr wrap="square" rtlCol="0">
                 <a:spAutoFit/>
               </a:bodyPr>
               <a:lstStyle/>
@@ -10154,9 +11810,8 @@
                       <m:d>
                         <m:dPr>
                           <m:begChr m:val=""/>
-                          <m:endChr m:val="}"/>
                           <m:ctrlPr>
-                            <a:rPr kumimoji="1" lang="en-US" altLang="ja-JP" b="0" i="1" smtClean="0">
+                            <a:rPr lang="en-US" altLang="ja-JP" i="1">
                               <a:latin typeface="Cambria Math" panose="02040503050406030204" pitchFamily="18" charset="0"/>
                             </a:rPr>
                           </m:ctrlPr>
@@ -10164,10 +11819,9 @@
                         <m:e>
                           <m:d>
                             <m:dPr>
-                              <m:begChr m:val="{"/>
                               <m:endChr m:val=""/>
                               <m:ctrlPr>
-                                <a:rPr kumimoji="1" lang="en-US" altLang="ja-JP" b="0" i="1" smtClean="0">
+                                <a:rPr lang="en-US" altLang="ja-JP" i="1">
                                   <a:latin typeface="Cambria Math" panose="02040503050406030204" pitchFamily="18" charset="0"/>
                                 </a:rPr>
                               </m:ctrlPr>
@@ -10176,14 +11830,14 @@
                               <m:sSub>
                                 <m:sSubPr>
                                   <m:ctrlPr>
-                                    <a:rPr kumimoji="1" lang="en-US" altLang="ja-JP" b="0" i="1" smtClean="0">
+                                    <a:rPr lang="en-US" altLang="ja-JP" i="1">
                                       <a:latin typeface="Cambria Math" panose="02040503050406030204" pitchFamily="18" charset="0"/>
                                     </a:rPr>
                                   </m:ctrlPr>
                                 </m:sSubPr>
                                 <m:e>
                                   <m:r>
-                                    <a:rPr kumimoji="1" lang="en-US" altLang="ja-JP" b="0" i="1" smtClean="0">
+                                    <a:rPr lang="en-US" altLang="ja-JP" i="1">
                                       <a:latin typeface="Cambria Math" panose="02040503050406030204" pitchFamily="18" charset="0"/>
                                     </a:rPr>
                                     <m:t>𝐺</m:t>
@@ -10191,227 +11845,56 @@
                                 </m:e>
                                 <m:sub>
                                   <m:r>
-                                    <a:rPr kumimoji="1" lang="en-US" altLang="ja-JP" b="0" i="1" smtClean="0">
+                                    <a:rPr lang="en-US" altLang="ja-JP" i="1">
                                       <a:latin typeface="Cambria Math" panose="02040503050406030204" pitchFamily="18" charset="0"/>
                                     </a:rPr>
-                                    <m:t>𝐶</m:t>
-                                  </m:r>
-                                  <m:r>
-                                    <a:rPr kumimoji="1" lang="en-US" altLang="ja-JP" b="0" i="1" smtClean="0">
-                                      <a:latin typeface="Cambria Math" panose="02040503050406030204" pitchFamily="18" charset="0"/>
-                                    </a:rPr>
-                                    <m:t>1</m:t>
+                                    <m:t>2</m:t>
                                   </m:r>
                                 </m:sub>
                               </m:sSub>
                               <m:r>
-                                <a:rPr kumimoji="1" lang="en-US" altLang="ja-JP" b="0" i="1" smtClean="0">
+                                <a:rPr lang="en-US" altLang="ja-JP" i="1">
                                   <a:latin typeface="Cambria Math" panose="02040503050406030204" pitchFamily="18" charset="0"/>
                                 </a:rPr>
                                 <m:t>+</m:t>
+                              </m:r>
+                              <m:r>
+                                <a:rPr lang="en-US" altLang="ja-JP" i="1">
+                                  <a:latin typeface="Cambria Math" panose="02040503050406030204" pitchFamily="18" charset="0"/>
+                                </a:rPr>
+                                <m:t>𝑗</m:t>
+                              </m:r>
+                              <m:r>
+                                <a:rPr lang="en-US" altLang="ja-JP" i="1">
+                                  <a:latin typeface="Cambria Math" panose="02040503050406030204" pitchFamily="18" charset="0"/>
+                                </a:rPr>
+                                <m:t>𝜔</m:t>
                               </m:r>
                               <m:sSub>
                                 <m:sSubPr>
                                   <m:ctrlPr>
-                                    <a:rPr kumimoji="1" lang="en-US" altLang="ja-JP" b="0" i="1" smtClean="0">
+                                    <a:rPr lang="en-US" altLang="ja-JP" i="1">
                                       <a:latin typeface="Cambria Math" panose="02040503050406030204" pitchFamily="18" charset="0"/>
                                     </a:rPr>
                                   </m:ctrlPr>
                                 </m:sSubPr>
                                 <m:e>
                                   <m:r>
-                                    <a:rPr kumimoji="1" lang="en-US" altLang="ja-JP" b="0" i="1" smtClean="0">
+                                    <a:rPr lang="en-US" altLang="ja-JP" i="1">
                                       <a:latin typeface="Cambria Math" panose="02040503050406030204" pitchFamily="18" charset="0"/>
                                     </a:rPr>
-                                    <m:t>𝑔</m:t>
+                                    <m:t>𝐶</m:t>
                                   </m:r>
                                 </m:e>
                                 <m:sub>
                                   <m:r>
-                                    <a:rPr kumimoji="1" lang="en-US" altLang="ja-JP" b="0" i="1" smtClean="0">
+                                    <a:rPr lang="en-US" altLang="ja-JP" i="1">
                                       <a:latin typeface="Cambria Math" panose="02040503050406030204" pitchFamily="18" charset="0"/>
                                     </a:rPr>
-                                    <m:t>𝑐𝑒</m:t>
-                                  </m:r>
-                                  <m:r>
-                                    <a:rPr kumimoji="1" lang="en-US" altLang="ja-JP" b="0" i="1" smtClean="0">
-                                      <a:latin typeface="Cambria Math" panose="02040503050406030204" pitchFamily="18" charset="0"/>
-                                    </a:rPr>
-                                    <m:t>1</m:t>
+                                    <m:t>2</m:t>
                                   </m:r>
                                 </m:sub>
                               </m:sSub>
-                              <m:r>
-                                <a:rPr kumimoji="1" lang="en-US" altLang="ja-JP" b="0" i="1" smtClean="0">
-                                  <a:latin typeface="Cambria Math" panose="02040503050406030204" pitchFamily="18" charset="0"/>
-                                </a:rPr>
-                                <m:t>+</m:t>
-                              </m:r>
-                              <m:sSub>
-                                <m:sSubPr>
-                                  <m:ctrlPr>
-                                    <a:rPr kumimoji="1" lang="en-US" altLang="ja-JP" b="0" i="1" smtClean="0">
-                                      <a:latin typeface="Cambria Math" panose="02040503050406030204" pitchFamily="18" charset="0"/>
-                                    </a:rPr>
-                                  </m:ctrlPr>
-                                </m:sSubPr>
-                                <m:e>
-                                  <m:r>
-                                    <a:rPr kumimoji="1" lang="en-US" altLang="ja-JP" b="0" i="1" smtClean="0">
-                                      <a:latin typeface="Cambria Math" panose="02040503050406030204" pitchFamily="18" charset="0"/>
-                                    </a:rPr>
-                                    <m:t>𝑔</m:t>
-                                  </m:r>
-                                </m:e>
-                                <m:sub>
-                                  <m:r>
-                                    <a:rPr kumimoji="1" lang="en-US" altLang="ja-JP" b="0" i="1" smtClean="0">
-                                      <a:latin typeface="Cambria Math" panose="02040503050406030204" pitchFamily="18" charset="0"/>
-                                    </a:rPr>
-                                    <m:t>𝑖𝑒</m:t>
-                                  </m:r>
-                                  <m:r>
-                                    <a:rPr kumimoji="1" lang="en-US" altLang="ja-JP" b="0" i="1" smtClean="0">
-                                      <a:latin typeface="Cambria Math" panose="02040503050406030204" pitchFamily="18" charset="0"/>
-                                    </a:rPr>
-                                    <m:t>1</m:t>
-                                  </m:r>
-                                </m:sub>
-                              </m:sSub>
-                              <m:r>
-                                <a:rPr kumimoji="1" lang="en-US" altLang="ja-JP" b="0" i="1" smtClean="0">
-                                  <a:latin typeface="Cambria Math" panose="02040503050406030204" pitchFamily="18" charset="0"/>
-                                </a:rPr>
-                                <m:t>+</m:t>
-                              </m:r>
-                              <m:r>
-                                <a:rPr kumimoji="1" lang="en-US" altLang="ja-JP" b="0" i="1" smtClean="0">
-                                  <a:latin typeface="Cambria Math" panose="02040503050406030204" pitchFamily="18" charset="0"/>
-                                </a:rPr>
-                                <m:t>𝑗</m:t>
-                              </m:r>
-                              <m:r>
-                                <a:rPr kumimoji="1" lang="en-US" altLang="ja-JP" b="0" i="1" smtClean="0">
-                                  <a:latin typeface="Cambria Math" panose="02040503050406030204" pitchFamily="18" charset="0"/>
-                                </a:rPr>
-                                <m:t>𝜔</m:t>
-                              </m:r>
-                              <m:d>
-                                <m:dPr>
-                                  <m:ctrlPr>
-                                    <a:rPr kumimoji="1" lang="en-US" altLang="ja-JP" b="0" i="1" smtClean="0">
-                                      <a:latin typeface="Cambria Math" panose="02040503050406030204" pitchFamily="18" charset="0"/>
-                                    </a:rPr>
-                                  </m:ctrlPr>
-                                </m:dPr>
-                                <m:e>
-                                  <m:sSub>
-                                    <m:sSubPr>
-                                      <m:ctrlPr>
-                                        <a:rPr kumimoji="1" lang="en-US" altLang="ja-JP" b="0" i="1" smtClean="0">
-                                          <a:latin typeface="Cambria Math" panose="02040503050406030204" pitchFamily="18" charset="0"/>
-                                        </a:rPr>
-                                      </m:ctrlPr>
-                                    </m:sSubPr>
-                                    <m:e>
-                                      <m:r>
-                                        <a:rPr kumimoji="1" lang="en-US" altLang="ja-JP" b="0" i="1" smtClean="0">
-                                          <a:latin typeface="Cambria Math" panose="02040503050406030204" pitchFamily="18" charset="0"/>
-                                        </a:rPr>
-                                        <m:t>𝐶</m:t>
-                                      </m:r>
-                                    </m:e>
-                                    <m:sub>
-                                      <m:r>
-                                        <a:rPr kumimoji="1" lang="en-US" altLang="ja-JP" b="0" i="1" smtClean="0">
-                                          <a:latin typeface="Cambria Math" panose="02040503050406030204" pitchFamily="18" charset="0"/>
-                                        </a:rPr>
-                                        <m:t>𝑗𝑐</m:t>
-                                      </m:r>
-                                      <m:r>
-                                        <a:rPr kumimoji="1" lang="en-US" altLang="ja-JP" b="0" i="1" smtClean="0">
-                                          <a:latin typeface="Cambria Math" panose="02040503050406030204" pitchFamily="18" charset="0"/>
-                                        </a:rPr>
-                                        <m:t>1</m:t>
-                                      </m:r>
-                                    </m:sub>
-                                  </m:sSub>
-                                  <m:r>
-                                    <a:rPr kumimoji="1" lang="en-US" altLang="ja-JP" b="0" i="1" smtClean="0">
-                                      <a:latin typeface="Cambria Math" panose="02040503050406030204" pitchFamily="18" charset="0"/>
-                                    </a:rPr>
-                                    <m:t>+</m:t>
-                                  </m:r>
-                                  <m:sSub>
-                                    <m:sSubPr>
-                                      <m:ctrlPr>
-                                        <a:rPr kumimoji="1" lang="en-US" altLang="ja-JP" b="0" i="1" smtClean="0">
-                                          <a:latin typeface="Cambria Math" panose="02040503050406030204" pitchFamily="18" charset="0"/>
-                                        </a:rPr>
-                                      </m:ctrlPr>
-                                    </m:sSubPr>
-                                    <m:e>
-                                      <m:r>
-                                        <a:rPr kumimoji="1" lang="en-US" altLang="ja-JP" b="0" i="1" smtClean="0">
-                                          <a:latin typeface="Cambria Math" panose="02040503050406030204" pitchFamily="18" charset="0"/>
-                                        </a:rPr>
-                                        <m:t>𝐶</m:t>
-                                      </m:r>
-                                    </m:e>
-                                    <m:sub>
-                                      <m:r>
-                                        <a:rPr kumimoji="1" lang="en-US" altLang="ja-JP" b="0" i="1" smtClean="0">
-                                          <a:latin typeface="Cambria Math" panose="02040503050406030204" pitchFamily="18" charset="0"/>
-                                        </a:rPr>
-                                        <m:t>𝑗𝑐</m:t>
-                                      </m:r>
-                                      <m:r>
-                                        <a:rPr kumimoji="1" lang="en-US" altLang="ja-JP" b="0" i="1" smtClean="0">
-                                          <a:latin typeface="Cambria Math" panose="02040503050406030204" pitchFamily="18" charset="0"/>
-                                        </a:rPr>
-                                        <m:t>2</m:t>
-                                      </m:r>
-                                    </m:sub>
-                                  </m:sSub>
-                                  <m:r>
-                                    <a:rPr kumimoji="1" lang="en-US" altLang="ja-JP" b="0" i="1" smtClean="0">
-                                      <a:latin typeface="Cambria Math" panose="02040503050406030204" pitchFamily="18" charset="0"/>
-                                    </a:rPr>
-                                    <m:t>+</m:t>
-                                  </m:r>
-                                  <m:sSub>
-                                    <m:sSubPr>
-                                      <m:ctrlPr>
-                                        <a:rPr kumimoji="1" lang="en-US" altLang="ja-JP" b="0" i="1" smtClean="0">
-                                          <a:latin typeface="Cambria Math" panose="02040503050406030204" pitchFamily="18" charset="0"/>
-                                        </a:rPr>
-                                      </m:ctrlPr>
-                                    </m:sSubPr>
-                                    <m:e>
-                                      <m:r>
-                                        <a:rPr kumimoji="1" lang="en-US" altLang="ja-JP" b="0" i="1" smtClean="0">
-                                          <a:latin typeface="Cambria Math" panose="02040503050406030204" pitchFamily="18" charset="0"/>
-                                        </a:rPr>
-                                        <m:t>𝐶</m:t>
-                                      </m:r>
-                                    </m:e>
-                                    <m:sub>
-                                      <m:r>
-                                        <a:rPr kumimoji="1" lang="en-US" altLang="ja-JP" b="0" i="1" smtClean="0">
-                                          <a:latin typeface="Cambria Math" panose="02040503050406030204" pitchFamily="18" charset="0"/>
-                                        </a:rPr>
-                                        <m:t>𝑗𝑒</m:t>
-                                      </m:r>
-                                      <m:r>
-                                        <a:rPr kumimoji="1" lang="en-US" altLang="ja-JP" b="0" i="1" smtClean="0">
-                                          <a:latin typeface="Cambria Math" panose="02040503050406030204" pitchFamily="18" charset="0"/>
-                                        </a:rPr>
-                                        <m:t>2</m:t>
-                                      </m:r>
-                                    </m:sub>
-                                  </m:sSub>
-                                </m:e>
-                              </m:d>
                             </m:e>
                           </m:d>
                         </m:e>
@@ -10419,14 +11902,14 @@
                       <m:sSub>
                         <m:sSubPr>
                           <m:ctrlPr>
-                            <a:rPr kumimoji="1" lang="en-US" altLang="ja-JP" b="0" i="1" smtClean="0">
+                            <a:rPr lang="en-US" altLang="ja-JP" b="0" i="1" smtClean="0">
                               <a:latin typeface="Cambria Math" panose="02040503050406030204" pitchFamily="18" charset="0"/>
                             </a:rPr>
                           </m:ctrlPr>
                         </m:sSubPr>
                         <m:e>
                           <m:r>
-                            <a:rPr kumimoji="1" lang="en-US" altLang="ja-JP" b="0" i="1" smtClean="0">
+                            <a:rPr lang="en-US" altLang="ja-JP" b="0" i="1" smtClean="0">
                               <a:latin typeface="Cambria Math" panose="02040503050406030204" pitchFamily="18" charset="0"/>
                             </a:rPr>
                             <m:t>𝑣</m:t>
@@ -10434,7 +11917,7 @@
                         </m:e>
                         <m:sub>
                           <m:r>
-                            <a:rPr kumimoji="1" lang="en-US" altLang="ja-JP" b="0" i="1" smtClean="0">
+                            <a:rPr lang="en-US" altLang="ja-JP" b="0" i="1" smtClean="0">
                               <a:latin typeface="Cambria Math" panose="02040503050406030204" pitchFamily="18" charset="0"/>
                             </a:rPr>
                             <m:t>𝑚</m:t>
@@ -10442,7 +11925,7 @@
                         </m:sub>
                       </m:sSub>
                       <m:r>
-                        <a:rPr kumimoji="1" lang="en-US" altLang="ja-JP" b="0" i="1" smtClean="0">
+                        <a:rPr lang="en-US" altLang="ja-JP" b="0" i="1" smtClean="0">
                           <a:latin typeface="Cambria Math" panose="02040503050406030204" pitchFamily="18" charset="0"/>
                         </a:rPr>
                         <m:t>−</m:t>
@@ -10450,7 +11933,7 @@
                       <m:f>
                         <m:fPr>
                           <m:ctrlPr>
-                            <a:rPr lang="en-US" altLang="ja-JP" i="1">
+                            <a:rPr lang="en-US" altLang="ja-JP" b="0" i="1" smtClean="0">
                               <a:latin typeface="Cambria Math" panose="02040503050406030204" pitchFamily="18" charset="0"/>
                             </a:rPr>
                           </m:ctrlPr>
@@ -10459,14 +11942,14 @@
                           <m:sSub>
                             <m:sSubPr>
                               <m:ctrlPr>
-                                <a:rPr lang="en-US" altLang="ja-JP" i="1">
+                                <a:rPr lang="en-US" altLang="ja-JP" b="0" i="1" smtClean="0">
                                   <a:latin typeface="Cambria Math" panose="02040503050406030204" pitchFamily="18" charset="0"/>
                                 </a:rPr>
                               </m:ctrlPr>
                             </m:sSubPr>
                             <m:e>
                               <m:r>
-                                <a:rPr lang="en-US" altLang="ja-JP" i="1">
+                                <a:rPr lang="en-US" altLang="ja-JP" b="0" i="1" smtClean="0">
                                   <a:latin typeface="Cambria Math" panose="02040503050406030204" pitchFamily="18" charset="0"/>
                                 </a:rPr>
                                 <m:t>𝑔</m:t>
@@ -10474,13 +11957,13 @@
                             </m:e>
                             <m:sub>
                               <m:r>
-                                <a:rPr lang="en-US" altLang="ja-JP" i="1">
+                                <a:rPr lang="en-US" altLang="ja-JP" b="0" i="1" smtClean="0">
                                   <a:latin typeface="Cambria Math" panose="02040503050406030204" pitchFamily="18" charset="0"/>
                                 </a:rPr>
                                 <m:t>𝑐</m:t>
                               </m:r>
                               <m:r>
-                                <a:rPr lang="en-US" altLang="ja-JP" i="1">
+                                <a:rPr lang="en-US" altLang="ja-JP" b="0" i="1" smtClean="0">
                                   <a:latin typeface="Cambria Math" panose="02040503050406030204" pitchFamily="18" charset="0"/>
                                 </a:rPr>
                                 <m:t>1</m:t>
@@ -10490,7 +11973,7 @@
                           <m:d>
                             <m:dPr>
                               <m:ctrlPr>
-                                <a:rPr lang="en-US" altLang="ja-JP" i="1">
+                                <a:rPr lang="en-US" altLang="ja-JP" b="0" i="1" smtClean="0">
                                   <a:latin typeface="Cambria Math" panose="02040503050406030204" pitchFamily="18" charset="0"/>
                                 </a:rPr>
                               </m:ctrlPr>
@@ -10566,6 +12049,8 @@
                               </m:sSub>
                             </m:e>
                           </m:d>
+                        </m:num>
+                        <m:den>
                           <m:sSub>
                             <m:sSubPr>
                               <m:ctrlPr>
@@ -10579,7 +12064,7 @@
                                 <a:rPr lang="en-US" altLang="ja-JP" b="0" i="1" smtClean="0">
                                   <a:latin typeface="Cambria Math" panose="02040503050406030204" pitchFamily="18" charset="0"/>
                                 </a:rPr>
-                                <m:t>𝑣</m:t>
+                                <m:t>𝐺</m:t>
                               </m:r>
                             </m:e>
                             <m:sub>
@@ -10587,7 +12072,922 @@
                                 <a:rPr lang="en-US" altLang="ja-JP" b="0" i="1" smtClean="0">
                                   <a:latin typeface="Cambria Math" panose="02040503050406030204" pitchFamily="18" charset="0"/>
                                 </a:rPr>
+                                <m:t>1</m:t>
+                              </m:r>
+                            </m:sub>
+                          </m:sSub>
+                          <m:r>
+                            <a:rPr lang="en-US" altLang="ja-JP" b="0" i="1" smtClean="0">
+                              <a:latin typeface="Cambria Math" panose="02040503050406030204" pitchFamily="18" charset="0"/>
+                            </a:rPr>
+                            <m:t>+</m:t>
+                          </m:r>
+                          <m:r>
+                            <a:rPr lang="en-US" altLang="ja-JP" b="0" i="1" smtClean="0">
+                              <a:latin typeface="Cambria Math" panose="02040503050406030204" pitchFamily="18" charset="0"/>
+                            </a:rPr>
+                            <m:t>𝑗</m:t>
+                          </m:r>
+                          <m:r>
+                            <a:rPr lang="en-US" altLang="ja-JP" b="0" i="1" smtClean="0">
+                              <a:latin typeface="Cambria Math" panose="02040503050406030204" pitchFamily="18" charset="0"/>
+                            </a:rPr>
+                            <m:t>𝜔</m:t>
+                          </m:r>
+                          <m:sSub>
+                            <m:sSubPr>
+                              <m:ctrlPr>
+                                <a:rPr lang="en-US" altLang="ja-JP" b="0" i="1" smtClean="0">
+                                  <a:latin typeface="Cambria Math" panose="02040503050406030204" pitchFamily="18" charset="0"/>
+                                </a:rPr>
+                              </m:ctrlPr>
+                            </m:sSubPr>
+                            <m:e>
+                              <m:r>
+                                <a:rPr lang="en-US" altLang="ja-JP" b="0" i="1" smtClean="0">
+                                  <a:latin typeface="Cambria Math" panose="02040503050406030204" pitchFamily="18" charset="0"/>
+                                </a:rPr>
+                                <m:t>𝐶</m:t>
+                              </m:r>
+                            </m:e>
+                            <m:sub>
+                              <m:r>
+                                <a:rPr lang="en-US" altLang="ja-JP" b="0" i="1" smtClean="0">
+                                  <a:latin typeface="Cambria Math" panose="02040503050406030204" pitchFamily="18" charset="0"/>
+                                </a:rPr>
+                                <m:t>1</m:t>
+                              </m:r>
+                            </m:sub>
+                          </m:sSub>
+                        </m:den>
+                      </m:f>
+                      <m:sSub>
+                        <m:sSubPr>
+                          <m:ctrlPr>
+                            <a:rPr lang="en-US" altLang="ja-JP" b="0" i="1" smtClean="0">
+                              <a:latin typeface="Cambria Math" panose="02040503050406030204" pitchFamily="18" charset="0"/>
+                            </a:rPr>
+                          </m:ctrlPr>
+                        </m:sSubPr>
+                        <m:e>
+                          <m:r>
+                            <a:rPr lang="en-US" altLang="ja-JP" b="0" i="1" smtClean="0">
+                              <a:latin typeface="Cambria Math" panose="02040503050406030204" pitchFamily="18" charset="0"/>
+                            </a:rPr>
+                            <m:t>𝑣</m:t>
+                          </m:r>
+                        </m:e>
+                        <m:sub>
+                          <m:r>
+                            <a:rPr lang="en-US" altLang="ja-JP" b="0" i="1" smtClean="0">
+                              <a:latin typeface="Cambria Math" panose="02040503050406030204" pitchFamily="18" charset="0"/>
+                            </a:rPr>
+                            <m:t>𝑚</m:t>
+                          </m:r>
+                        </m:sub>
+                      </m:sSub>
+                      <m:r>
+                        <a:rPr lang="en-US" altLang="ja-JP" b="0" i="1" smtClean="0">
+                          <a:latin typeface="Cambria Math" panose="02040503050406030204" pitchFamily="18" charset="0"/>
+                        </a:rPr>
+                        <m:t>+</m:t>
+                      </m:r>
+                      <m:f>
+                        <m:fPr>
+                          <m:ctrlPr>
+                            <a:rPr lang="en-US" altLang="ja-JP" b="0" i="1" smtClean="0">
+                              <a:latin typeface="Cambria Math" panose="02040503050406030204" pitchFamily="18" charset="0"/>
+                            </a:rPr>
+                          </m:ctrlPr>
+                        </m:fPr>
+                        <m:num>
+                          <m:sSub>
+                            <m:sSubPr>
+                              <m:ctrlPr>
+                                <a:rPr lang="en-US" altLang="ja-JP" b="0" i="1" smtClean="0">
+                                  <a:latin typeface="Cambria Math" panose="02040503050406030204" pitchFamily="18" charset="0"/>
+                                </a:rPr>
+                              </m:ctrlPr>
+                            </m:sSubPr>
+                            <m:e>
+                              <m:r>
+                                <a:rPr lang="en-US" altLang="ja-JP" b="0" i="1" smtClean="0">
+                                  <a:latin typeface="Cambria Math" panose="02040503050406030204" pitchFamily="18" charset="0"/>
+                                </a:rPr>
+                                <m:t>𝑔</m:t>
+                              </m:r>
+                            </m:e>
+                            <m:sub>
+                              <m:r>
+                                <a:rPr lang="en-US" altLang="ja-JP" b="0" i="1" smtClean="0">
+                                  <a:latin typeface="Cambria Math" panose="02040503050406030204" pitchFamily="18" charset="0"/>
+                                </a:rPr>
                                 <m:t>𝑚</m:t>
+                              </m:r>
+                              <m:r>
+                                <a:rPr lang="en-US" altLang="ja-JP" b="0" i="1" smtClean="0">
+                                  <a:latin typeface="Cambria Math" panose="02040503050406030204" pitchFamily="18" charset="0"/>
+                                </a:rPr>
+                                <m:t>1</m:t>
+                              </m:r>
+                            </m:sub>
+                          </m:sSub>
+                          <m:r>
+                            <a:rPr lang="en-US" altLang="ja-JP" b="0" i="1" smtClean="0">
+                              <a:latin typeface="Cambria Math" panose="02040503050406030204" pitchFamily="18" charset="0"/>
+                            </a:rPr>
+                            <m:t>+</m:t>
+                          </m:r>
+                          <m:sSub>
+                            <m:sSubPr>
+                              <m:ctrlPr>
+                                <a:rPr lang="en-US" altLang="ja-JP" b="0" i="1" smtClean="0">
+                                  <a:latin typeface="Cambria Math" panose="02040503050406030204" pitchFamily="18" charset="0"/>
+                                </a:rPr>
+                              </m:ctrlPr>
+                            </m:sSubPr>
+                            <m:e>
+                              <m:r>
+                                <a:rPr lang="en-US" altLang="ja-JP" b="0" i="1" smtClean="0">
+                                  <a:latin typeface="Cambria Math" panose="02040503050406030204" pitchFamily="18" charset="0"/>
+                                </a:rPr>
+                                <m:t>𝑔</m:t>
+                              </m:r>
+                            </m:e>
+                            <m:sub>
+                              <m:r>
+                                <a:rPr lang="en-US" altLang="ja-JP" b="0" i="1" smtClean="0">
+                                  <a:latin typeface="Cambria Math" panose="02040503050406030204" pitchFamily="18" charset="0"/>
+                                </a:rPr>
+                                <m:t>𝑐𝑒</m:t>
+                              </m:r>
+                              <m:r>
+                                <a:rPr lang="en-US" altLang="ja-JP" b="0" i="1" smtClean="0">
+                                  <a:latin typeface="Cambria Math" panose="02040503050406030204" pitchFamily="18" charset="0"/>
+                                </a:rPr>
+                                <m:t>1</m:t>
+                              </m:r>
+                            </m:sub>
+                          </m:sSub>
+                        </m:num>
+                        <m:den>
+                          <m:sSub>
+                            <m:sSubPr>
+                              <m:ctrlPr>
+                                <a:rPr lang="en-US" altLang="ja-JP" b="0" i="1" smtClean="0">
+                                  <a:latin typeface="Cambria Math" panose="02040503050406030204" pitchFamily="18" charset="0"/>
+                                </a:rPr>
+                              </m:ctrlPr>
+                            </m:sSubPr>
+                            <m:e>
+                              <m:r>
+                                <a:rPr lang="en-US" altLang="ja-JP" b="0" i="1" smtClean="0">
+                                  <a:latin typeface="Cambria Math" panose="02040503050406030204" pitchFamily="18" charset="0"/>
+                                </a:rPr>
+                                <m:t>𝐺</m:t>
+                              </m:r>
+                            </m:e>
+                            <m:sub>
+                              <m:r>
+                                <a:rPr lang="en-US" altLang="ja-JP" b="0" i="1" smtClean="0">
+                                  <a:latin typeface="Cambria Math" panose="02040503050406030204" pitchFamily="18" charset="0"/>
+                                </a:rPr>
+                                <m:t>1</m:t>
+                              </m:r>
+                            </m:sub>
+                          </m:sSub>
+                          <m:r>
+                            <a:rPr lang="en-US" altLang="ja-JP" b="0" i="1" smtClean="0">
+                              <a:latin typeface="Cambria Math" panose="02040503050406030204" pitchFamily="18" charset="0"/>
+                            </a:rPr>
+                            <m:t>+</m:t>
+                          </m:r>
+                          <m:r>
+                            <a:rPr lang="en-US" altLang="ja-JP" b="0" i="1" smtClean="0">
+                              <a:latin typeface="Cambria Math" panose="02040503050406030204" pitchFamily="18" charset="0"/>
+                            </a:rPr>
+                            <m:t>𝑗</m:t>
+                          </m:r>
+                          <m:r>
+                            <a:rPr lang="en-US" altLang="ja-JP" b="0" i="1" smtClean="0">
+                              <a:latin typeface="Cambria Math" panose="02040503050406030204" pitchFamily="18" charset="0"/>
+                            </a:rPr>
+                            <m:t>𝜔</m:t>
+                          </m:r>
+                          <m:sSub>
+                            <m:sSubPr>
+                              <m:ctrlPr>
+                                <a:rPr lang="en-US" altLang="ja-JP" b="0" i="1" smtClean="0">
+                                  <a:latin typeface="Cambria Math" panose="02040503050406030204" pitchFamily="18" charset="0"/>
+                                </a:rPr>
+                              </m:ctrlPr>
+                            </m:sSubPr>
+                            <m:e>
+                              <m:r>
+                                <a:rPr lang="en-US" altLang="ja-JP" b="0" i="1" smtClean="0">
+                                  <a:latin typeface="Cambria Math" panose="02040503050406030204" pitchFamily="18" charset="0"/>
+                                </a:rPr>
+                                <m:t>𝐶</m:t>
+                              </m:r>
+                            </m:e>
+                            <m:sub>
+                              <m:r>
+                                <a:rPr lang="en-US" altLang="ja-JP" b="0" i="1" smtClean="0">
+                                  <a:latin typeface="Cambria Math" panose="02040503050406030204" pitchFamily="18" charset="0"/>
+                                </a:rPr>
+                                <m:t>1</m:t>
+                              </m:r>
+                            </m:sub>
+                          </m:sSub>
+                        </m:den>
+                      </m:f>
+                      <m:sSub>
+                        <m:sSubPr>
+                          <m:ctrlPr>
+                            <a:rPr lang="en-US" altLang="ja-JP" b="0" i="1" smtClean="0">
+                              <a:latin typeface="Cambria Math" panose="02040503050406030204" pitchFamily="18" charset="0"/>
+                            </a:rPr>
+                          </m:ctrlPr>
+                        </m:sSubPr>
+                        <m:e>
+                          <m:r>
+                            <a:rPr lang="en-US" altLang="ja-JP" b="0" i="1" smtClean="0">
+                              <a:latin typeface="Cambria Math" panose="02040503050406030204" pitchFamily="18" charset="0"/>
+                            </a:rPr>
+                            <m:t>𝑖</m:t>
+                          </m:r>
+                        </m:e>
+                        <m:sub>
+                          <m:r>
+                            <a:rPr lang="en-US" altLang="ja-JP" b="0" i="1" smtClean="0">
+                              <a:latin typeface="Cambria Math" panose="02040503050406030204" pitchFamily="18" charset="0"/>
+                            </a:rPr>
+                            <m:t>𝑖𝑛</m:t>
+                          </m:r>
+                        </m:sub>
+                      </m:sSub>
+                    </m:oMath>
+                  </m:oMathPara>
+                </a14:m>
+                <a:endParaRPr lang="en-US" altLang="ja-JP" b="0" dirty="0">
+                  <a:latin typeface="Times Newer Roman" panose="00000500000000000000" pitchFamily="50" charset="0"/>
+                </a:endParaRPr>
+              </a:p>
+              <a:p>
+                <a14:m>
+                  <m:oMathPara xmlns:m="http://schemas.openxmlformats.org/officeDocument/2006/math">
+                    <m:oMathParaPr>
+                      <m:jc m:val="centerGroup"/>
+                    </m:oMathParaPr>
+                    <m:oMath xmlns:m="http://schemas.openxmlformats.org/officeDocument/2006/math">
+                      <m:f>
+                        <m:fPr>
+                          <m:ctrlPr>
+                            <a:rPr kumimoji="1" lang="en-US" altLang="ja-JP" b="0" i="1" smtClean="0">
+                              <a:latin typeface="Cambria Math" panose="02040503050406030204" pitchFamily="18" charset="0"/>
+                            </a:rPr>
+                          </m:ctrlPr>
+                        </m:fPr>
+                        <m:num>
+                          <m:sSub>
+                            <m:sSubPr>
+                              <m:ctrlPr>
+                                <a:rPr kumimoji="1" lang="en-US" altLang="ja-JP" b="0" i="1" smtClean="0">
+                                  <a:latin typeface="Cambria Math" panose="02040503050406030204" pitchFamily="18" charset="0"/>
+                                </a:rPr>
+                              </m:ctrlPr>
+                            </m:sSubPr>
+                            <m:e>
+                              <m:r>
+                                <a:rPr kumimoji="1" lang="en-US" altLang="ja-JP" b="0" i="1" smtClean="0">
+                                  <a:latin typeface="Cambria Math" panose="02040503050406030204" pitchFamily="18" charset="0"/>
+                                </a:rPr>
+                                <m:t>𝑔</m:t>
+                              </m:r>
+                            </m:e>
+                            <m:sub>
+                              <m:r>
+                                <a:rPr kumimoji="1" lang="en-US" altLang="ja-JP" b="0" i="1" smtClean="0">
+                                  <a:latin typeface="Cambria Math" panose="02040503050406030204" pitchFamily="18" charset="0"/>
+                                </a:rPr>
+                                <m:t>𝑐</m:t>
+                              </m:r>
+                              <m:r>
+                                <a:rPr kumimoji="1" lang="en-US" altLang="ja-JP" b="0" i="1" smtClean="0">
+                                  <a:latin typeface="Cambria Math" panose="02040503050406030204" pitchFamily="18" charset="0"/>
+                                </a:rPr>
+                                <m:t>1</m:t>
+                              </m:r>
+                            </m:sub>
+                          </m:sSub>
+                          <m:d>
+                            <m:dPr>
+                              <m:ctrlPr>
+                                <a:rPr kumimoji="1" lang="en-US" altLang="ja-JP" b="0" i="1" smtClean="0">
+                                  <a:latin typeface="Cambria Math" panose="02040503050406030204" pitchFamily="18" charset="0"/>
+                                </a:rPr>
+                              </m:ctrlPr>
+                            </m:dPr>
+                            <m:e>
+                              <m:sSub>
+                                <m:sSubPr>
+                                  <m:ctrlPr>
+                                    <a:rPr kumimoji="1" lang="en-US" altLang="ja-JP" b="0" i="1" smtClean="0">
+                                      <a:latin typeface="Cambria Math" panose="02040503050406030204" pitchFamily="18" charset="0"/>
+                                    </a:rPr>
+                                  </m:ctrlPr>
+                                </m:sSubPr>
+                                <m:e>
+                                  <m:r>
+                                    <a:rPr kumimoji="1" lang="en-US" altLang="ja-JP" b="0" i="1" smtClean="0">
+                                      <a:latin typeface="Cambria Math" panose="02040503050406030204" pitchFamily="18" charset="0"/>
+                                    </a:rPr>
+                                    <m:t>𝑔</m:t>
+                                  </m:r>
+                                </m:e>
+                                <m:sub>
+                                  <m:r>
+                                    <a:rPr kumimoji="1" lang="en-US" altLang="ja-JP" b="0" i="1" smtClean="0">
+                                      <a:latin typeface="Cambria Math" panose="02040503050406030204" pitchFamily="18" charset="0"/>
+                                    </a:rPr>
+                                    <m:t>𝑚</m:t>
+                                  </m:r>
+                                  <m:r>
+                                    <a:rPr kumimoji="1" lang="en-US" altLang="ja-JP" b="0" i="1" smtClean="0">
+                                      <a:latin typeface="Cambria Math" panose="02040503050406030204" pitchFamily="18" charset="0"/>
+                                    </a:rPr>
+                                    <m:t>1</m:t>
+                                  </m:r>
+                                </m:sub>
+                              </m:sSub>
+                              <m:r>
+                                <a:rPr kumimoji="1" lang="en-US" altLang="ja-JP" b="0" i="1" smtClean="0">
+                                  <a:latin typeface="Cambria Math" panose="02040503050406030204" pitchFamily="18" charset="0"/>
+                                </a:rPr>
+                                <m:t>+</m:t>
+                              </m:r>
+                              <m:sSub>
+                                <m:sSubPr>
+                                  <m:ctrlPr>
+                                    <a:rPr kumimoji="1" lang="en-US" altLang="ja-JP" b="0" i="1" smtClean="0">
+                                      <a:latin typeface="Cambria Math" panose="02040503050406030204" pitchFamily="18" charset="0"/>
+                                    </a:rPr>
+                                  </m:ctrlPr>
+                                </m:sSubPr>
+                                <m:e>
+                                  <m:r>
+                                    <a:rPr kumimoji="1" lang="en-US" altLang="ja-JP" b="0" i="1" smtClean="0">
+                                      <a:latin typeface="Cambria Math" panose="02040503050406030204" pitchFamily="18" charset="0"/>
+                                    </a:rPr>
+                                    <m:t>𝑔</m:t>
+                                  </m:r>
+                                </m:e>
+                                <m:sub>
+                                  <m:r>
+                                    <a:rPr kumimoji="1" lang="en-US" altLang="ja-JP" b="0" i="1" smtClean="0">
+                                      <a:latin typeface="Cambria Math" panose="02040503050406030204" pitchFamily="18" charset="0"/>
+                                    </a:rPr>
+                                    <m:t>𝑐𝑒</m:t>
+                                  </m:r>
+                                  <m:r>
+                                    <a:rPr kumimoji="1" lang="en-US" altLang="ja-JP" b="0" i="1" smtClean="0">
+                                      <a:latin typeface="Cambria Math" panose="02040503050406030204" pitchFamily="18" charset="0"/>
+                                    </a:rPr>
+                                    <m:t>1</m:t>
+                                  </m:r>
+                                </m:sub>
+                              </m:sSub>
+                            </m:e>
+                          </m:d>
+                          <m:r>
+                            <a:rPr kumimoji="1" lang="en-US" altLang="ja-JP" b="0" i="1" smtClean="0">
+                              <a:latin typeface="Cambria Math" panose="02040503050406030204" pitchFamily="18" charset="0"/>
+                            </a:rPr>
+                            <m:t>−</m:t>
+                          </m:r>
+                          <m:sSub>
+                            <m:sSubPr>
+                              <m:ctrlPr>
+                                <a:rPr kumimoji="1" lang="en-US" altLang="ja-JP" b="0" i="1" smtClean="0">
+                                  <a:latin typeface="Cambria Math" panose="02040503050406030204" pitchFamily="18" charset="0"/>
+                                </a:rPr>
+                              </m:ctrlPr>
+                            </m:sSubPr>
+                            <m:e>
+                              <m:r>
+                                <a:rPr kumimoji="1" lang="en-US" altLang="ja-JP" b="0" i="1" smtClean="0">
+                                  <a:latin typeface="Cambria Math" panose="02040503050406030204" pitchFamily="18" charset="0"/>
+                                </a:rPr>
+                                <m:t>𝐺</m:t>
+                              </m:r>
+                            </m:e>
+                            <m:sub>
+                              <m:r>
+                                <a:rPr kumimoji="1" lang="en-US" altLang="ja-JP" b="0" i="1" smtClean="0">
+                                  <a:latin typeface="Cambria Math" panose="02040503050406030204" pitchFamily="18" charset="0"/>
+                                </a:rPr>
+                                <m:t>1</m:t>
+                              </m:r>
+                            </m:sub>
+                          </m:sSub>
+                          <m:sSub>
+                            <m:sSubPr>
+                              <m:ctrlPr>
+                                <a:rPr kumimoji="1" lang="en-US" altLang="ja-JP" b="0" i="1" smtClean="0">
+                                  <a:latin typeface="Cambria Math" panose="02040503050406030204" pitchFamily="18" charset="0"/>
+                                </a:rPr>
+                              </m:ctrlPr>
+                            </m:sSubPr>
+                            <m:e>
+                              <m:r>
+                                <a:rPr kumimoji="1" lang="en-US" altLang="ja-JP" b="0" i="1" smtClean="0">
+                                  <a:latin typeface="Cambria Math" panose="02040503050406030204" pitchFamily="18" charset="0"/>
+                                </a:rPr>
+                                <m:t>𝐺</m:t>
+                              </m:r>
+                            </m:e>
+                            <m:sub>
+                              <m:r>
+                                <a:rPr kumimoji="1" lang="en-US" altLang="ja-JP" b="0" i="1" smtClean="0">
+                                  <a:latin typeface="Cambria Math" panose="02040503050406030204" pitchFamily="18" charset="0"/>
+                                </a:rPr>
+                                <m:t>2</m:t>
+                              </m:r>
+                            </m:sub>
+                          </m:sSub>
+                          <m:r>
+                            <a:rPr kumimoji="1" lang="en-US" altLang="ja-JP" b="0" i="1" smtClean="0">
+                              <a:latin typeface="Cambria Math" panose="02040503050406030204" pitchFamily="18" charset="0"/>
+                            </a:rPr>
+                            <m:t>−</m:t>
+                          </m:r>
+                          <m:sSup>
+                            <m:sSupPr>
+                              <m:ctrlPr>
+                                <a:rPr kumimoji="1" lang="en-US" altLang="ja-JP" b="0" i="1" smtClean="0">
+                                  <a:latin typeface="Cambria Math" panose="02040503050406030204" pitchFamily="18" charset="0"/>
+                                </a:rPr>
+                              </m:ctrlPr>
+                            </m:sSupPr>
+                            <m:e>
+                              <m:r>
+                                <a:rPr kumimoji="1" lang="en-US" altLang="ja-JP" b="0" i="1" smtClean="0">
+                                  <a:latin typeface="Cambria Math" panose="02040503050406030204" pitchFamily="18" charset="0"/>
+                                </a:rPr>
+                                <m:t>𝜔</m:t>
+                              </m:r>
+                            </m:e>
+                            <m:sup>
+                              <m:r>
+                                <a:rPr kumimoji="1" lang="en-US" altLang="ja-JP" b="0" i="1" smtClean="0">
+                                  <a:latin typeface="Cambria Math" panose="02040503050406030204" pitchFamily="18" charset="0"/>
+                                </a:rPr>
+                                <m:t>2</m:t>
+                              </m:r>
+                            </m:sup>
+                          </m:sSup>
+                          <m:sSub>
+                            <m:sSubPr>
+                              <m:ctrlPr>
+                                <a:rPr kumimoji="1" lang="en-US" altLang="ja-JP" b="0" i="1" smtClean="0">
+                                  <a:latin typeface="Cambria Math" panose="02040503050406030204" pitchFamily="18" charset="0"/>
+                                </a:rPr>
+                              </m:ctrlPr>
+                            </m:sSubPr>
+                            <m:e>
+                              <m:r>
+                                <a:rPr kumimoji="1" lang="en-US" altLang="ja-JP" b="0" i="1" smtClean="0">
+                                  <a:latin typeface="Cambria Math" panose="02040503050406030204" pitchFamily="18" charset="0"/>
+                                </a:rPr>
+                                <m:t>𝐶</m:t>
+                              </m:r>
+                            </m:e>
+                            <m:sub>
+                              <m:r>
+                                <a:rPr kumimoji="1" lang="en-US" altLang="ja-JP" b="0" i="1" smtClean="0">
+                                  <a:latin typeface="Cambria Math" panose="02040503050406030204" pitchFamily="18" charset="0"/>
+                                </a:rPr>
+                                <m:t>1</m:t>
+                              </m:r>
+                            </m:sub>
+                          </m:sSub>
+                          <m:sSub>
+                            <m:sSubPr>
+                              <m:ctrlPr>
+                                <a:rPr kumimoji="1" lang="en-US" altLang="ja-JP" b="0" i="1" smtClean="0">
+                                  <a:latin typeface="Cambria Math" panose="02040503050406030204" pitchFamily="18" charset="0"/>
+                                </a:rPr>
+                              </m:ctrlPr>
+                            </m:sSubPr>
+                            <m:e>
+                              <m:r>
+                                <a:rPr kumimoji="1" lang="en-US" altLang="ja-JP" b="0" i="1" smtClean="0">
+                                  <a:latin typeface="Cambria Math" panose="02040503050406030204" pitchFamily="18" charset="0"/>
+                                </a:rPr>
+                                <m:t>𝐶</m:t>
+                              </m:r>
+                            </m:e>
+                            <m:sub>
+                              <m:r>
+                                <a:rPr kumimoji="1" lang="en-US" altLang="ja-JP" b="0" i="1" smtClean="0">
+                                  <a:latin typeface="Cambria Math" panose="02040503050406030204" pitchFamily="18" charset="0"/>
+                                </a:rPr>
+                                <m:t>2</m:t>
+                              </m:r>
+                            </m:sub>
+                          </m:sSub>
+                          <m:r>
+                            <a:rPr kumimoji="1" lang="en-US" altLang="ja-JP" b="0" i="1" smtClean="0">
+                              <a:latin typeface="Cambria Math" panose="02040503050406030204" pitchFamily="18" charset="0"/>
+                            </a:rPr>
+                            <m:t>−</m:t>
+                          </m:r>
+                          <m:r>
+                            <a:rPr kumimoji="1" lang="en-US" altLang="ja-JP" b="0" i="1" smtClean="0">
+                              <a:latin typeface="Cambria Math" panose="02040503050406030204" pitchFamily="18" charset="0"/>
+                            </a:rPr>
+                            <m:t>𝑗</m:t>
+                          </m:r>
+                          <m:r>
+                            <a:rPr kumimoji="1" lang="en-US" altLang="ja-JP" b="0" i="1" smtClean="0">
+                              <a:latin typeface="Cambria Math" panose="02040503050406030204" pitchFamily="18" charset="0"/>
+                            </a:rPr>
+                            <m:t>𝜔</m:t>
+                          </m:r>
+                          <m:d>
+                            <m:dPr>
+                              <m:ctrlPr>
+                                <a:rPr kumimoji="1" lang="en-US" altLang="ja-JP" b="0" i="1" smtClean="0">
+                                  <a:latin typeface="Cambria Math" panose="02040503050406030204" pitchFamily="18" charset="0"/>
+                                </a:rPr>
+                              </m:ctrlPr>
+                            </m:dPr>
+                            <m:e>
+                              <m:sSub>
+                                <m:sSubPr>
+                                  <m:ctrlPr>
+                                    <a:rPr kumimoji="1" lang="en-US" altLang="ja-JP" b="0" i="1" smtClean="0">
+                                      <a:latin typeface="Cambria Math" panose="02040503050406030204" pitchFamily="18" charset="0"/>
+                                    </a:rPr>
+                                  </m:ctrlPr>
+                                </m:sSubPr>
+                                <m:e>
+                                  <m:r>
+                                    <a:rPr kumimoji="1" lang="en-US" altLang="ja-JP" b="0" i="1" smtClean="0">
+                                      <a:latin typeface="Cambria Math" panose="02040503050406030204" pitchFamily="18" charset="0"/>
+                                    </a:rPr>
+                                    <m:t>𝐶</m:t>
+                                  </m:r>
+                                </m:e>
+                                <m:sub>
+                                  <m:r>
+                                    <a:rPr kumimoji="1" lang="en-US" altLang="ja-JP" b="0" i="1" smtClean="0">
+                                      <a:latin typeface="Cambria Math" panose="02040503050406030204" pitchFamily="18" charset="0"/>
+                                    </a:rPr>
+                                    <m:t>1</m:t>
+                                  </m:r>
+                                </m:sub>
+                              </m:sSub>
+                              <m:sSub>
+                                <m:sSubPr>
+                                  <m:ctrlPr>
+                                    <a:rPr kumimoji="1" lang="en-US" altLang="ja-JP" b="0" i="1" smtClean="0">
+                                      <a:latin typeface="Cambria Math" panose="02040503050406030204" pitchFamily="18" charset="0"/>
+                                    </a:rPr>
+                                  </m:ctrlPr>
+                                </m:sSubPr>
+                                <m:e>
+                                  <m:r>
+                                    <a:rPr kumimoji="1" lang="en-US" altLang="ja-JP" b="0" i="1" smtClean="0">
+                                      <a:latin typeface="Cambria Math" panose="02040503050406030204" pitchFamily="18" charset="0"/>
+                                    </a:rPr>
+                                    <m:t>𝐺</m:t>
+                                  </m:r>
+                                </m:e>
+                                <m:sub>
+                                  <m:r>
+                                    <a:rPr kumimoji="1" lang="en-US" altLang="ja-JP" b="0" i="1" smtClean="0">
+                                      <a:latin typeface="Cambria Math" panose="02040503050406030204" pitchFamily="18" charset="0"/>
+                                    </a:rPr>
+                                    <m:t>2</m:t>
+                                  </m:r>
+                                </m:sub>
+                              </m:sSub>
+                              <m:r>
+                                <a:rPr kumimoji="1" lang="en-US" altLang="ja-JP" b="0" i="1" smtClean="0">
+                                  <a:latin typeface="Cambria Math" panose="02040503050406030204" pitchFamily="18" charset="0"/>
+                                </a:rPr>
+                                <m:t>+</m:t>
+                              </m:r>
+                              <m:sSub>
+                                <m:sSubPr>
+                                  <m:ctrlPr>
+                                    <a:rPr kumimoji="1" lang="en-US" altLang="ja-JP" b="0" i="1" smtClean="0">
+                                      <a:latin typeface="Cambria Math" panose="02040503050406030204" pitchFamily="18" charset="0"/>
+                                    </a:rPr>
+                                  </m:ctrlPr>
+                                </m:sSubPr>
+                                <m:e>
+                                  <m:r>
+                                    <a:rPr kumimoji="1" lang="en-US" altLang="ja-JP" b="0" i="1" smtClean="0">
+                                      <a:latin typeface="Cambria Math" panose="02040503050406030204" pitchFamily="18" charset="0"/>
+                                    </a:rPr>
+                                    <m:t>𝐶</m:t>
+                                  </m:r>
+                                </m:e>
+                                <m:sub>
+                                  <m:r>
+                                    <a:rPr kumimoji="1" lang="en-US" altLang="ja-JP" b="0" i="1" smtClean="0">
+                                      <a:latin typeface="Cambria Math" panose="02040503050406030204" pitchFamily="18" charset="0"/>
+                                    </a:rPr>
+                                    <m:t>2</m:t>
+                                  </m:r>
+                                </m:sub>
+                              </m:sSub>
+                              <m:sSub>
+                                <m:sSubPr>
+                                  <m:ctrlPr>
+                                    <a:rPr kumimoji="1" lang="en-US" altLang="ja-JP" b="0" i="1" smtClean="0">
+                                      <a:latin typeface="Cambria Math" panose="02040503050406030204" pitchFamily="18" charset="0"/>
+                                    </a:rPr>
+                                  </m:ctrlPr>
+                                </m:sSubPr>
+                                <m:e>
+                                  <m:r>
+                                    <a:rPr kumimoji="1" lang="en-US" altLang="ja-JP" b="0" i="1" smtClean="0">
+                                      <a:latin typeface="Cambria Math" panose="02040503050406030204" pitchFamily="18" charset="0"/>
+                                    </a:rPr>
+                                    <m:t>𝑔</m:t>
+                                  </m:r>
+                                </m:e>
+                                <m:sub>
+                                  <m:r>
+                                    <a:rPr kumimoji="1" lang="en-US" altLang="ja-JP" b="0" i="1" smtClean="0">
+                                      <a:latin typeface="Cambria Math" panose="02040503050406030204" pitchFamily="18" charset="0"/>
+                                    </a:rPr>
+                                    <m:t>𝑐𝑒</m:t>
+                                  </m:r>
+                                  <m:r>
+                                    <a:rPr kumimoji="1" lang="en-US" altLang="ja-JP" b="0" i="1" smtClean="0">
+                                      <a:latin typeface="Cambria Math" panose="02040503050406030204" pitchFamily="18" charset="0"/>
+                                    </a:rPr>
+                                    <m:t>1</m:t>
+                                  </m:r>
+                                </m:sub>
+                              </m:sSub>
+                            </m:e>
+                          </m:d>
+                        </m:num>
+                        <m:den>
+                          <m:sSub>
+                            <m:sSubPr>
+                              <m:ctrlPr>
+                                <a:rPr kumimoji="1" lang="en-US" altLang="ja-JP" b="0" i="1" smtClean="0">
+                                  <a:latin typeface="Cambria Math" panose="02040503050406030204" pitchFamily="18" charset="0"/>
+                                </a:rPr>
+                              </m:ctrlPr>
+                            </m:sSubPr>
+                            <m:e>
+                              <m:r>
+                                <a:rPr kumimoji="1" lang="en-US" altLang="ja-JP" b="0" i="1" smtClean="0">
+                                  <a:latin typeface="Cambria Math" panose="02040503050406030204" pitchFamily="18" charset="0"/>
+                                </a:rPr>
+                                <m:t>𝐺</m:t>
+                              </m:r>
+                            </m:e>
+                            <m:sub>
+                              <m:r>
+                                <a:rPr kumimoji="1" lang="en-US" altLang="ja-JP" b="0" i="1" smtClean="0">
+                                  <a:latin typeface="Cambria Math" panose="02040503050406030204" pitchFamily="18" charset="0"/>
+                                </a:rPr>
+                                <m:t>1</m:t>
+                              </m:r>
+                            </m:sub>
+                          </m:sSub>
+                          <m:r>
+                            <a:rPr kumimoji="1" lang="en-US" altLang="ja-JP" b="0" i="1" smtClean="0">
+                              <a:latin typeface="Cambria Math" panose="02040503050406030204" pitchFamily="18" charset="0"/>
+                            </a:rPr>
+                            <m:t>+</m:t>
+                          </m:r>
+                          <m:r>
+                            <a:rPr kumimoji="1" lang="en-US" altLang="ja-JP" b="0" i="1" smtClean="0">
+                              <a:latin typeface="Cambria Math" panose="02040503050406030204" pitchFamily="18" charset="0"/>
+                            </a:rPr>
+                            <m:t>𝑗</m:t>
+                          </m:r>
+                          <m:r>
+                            <a:rPr kumimoji="1" lang="en-US" altLang="ja-JP" b="0" i="1" smtClean="0">
+                              <a:latin typeface="Cambria Math" panose="02040503050406030204" pitchFamily="18" charset="0"/>
+                            </a:rPr>
+                            <m:t>𝜔</m:t>
+                          </m:r>
+                          <m:sSub>
+                            <m:sSubPr>
+                              <m:ctrlPr>
+                                <a:rPr kumimoji="1" lang="en-US" altLang="ja-JP" b="0" i="1" smtClean="0">
+                                  <a:latin typeface="Cambria Math" panose="02040503050406030204" pitchFamily="18" charset="0"/>
+                                </a:rPr>
+                              </m:ctrlPr>
+                            </m:sSubPr>
+                            <m:e>
+                              <m:r>
+                                <a:rPr kumimoji="1" lang="en-US" altLang="ja-JP" b="0" i="1" smtClean="0">
+                                  <a:latin typeface="Cambria Math" panose="02040503050406030204" pitchFamily="18" charset="0"/>
+                                </a:rPr>
+                                <m:t>𝐶</m:t>
+                              </m:r>
+                            </m:e>
+                            <m:sub>
+                              <m:r>
+                                <a:rPr kumimoji="1" lang="en-US" altLang="ja-JP" b="0" i="1" smtClean="0">
+                                  <a:latin typeface="Cambria Math" panose="02040503050406030204" pitchFamily="18" charset="0"/>
+                                </a:rPr>
+                                <m:t>1</m:t>
+                              </m:r>
+                            </m:sub>
+                          </m:sSub>
+                        </m:den>
+                      </m:f>
+                      <m:sSub>
+                        <m:sSubPr>
+                          <m:ctrlPr>
+                            <a:rPr kumimoji="1" lang="en-US" altLang="ja-JP" b="0" i="1" smtClean="0">
+                              <a:latin typeface="Cambria Math" panose="02040503050406030204" pitchFamily="18" charset="0"/>
+                            </a:rPr>
+                          </m:ctrlPr>
+                        </m:sSubPr>
+                        <m:e>
+                          <m:r>
+                            <a:rPr kumimoji="1" lang="en-US" altLang="ja-JP" b="0" i="1" smtClean="0">
+                              <a:latin typeface="Cambria Math" panose="02040503050406030204" pitchFamily="18" charset="0"/>
+                            </a:rPr>
+                            <m:t>𝑣</m:t>
+                          </m:r>
+                        </m:e>
+                        <m:sub>
+                          <m:r>
+                            <a:rPr kumimoji="1" lang="en-US" altLang="ja-JP" b="0" i="1" smtClean="0">
+                              <a:latin typeface="Cambria Math" panose="02040503050406030204" pitchFamily="18" charset="0"/>
+                            </a:rPr>
+                            <m:t>𝑚</m:t>
+                          </m:r>
+                        </m:sub>
+                      </m:sSub>
+                      <m:r>
+                        <a:rPr kumimoji="1" lang="en-US" altLang="ja-JP" b="0" i="1" smtClean="0">
+                          <a:latin typeface="Cambria Math" panose="02040503050406030204" pitchFamily="18" charset="0"/>
+                        </a:rPr>
+                        <m:t>+</m:t>
+                      </m:r>
+                      <m:r>
+                        <a:rPr kumimoji="1" lang="en-US" altLang="ja-JP" b="0" i="1" smtClean="0">
+                          <a:latin typeface="Cambria Math" panose="02040503050406030204" pitchFamily="18" charset="0"/>
+                        </a:rPr>
+                        <m:t>𝑗</m:t>
+                      </m:r>
+                      <m:r>
+                        <a:rPr kumimoji="1" lang="en-US" altLang="ja-JP" b="0" i="1" smtClean="0">
+                          <a:latin typeface="Cambria Math" panose="02040503050406030204" pitchFamily="18" charset="0"/>
+                        </a:rPr>
+                        <m:t>𝜔</m:t>
+                      </m:r>
+                      <m:sSub>
+                        <m:sSubPr>
+                          <m:ctrlPr>
+                            <a:rPr kumimoji="1" lang="en-US" altLang="ja-JP" b="0" i="1" smtClean="0">
+                              <a:latin typeface="Cambria Math" panose="02040503050406030204" pitchFamily="18" charset="0"/>
+                            </a:rPr>
+                          </m:ctrlPr>
+                        </m:sSubPr>
+                        <m:e>
+                          <m:r>
+                            <a:rPr kumimoji="1" lang="en-US" altLang="ja-JP" b="0" i="1" smtClean="0">
+                              <a:latin typeface="Cambria Math" panose="02040503050406030204" pitchFamily="18" charset="0"/>
+                            </a:rPr>
+                            <m:t>𝐶</m:t>
+                          </m:r>
+                        </m:e>
+                        <m:sub>
+                          <m:r>
+                            <a:rPr kumimoji="1" lang="en-US" altLang="ja-JP" b="0" i="1" smtClean="0">
+                              <a:latin typeface="Cambria Math" panose="02040503050406030204" pitchFamily="18" charset="0"/>
+                            </a:rPr>
+                            <m:t>𝑗𝑐</m:t>
+                          </m:r>
+                          <m:r>
+                            <a:rPr kumimoji="1" lang="en-US" altLang="ja-JP" b="0" i="1" smtClean="0">
+                              <a:latin typeface="Cambria Math" panose="02040503050406030204" pitchFamily="18" charset="0"/>
+                            </a:rPr>
+                            <m:t>2</m:t>
+                          </m:r>
+                        </m:sub>
+                      </m:sSub>
+                      <m:sSub>
+                        <m:sSubPr>
+                          <m:ctrlPr>
+                            <a:rPr kumimoji="1" lang="en-US" altLang="ja-JP" b="0" i="1" smtClean="0">
+                              <a:latin typeface="Cambria Math" panose="02040503050406030204" pitchFamily="18" charset="0"/>
+                            </a:rPr>
+                          </m:ctrlPr>
+                        </m:sSubPr>
+                        <m:e>
+                          <m:r>
+                            <a:rPr kumimoji="1" lang="en-US" altLang="ja-JP" b="0" i="1" smtClean="0">
+                              <a:latin typeface="Cambria Math" panose="02040503050406030204" pitchFamily="18" charset="0"/>
+                            </a:rPr>
+                            <m:t>𝑣</m:t>
+                          </m:r>
+                        </m:e>
+                        <m:sub>
+                          <m:r>
+                            <a:rPr kumimoji="1" lang="en-US" altLang="ja-JP" b="0" i="1" smtClean="0">
+                              <a:latin typeface="Cambria Math" panose="02040503050406030204" pitchFamily="18" charset="0"/>
+                            </a:rPr>
+                            <m:t>𝑜𝑢𝑡</m:t>
+                          </m:r>
+                        </m:sub>
+                      </m:sSub>
+                      <m:r>
+                        <a:rPr kumimoji="1" lang="en-US" altLang="ja-JP" b="0" i="1" smtClean="0">
+                          <a:latin typeface="Cambria Math" panose="02040503050406030204" pitchFamily="18" charset="0"/>
+                        </a:rPr>
+                        <m:t>=</m:t>
+                      </m:r>
+                      <m:f>
+                        <m:fPr>
+                          <m:ctrlPr>
+                            <a:rPr lang="en-US" altLang="ja-JP" i="1">
+                              <a:latin typeface="Cambria Math" panose="02040503050406030204" pitchFamily="18" charset="0"/>
+                            </a:rPr>
+                          </m:ctrlPr>
+                        </m:fPr>
+                        <m:num>
+                          <m:sSub>
+                            <m:sSubPr>
+                              <m:ctrlPr>
+                                <a:rPr lang="en-US" altLang="ja-JP" i="1">
+                                  <a:latin typeface="Cambria Math" panose="02040503050406030204" pitchFamily="18" charset="0"/>
+                                </a:rPr>
+                              </m:ctrlPr>
+                            </m:sSubPr>
+                            <m:e>
+                              <m:r>
+                                <a:rPr lang="en-US" altLang="ja-JP" i="1">
+                                  <a:latin typeface="Cambria Math" panose="02040503050406030204" pitchFamily="18" charset="0"/>
+                                </a:rPr>
+                                <m:t>𝑔</m:t>
+                              </m:r>
+                            </m:e>
+                            <m:sub>
+                              <m:r>
+                                <a:rPr lang="en-US" altLang="ja-JP" i="1">
+                                  <a:latin typeface="Cambria Math" panose="02040503050406030204" pitchFamily="18" charset="0"/>
+                                </a:rPr>
+                                <m:t>𝑚</m:t>
+                              </m:r>
+                              <m:r>
+                                <a:rPr lang="en-US" altLang="ja-JP" i="1">
+                                  <a:latin typeface="Cambria Math" panose="02040503050406030204" pitchFamily="18" charset="0"/>
+                                </a:rPr>
+                                <m:t>1</m:t>
+                              </m:r>
+                            </m:sub>
+                          </m:sSub>
+                          <m:r>
+                            <a:rPr lang="en-US" altLang="ja-JP" i="1">
+                              <a:latin typeface="Cambria Math" panose="02040503050406030204" pitchFamily="18" charset="0"/>
+                            </a:rPr>
+                            <m:t>+</m:t>
+                          </m:r>
+                          <m:sSub>
+                            <m:sSubPr>
+                              <m:ctrlPr>
+                                <a:rPr lang="en-US" altLang="ja-JP" i="1">
+                                  <a:latin typeface="Cambria Math" panose="02040503050406030204" pitchFamily="18" charset="0"/>
+                                </a:rPr>
+                              </m:ctrlPr>
+                            </m:sSubPr>
+                            <m:e>
+                              <m:r>
+                                <a:rPr lang="en-US" altLang="ja-JP" i="1">
+                                  <a:latin typeface="Cambria Math" panose="02040503050406030204" pitchFamily="18" charset="0"/>
+                                </a:rPr>
+                                <m:t>𝑔</m:t>
+                              </m:r>
+                            </m:e>
+                            <m:sub>
+                              <m:r>
+                                <a:rPr lang="en-US" altLang="ja-JP" i="1">
+                                  <a:latin typeface="Cambria Math" panose="02040503050406030204" pitchFamily="18" charset="0"/>
+                                </a:rPr>
+                                <m:t>𝑐𝑒</m:t>
+                              </m:r>
+                              <m:r>
+                                <a:rPr lang="en-US" altLang="ja-JP" i="1">
+                                  <a:latin typeface="Cambria Math" panose="02040503050406030204" pitchFamily="18" charset="0"/>
+                                </a:rPr>
+                                <m:t>1</m:t>
                               </m:r>
                             </m:sub>
                           </m:sSub>
@@ -10614,12 +13014,6 @@
                                 <a:rPr lang="en-US" altLang="ja-JP" i="1">
                                   <a:latin typeface="Cambria Math" panose="02040503050406030204" pitchFamily="18" charset="0"/>
                                 </a:rPr>
-                                <m:t>𝐸</m:t>
-                              </m:r>
-                              <m:r>
-                                <a:rPr lang="en-US" altLang="ja-JP" i="1">
-                                  <a:latin typeface="Cambria Math" panose="02040503050406030204" pitchFamily="18" charset="0"/>
-                                </a:rPr>
                                 <m:t>1</m:t>
                               </m:r>
                             </m:sub>
@@ -10629,6 +13023,18 @@
                               <a:latin typeface="Cambria Math" panose="02040503050406030204" pitchFamily="18" charset="0"/>
                             </a:rPr>
                             <m:t>+</m:t>
+                          </m:r>
+                          <m:r>
+                            <a:rPr lang="en-US" altLang="ja-JP" i="1">
+                              <a:latin typeface="Cambria Math" panose="02040503050406030204" pitchFamily="18" charset="0"/>
+                            </a:rPr>
+                            <m:t>𝑗</m:t>
+                          </m:r>
+                          <m:r>
+                            <a:rPr lang="en-US" altLang="ja-JP" i="1">
+                              <a:latin typeface="Cambria Math" panose="02040503050406030204" pitchFamily="18" charset="0"/>
+                            </a:rPr>
+                            <m:t>𝜔</m:t>
                           </m:r>
                           <m:sSub>
                             <m:sSubPr>
@@ -10643,7 +13049,7 @@
                                 <a:rPr lang="en-US" altLang="ja-JP" i="1">
                                   <a:latin typeface="Cambria Math" panose="02040503050406030204" pitchFamily="18" charset="0"/>
                                 </a:rPr>
-                                <m:t>𝑔</m:t>
+                                <m:t>𝐶</m:t>
                               </m:r>
                             </m:e>
                             <m:sub>
@@ -10651,33 +13057,71 @@
                                 <a:rPr lang="en-US" altLang="ja-JP" i="1">
                                   <a:latin typeface="Cambria Math" panose="02040503050406030204" pitchFamily="18" charset="0"/>
                                 </a:rPr>
-                                <m:t>𝑚</m:t>
-                              </m:r>
-                              <m:r>
-                                <a:rPr lang="en-US" altLang="ja-JP" i="1">
-                                  <a:latin typeface="Cambria Math" panose="02040503050406030204" pitchFamily="18" charset="0"/>
-                                </a:rPr>
                                 <m:t>1</m:t>
                               </m:r>
                             </m:sub>
                           </m:sSub>
-                          <m:r>
+                        </m:den>
+                      </m:f>
+                      <m:sSub>
+                        <m:sSubPr>
+                          <m:ctrlPr>
                             <a:rPr lang="en-US" altLang="ja-JP" i="1">
                               <a:latin typeface="Cambria Math" panose="02040503050406030204" pitchFamily="18" charset="0"/>
                             </a:rPr>
-                            <m:t>+</m:t>
-                          </m:r>
+                          </m:ctrlPr>
+                        </m:sSubPr>
+                        <m:e>
+                          <m:r>
+                            <a:rPr lang="en-US" altLang="ja-JP" i="1">
+                              <a:latin typeface="Cambria Math" panose="02040503050406030204" pitchFamily="18" charset="0"/>
+                            </a:rPr>
+                            <m:t>𝑖</m:t>
+                          </m:r>
+                        </m:e>
+                        <m:sub>
+                          <m:r>
+                            <a:rPr lang="en-US" altLang="ja-JP" i="1">
+                              <a:latin typeface="Cambria Math" panose="02040503050406030204" pitchFamily="18" charset="0"/>
+                            </a:rPr>
+                            <m:t>𝑖𝑛</m:t>
+                          </m:r>
+                        </m:sub>
+                      </m:sSub>
+                    </m:oMath>
+                  </m:oMathPara>
+                </a14:m>
+                <a:endParaRPr kumimoji="1" lang="en-US" altLang="ja-JP" dirty="0">
+                  <a:latin typeface="Times Newer Roman" panose="00000500000000000000" pitchFamily="50" charset="0"/>
+                </a:endParaRPr>
+              </a:p>
+              <a:p>
+                <a14:m>
+                  <m:oMathPara xmlns:m="http://schemas.openxmlformats.org/officeDocument/2006/math">
+                    <m:oMathParaPr>
+                      <m:jc m:val="centerGroup"/>
+                    </m:oMathParaPr>
+                    <m:oMath xmlns:m="http://schemas.openxmlformats.org/officeDocument/2006/math">
+                      <m:f>
+                        <m:fPr>
+                          <m:ctrlPr>
+                            <a:rPr kumimoji="1" lang="en-US" altLang="ja-JP" b="0" i="1" smtClean="0">
+                              <a:latin typeface="Cambria Math" panose="02040503050406030204" pitchFamily="18" charset="0"/>
+                            </a:rPr>
+                          </m:ctrlPr>
+                        </m:fPr>
+                        <m:num>
                           <m:sSub>
                             <m:sSubPr>
                               <m:ctrlPr>
-                                <a:rPr lang="en-US" altLang="ja-JP" i="1">
+                                <a:rPr kumimoji="1" lang="en-US" altLang="ja-JP" b="0" i="1" smtClean="0">
                                   <a:latin typeface="Cambria Math" panose="02040503050406030204" pitchFamily="18" charset="0"/>
                                 </a:rPr>
                               </m:ctrlPr>
                             </m:sSubPr>
                             <m:e>
                               <m:r>
-                                <a:rPr lang="en-US" altLang="ja-JP" i="1">
+                                <a:rPr kumimoji="1" lang="en-US" altLang="ja-JP" b="0" i="1" smtClean="0">
                                   <a:latin typeface="Cambria Math" panose="02040503050406030204" pitchFamily="18" charset="0"/>
                                 </a:rPr>
                                 <m:t>𝑔</m:t>
@@ -10685,41 +13129,23 @@
                             </m:e>
                             <m:sub>
                               <m:r>
-                                <a:rPr lang="en-US" altLang="ja-JP" i="1">
+                                <a:rPr kumimoji="1" lang="en-US" altLang="ja-JP" b="0" i="1" smtClean="0">
                                   <a:latin typeface="Cambria Math" panose="02040503050406030204" pitchFamily="18" charset="0"/>
                                 </a:rPr>
                                 <m:t>𝑐</m:t>
                               </m:r>
                               <m:r>
-                                <a:rPr lang="en-US" altLang="ja-JP" i="1">
+                                <a:rPr kumimoji="1" lang="en-US" altLang="ja-JP" b="0" i="1" smtClean="0">
                                   <a:latin typeface="Cambria Math" panose="02040503050406030204" pitchFamily="18" charset="0"/>
                                 </a:rPr>
                                 <m:t>1</m:t>
                               </m:r>
                             </m:sub>
                           </m:sSub>
-                          <m:r>
-                            <a:rPr lang="en-US" altLang="ja-JP" i="1">
-                              <a:latin typeface="Cambria Math" panose="02040503050406030204" pitchFamily="18" charset="0"/>
-                            </a:rPr>
-                            <m:t>+</m:t>
-                          </m:r>
-                          <m:r>
-                            <a:rPr lang="en-US" altLang="ja-JP" i="1">
-                              <a:latin typeface="Cambria Math" panose="02040503050406030204" pitchFamily="18" charset="0"/>
-                            </a:rPr>
-                            <m:t>𝑗</m:t>
-                          </m:r>
-                          <m:r>
-                            <a:rPr lang="en-US" altLang="ja-JP" i="1">
-                              <a:latin typeface="Cambria Math" panose="02040503050406030204" pitchFamily="18" charset="0"/>
-                            </a:rPr>
-                            <m:t>𝜔</m:t>
-                          </m:r>
                           <m:d>
                             <m:dPr>
                               <m:ctrlPr>
-                                <a:rPr lang="en-US" altLang="ja-JP" i="1">
+                                <a:rPr kumimoji="1" lang="en-US" altLang="ja-JP" b="0" i="1" smtClean="0">
                                   <a:latin typeface="Cambria Math" panose="02040503050406030204" pitchFamily="18" charset="0"/>
                                 </a:rPr>
                               </m:ctrlPr>
@@ -10728,30 +13154,36 @@
                               <m:sSub>
                                 <m:sSubPr>
                                   <m:ctrlPr>
-                                    <a:rPr lang="en-US" altLang="ja-JP" i="1">
+                                    <a:rPr kumimoji="1" lang="en-US" altLang="ja-JP" b="0" i="1" smtClean="0">
                                       <a:latin typeface="Cambria Math" panose="02040503050406030204" pitchFamily="18" charset="0"/>
                                     </a:rPr>
                                   </m:ctrlPr>
                                 </m:sSubPr>
                                 <m:e>
                                   <m:r>
-                                    <a:rPr lang="en-US" altLang="ja-JP" i="1">
+                                    <a:rPr kumimoji="1" lang="en-US" altLang="ja-JP" b="0" i="1" smtClean="0">
                                       <a:latin typeface="Cambria Math" panose="02040503050406030204" pitchFamily="18" charset="0"/>
                                     </a:rPr>
-                                    <m:t>𝐶</m:t>
+                                    <m:t>𝑔</m:t>
                                   </m:r>
                                 </m:e>
                                 <m:sub>
                                   <m:r>
-                                    <a:rPr lang="en-US" altLang="ja-JP" i="1">
+                                    <a:rPr kumimoji="1" lang="en-US" altLang="ja-JP" b="0" i="1" smtClean="0">
                                       <a:latin typeface="Cambria Math" panose="02040503050406030204" pitchFamily="18" charset="0"/>
                                     </a:rPr>
-                                    <m:t>𝑃𝐷</m:t>
+                                    <m:t>𝑚</m:t>
+                                  </m:r>
+                                  <m:r>
+                                    <a:rPr kumimoji="1" lang="en-US" altLang="ja-JP" b="0" i="1" smtClean="0">
+                                      <a:latin typeface="Cambria Math" panose="02040503050406030204" pitchFamily="18" charset="0"/>
+                                    </a:rPr>
+                                    <m:t>1</m:t>
                                   </m:r>
                                 </m:sub>
                               </m:sSub>
                               <m:r>
-                                <a:rPr lang="en-US" altLang="ja-JP" i="1">
+                                <a:rPr kumimoji="1" lang="en-US" altLang="ja-JP" b="0" i="1" smtClean="0">
                                   <a:latin typeface="Cambria Math" panose="02040503050406030204" pitchFamily="18" charset="0"/>
                                 </a:rPr>
                                 <m:t>+</m:t>
@@ -10759,28 +13191,28 @@
                               <m:sSub>
                                 <m:sSubPr>
                                   <m:ctrlPr>
-                                    <a:rPr lang="en-US" altLang="ja-JP" i="1">
+                                    <a:rPr kumimoji="1" lang="en-US" altLang="ja-JP" b="0" i="1" smtClean="0">
                                       <a:latin typeface="Cambria Math" panose="02040503050406030204" pitchFamily="18" charset="0"/>
                                     </a:rPr>
                                   </m:ctrlPr>
                                 </m:sSubPr>
                                 <m:e>
                                   <m:r>
-                                    <a:rPr lang="en-US" altLang="ja-JP" i="1">
+                                    <a:rPr kumimoji="1" lang="en-US" altLang="ja-JP" b="0" i="1" smtClean="0">
                                       <a:latin typeface="Cambria Math" panose="02040503050406030204" pitchFamily="18" charset="0"/>
                                     </a:rPr>
-                                    <m:t>𝐶</m:t>
+                                    <m:t>𝑔</m:t>
                                   </m:r>
                                 </m:e>
                                 <m:sub>
                                   <m:r>
-                                    <a:rPr lang="en-US" altLang="ja-JP" i="1">
+                                    <a:rPr kumimoji="1" lang="en-US" altLang="ja-JP" b="0" i="1" smtClean="0">
                                       <a:latin typeface="Cambria Math" panose="02040503050406030204" pitchFamily="18" charset="0"/>
                                     </a:rPr>
-                                    <m:t>𝑗𝑒</m:t>
+                                    <m:t>𝑐𝑒</m:t>
                                   </m:r>
                                   <m:r>
-                                    <a:rPr lang="en-US" altLang="ja-JP" i="1">
+                                    <a:rPr kumimoji="1" lang="en-US" altLang="ja-JP" b="0" i="1" smtClean="0">
                                       <a:latin typeface="Cambria Math" panose="02040503050406030204" pitchFamily="18" charset="0"/>
                                     </a:rPr>
                                     <m:t>1</m:t>
@@ -10789,27 +13221,165 @@
                               </m:sSub>
                             </m:e>
                           </m:d>
-                        </m:den>
-                      </m:f>
-                      <m:r>
-                        <a:rPr lang="en-US" altLang="ja-JP" i="1">
-                          <a:latin typeface="Cambria Math" panose="02040503050406030204" pitchFamily="18" charset="0"/>
-                        </a:rPr>
-                        <m:t>−</m:t>
-                      </m:r>
-                      <m:f>
-                        <m:fPr>
-                          <m:ctrlPr>
-                            <a:rPr lang="en-US" altLang="ja-JP" i="1">
-                              <a:latin typeface="Cambria Math" panose="02040503050406030204" pitchFamily="18" charset="0"/>
-                            </a:rPr>
-                          </m:ctrlPr>
-                        </m:fPr>
-                        <m:num>
+                          <m:r>
+                            <a:rPr kumimoji="1" lang="en-US" altLang="ja-JP" b="0" i="1" smtClean="0">
+                              <a:latin typeface="Cambria Math" panose="02040503050406030204" pitchFamily="18" charset="0"/>
+                            </a:rPr>
+                            <m:t>−</m:t>
+                          </m:r>
+                          <m:sSub>
+                            <m:sSubPr>
+                              <m:ctrlPr>
+                                <a:rPr kumimoji="1" lang="en-US" altLang="ja-JP" b="0" i="1" smtClean="0">
+                                  <a:latin typeface="Cambria Math" panose="02040503050406030204" pitchFamily="18" charset="0"/>
+                                </a:rPr>
+                              </m:ctrlPr>
+                            </m:sSubPr>
+                            <m:e>
+                              <m:r>
+                                <a:rPr kumimoji="1" lang="en-US" altLang="ja-JP" b="0" i="1" smtClean="0">
+                                  <a:latin typeface="Cambria Math" panose="02040503050406030204" pitchFamily="18" charset="0"/>
+                                </a:rPr>
+                                <m:t>𝐺</m:t>
+                              </m:r>
+                            </m:e>
+                            <m:sub>
+                              <m:r>
+                                <a:rPr kumimoji="1" lang="en-US" altLang="ja-JP" b="0" i="1" smtClean="0">
+                                  <a:latin typeface="Cambria Math" panose="02040503050406030204" pitchFamily="18" charset="0"/>
+                                </a:rPr>
+                                <m:t>1</m:t>
+                              </m:r>
+                            </m:sub>
+                          </m:sSub>
+                          <m:sSub>
+                            <m:sSubPr>
+                              <m:ctrlPr>
+                                <a:rPr kumimoji="1" lang="en-US" altLang="ja-JP" b="0" i="1" smtClean="0">
+                                  <a:latin typeface="Cambria Math" panose="02040503050406030204" pitchFamily="18" charset="0"/>
+                                </a:rPr>
+                              </m:ctrlPr>
+                            </m:sSubPr>
+                            <m:e>
+                              <m:r>
+                                <a:rPr kumimoji="1" lang="en-US" altLang="ja-JP" b="0" i="1" smtClean="0">
+                                  <a:latin typeface="Cambria Math" panose="02040503050406030204" pitchFamily="18" charset="0"/>
+                                </a:rPr>
+                                <m:t>𝐺</m:t>
+                              </m:r>
+                            </m:e>
+                            <m:sub>
+                              <m:r>
+                                <a:rPr kumimoji="1" lang="en-US" altLang="ja-JP" b="0" i="1" smtClean="0">
+                                  <a:latin typeface="Cambria Math" panose="02040503050406030204" pitchFamily="18" charset="0"/>
+                                </a:rPr>
+                                <m:t>2</m:t>
+                              </m:r>
+                            </m:sub>
+                          </m:sSub>
+                          <m:r>
+                            <a:rPr kumimoji="1" lang="en-US" altLang="ja-JP" b="0" i="1" smtClean="0">
+                              <a:latin typeface="Cambria Math" panose="02040503050406030204" pitchFamily="18" charset="0"/>
+                            </a:rPr>
+                            <m:t>−</m:t>
+                          </m:r>
+                          <m:sSup>
+                            <m:sSupPr>
+                              <m:ctrlPr>
+                                <a:rPr kumimoji="1" lang="en-US" altLang="ja-JP" b="0" i="1" smtClean="0">
+                                  <a:latin typeface="Cambria Math" panose="02040503050406030204" pitchFamily="18" charset="0"/>
+                                </a:rPr>
+                              </m:ctrlPr>
+                            </m:sSupPr>
+                            <m:e>
+                              <m:r>
+                                <a:rPr kumimoji="1" lang="en-US" altLang="ja-JP" b="0" i="1" smtClean="0">
+                                  <a:latin typeface="Cambria Math" panose="02040503050406030204" pitchFamily="18" charset="0"/>
+                                </a:rPr>
+                                <m:t>𝜔</m:t>
+                              </m:r>
+                            </m:e>
+                            <m:sup>
+                              <m:r>
+                                <a:rPr kumimoji="1" lang="en-US" altLang="ja-JP" b="0" i="1" smtClean="0">
+                                  <a:latin typeface="Cambria Math" panose="02040503050406030204" pitchFamily="18" charset="0"/>
+                                </a:rPr>
+                                <m:t>2</m:t>
+                              </m:r>
+                            </m:sup>
+                          </m:sSup>
+                          <m:sSub>
+                            <m:sSubPr>
+                              <m:ctrlPr>
+                                <a:rPr kumimoji="1" lang="en-US" altLang="ja-JP" b="0" i="1" smtClean="0">
+                                  <a:latin typeface="Cambria Math" panose="02040503050406030204" pitchFamily="18" charset="0"/>
+                                </a:rPr>
+                              </m:ctrlPr>
+                            </m:sSubPr>
+                            <m:e>
+                              <m:r>
+                                <a:rPr kumimoji="1" lang="en-US" altLang="ja-JP" b="0" i="1" smtClean="0">
+                                  <a:latin typeface="Cambria Math" panose="02040503050406030204" pitchFamily="18" charset="0"/>
+                                </a:rPr>
+                                <m:t>𝐶</m:t>
+                              </m:r>
+                            </m:e>
+                            <m:sub>
+                              <m:r>
+                                <a:rPr kumimoji="1" lang="en-US" altLang="ja-JP" b="0" i="1" smtClean="0">
+                                  <a:latin typeface="Cambria Math" panose="02040503050406030204" pitchFamily="18" charset="0"/>
+                                </a:rPr>
+                                <m:t>1</m:t>
+                              </m:r>
+                            </m:sub>
+                          </m:sSub>
+                          <m:sSub>
+                            <m:sSubPr>
+                              <m:ctrlPr>
+                                <a:rPr kumimoji="1" lang="en-US" altLang="ja-JP" b="0" i="1" smtClean="0">
+                                  <a:latin typeface="Cambria Math" panose="02040503050406030204" pitchFamily="18" charset="0"/>
+                                </a:rPr>
+                              </m:ctrlPr>
+                            </m:sSubPr>
+                            <m:e>
+                              <m:r>
+                                <a:rPr kumimoji="1" lang="en-US" altLang="ja-JP" b="0" i="1" smtClean="0">
+                                  <a:latin typeface="Cambria Math" panose="02040503050406030204" pitchFamily="18" charset="0"/>
+                                </a:rPr>
+                                <m:t>𝐶</m:t>
+                              </m:r>
+                            </m:e>
+                            <m:sub>
+                              <m:r>
+                                <a:rPr kumimoji="1" lang="en-US" altLang="ja-JP" b="0" i="1" smtClean="0">
+                                  <a:latin typeface="Cambria Math" panose="02040503050406030204" pitchFamily="18" charset="0"/>
+                                </a:rPr>
+                                <m:t>2</m:t>
+                              </m:r>
+                            </m:sub>
+                          </m:sSub>
+                          <m:r>
+                            <a:rPr kumimoji="1" lang="en-US" altLang="ja-JP" b="0" i="1" smtClean="0">
+                              <a:latin typeface="Cambria Math" panose="02040503050406030204" pitchFamily="18" charset="0"/>
+                            </a:rPr>
+                            <m:t>−</m:t>
+                          </m:r>
+                          <m:r>
+                            <a:rPr kumimoji="1" lang="en-US" altLang="ja-JP" b="0" i="1" smtClean="0">
+                              <a:latin typeface="Cambria Math" panose="02040503050406030204" pitchFamily="18" charset="0"/>
+                            </a:rPr>
+                            <m:t>𝑗</m:t>
+                          </m:r>
+                          <m:r>
+                            <a:rPr kumimoji="1" lang="en-US" altLang="ja-JP" b="0" i="1" smtClean="0">
+                              <a:latin typeface="Cambria Math" panose="02040503050406030204" pitchFamily="18" charset="0"/>
+                            </a:rPr>
+                            <m:t>𝜔</m:t>
+                          </m:r>
                           <m:d>
                             <m:dPr>
                               <m:ctrlPr>
-                                <a:rPr lang="en-US" altLang="ja-JP" i="1">
+                                <a:rPr kumimoji="1" lang="en-US" altLang="ja-JP" b="0" i="1" smtClean="0">
                                   <a:latin typeface="Cambria Math" panose="02040503050406030204" pitchFamily="18" charset="0"/>
                                 </a:rPr>
                               </m:ctrlPr>
@@ -10818,14 +13388,95 @@
                               <m:sSub>
                                 <m:sSubPr>
                                   <m:ctrlPr>
-                                    <a:rPr lang="en-US" altLang="ja-JP" i="1">
+                                    <a:rPr kumimoji="1" lang="en-US" altLang="ja-JP" b="0" i="1" smtClean="0">
                                       <a:latin typeface="Cambria Math" panose="02040503050406030204" pitchFamily="18" charset="0"/>
                                     </a:rPr>
                                   </m:ctrlPr>
                                 </m:sSubPr>
                                 <m:e>
                                   <m:r>
-                                    <a:rPr lang="en-US" altLang="ja-JP" i="1">
+                                    <a:rPr kumimoji="1" lang="en-US" altLang="ja-JP" b="0" i="1" smtClean="0">
+                                      <a:latin typeface="Cambria Math" panose="02040503050406030204" pitchFamily="18" charset="0"/>
+                                    </a:rPr>
+                                    <m:t>𝐶</m:t>
+                                  </m:r>
+                                </m:e>
+                                <m:sub>
+                                  <m:r>
+                                    <a:rPr kumimoji="1" lang="en-US" altLang="ja-JP" b="0" i="1" smtClean="0">
+                                      <a:latin typeface="Cambria Math" panose="02040503050406030204" pitchFamily="18" charset="0"/>
+                                    </a:rPr>
+                                    <m:t>1</m:t>
+                                  </m:r>
+                                </m:sub>
+                              </m:sSub>
+                              <m:sSub>
+                                <m:sSubPr>
+                                  <m:ctrlPr>
+                                    <a:rPr kumimoji="1" lang="en-US" altLang="ja-JP" b="0" i="1" smtClean="0">
+                                      <a:latin typeface="Cambria Math" panose="02040503050406030204" pitchFamily="18" charset="0"/>
+                                    </a:rPr>
+                                  </m:ctrlPr>
+                                </m:sSubPr>
+                                <m:e>
+                                  <m:r>
+                                    <a:rPr kumimoji="1" lang="en-US" altLang="ja-JP" b="0" i="1" smtClean="0">
+                                      <a:latin typeface="Cambria Math" panose="02040503050406030204" pitchFamily="18" charset="0"/>
+                                    </a:rPr>
+                                    <m:t>𝐺</m:t>
+                                  </m:r>
+                                </m:e>
+                                <m:sub>
+                                  <m:r>
+                                    <a:rPr kumimoji="1" lang="en-US" altLang="ja-JP" b="0" i="1" smtClean="0">
+                                      <a:latin typeface="Cambria Math" panose="02040503050406030204" pitchFamily="18" charset="0"/>
+                                    </a:rPr>
+                                    <m:t>2</m:t>
+                                  </m:r>
+                                </m:sub>
+                              </m:sSub>
+                              <m:r>
+                                <a:rPr kumimoji="1" lang="en-US" altLang="ja-JP" b="0" i="1" smtClean="0">
+                                  <a:latin typeface="Cambria Math" panose="02040503050406030204" pitchFamily="18" charset="0"/>
+                                </a:rPr>
+                                <m:t>+</m:t>
+                              </m:r>
+                              <m:sSub>
+                                <m:sSubPr>
+                                  <m:ctrlPr>
+                                    <a:rPr kumimoji="1" lang="en-US" altLang="ja-JP" b="0" i="1" smtClean="0">
+                                      <a:latin typeface="Cambria Math" panose="02040503050406030204" pitchFamily="18" charset="0"/>
+                                    </a:rPr>
+                                  </m:ctrlPr>
+                                </m:sSubPr>
+                                <m:e>
+                                  <m:r>
+                                    <a:rPr kumimoji="1" lang="en-US" altLang="ja-JP" b="0" i="1" smtClean="0">
+                                      <a:latin typeface="Cambria Math" panose="02040503050406030204" pitchFamily="18" charset="0"/>
+                                    </a:rPr>
+                                    <m:t>𝐶</m:t>
+                                  </m:r>
+                                </m:e>
+                                <m:sub>
+                                  <m:r>
+                                    <a:rPr kumimoji="1" lang="en-US" altLang="ja-JP" b="0" i="1" smtClean="0">
+                                      <a:latin typeface="Cambria Math" panose="02040503050406030204" pitchFamily="18" charset="0"/>
+                                    </a:rPr>
+                                    <m:t>2</m:t>
+                                  </m:r>
+                                </m:sub>
+                              </m:sSub>
+                              <m:sSub>
+                                <m:sSubPr>
+                                  <m:ctrlPr>
+                                    <a:rPr kumimoji="1" lang="en-US" altLang="ja-JP" b="0" i="1" smtClean="0">
+                                      <a:latin typeface="Cambria Math" panose="02040503050406030204" pitchFamily="18" charset="0"/>
+                                    </a:rPr>
+                                  </m:ctrlPr>
+                                </m:sSubPr>
+                                <m:e>
+                                  <m:r>
+                                    <a:rPr kumimoji="1" lang="en-US" altLang="ja-JP" b="0" i="1" smtClean="0">
                                       <a:latin typeface="Cambria Math" panose="02040503050406030204" pitchFamily="18" charset="0"/>
                                     </a:rPr>
                                     <m:t>𝑔</m:t>
@@ -10833,50 +13484,13 @@
                                 </m:e>
                                 <m:sub>
                                   <m:r>
-                                    <a:rPr lang="en-US" altLang="ja-JP" i="1">
-                                      <a:latin typeface="Cambria Math" panose="02040503050406030204" pitchFamily="18" charset="0"/>
-                                    </a:rPr>
-                                    <m:t>𝑚</m:t>
-                                  </m:r>
-                                  <m:r>
-                                    <a:rPr lang="en-US" altLang="ja-JP" i="1">
-                                      <a:latin typeface="Cambria Math" panose="02040503050406030204" pitchFamily="18" charset="0"/>
-                                    </a:rPr>
-                                    <m:t>1</m:t>
-                                  </m:r>
-                                </m:sub>
-                              </m:sSub>
-                              <m:r>
-                                <a:rPr lang="en-US" altLang="ja-JP" i="1">
-                                  <a:latin typeface="Cambria Math" panose="02040503050406030204" pitchFamily="18" charset="0"/>
-                                </a:rPr>
-                                <m:t>+</m:t>
-                              </m:r>
-                              <m:sSub>
-                                <m:sSubPr>
-                                  <m:ctrlPr>
-                                    <a:rPr lang="en-US" altLang="ja-JP" i="1">
-                                      <a:latin typeface="Cambria Math" panose="02040503050406030204" pitchFamily="18" charset="0"/>
-                                    </a:rPr>
-                                  </m:ctrlPr>
-                                </m:sSubPr>
-                                <m:e>
-                                  <m:r>
-                                    <a:rPr lang="en-US" altLang="ja-JP" i="1">
-                                      <a:latin typeface="Cambria Math" panose="02040503050406030204" pitchFamily="18" charset="0"/>
-                                    </a:rPr>
-                                    <m:t>𝑔</m:t>
-                                  </m:r>
-                                </m:e>
-                                <m:sub>
-                                  <m:r>
-                                    <a:rPr lang="en-US" altLang="ja-JP" i="1">
+                                    <a:rPr kumimoji="1" lang="en-US" altLang="ja-JP" b="0" i="1" smtClean="0">
                                       <a:latin typeface="Cambria Math" panose="02040503050406030204" pitchFamily="18" charset="0"/>
                                     </a:rPr>
                                     <m:t>𝑐𝑒</m:t>
                                   </m:r>
                                   <m:r>
-                                    <a:rPr lang="en-US" altLang="ja-JP" i="1">
+                                    <a:rPr kumimoji="1" lang="en-US" altLang="ja-JP" b="0" i="1" smtClean="0">
                                       <a:latin typeface="Cambria Math" panose="02040503050406030204" pitchFamily="18" charset="0"/>
                                     </a:rPr>
                                     <m:t>1</m:t>
@@ -10885,6 +13499,93 @@
                               </m:sSub>
                             </m:e>
                           </m:d>
+                        </m:num>
+                        <m:den>
+                          <m:sSub>
+                            <m:sSubPr>
+                              <m:ctrlPr>
+                                <a:rPr kumimoji="1" lang="en-US" altLang="ja-JP" b="0" i="1" smtClean="0">
+                                  <a:latin typeface="Cambria Math" panose="02040503050406030204" pitchFamily="18" charset="0"/>
+                                </a:rPr>
+                              </m:ctrlPr>
+                            </m:sSubPr>
+                            <m:e>
+                              <m:r>
+                                <a:rPr kumimoji="1" lang="en-US" altLang="ja-JP" b="0" i="1" smtClean="0">
+                                  <a:latin typeface="Cambria Math" panose="02040503050406030204" pitchFamily="18" charset="0"/>
+                                </a:rPr>
+                                <m:t>𝐺</m:t>
+                              </m:r>
+                            </m:e>
+                            <m:sub>
+                              <m:r>
+                                <a:rPr kumimoji="1" lang="en-US" altLang="ja-JP" b="0" i="1" smtClean="0">
+                                  <a:latin typeface="Cambria Math" panose="02040503050406030204" pitchFamily="18" charset="0"/>
+                                </a:rPr>
+                                <m:t>1</m:t>
+                              </m:r>
+                            </m:sub>
+                          </m:sSub>
+                          <m:r>
+                            <a:rPr kumimoji="1" lang="en-US" altLang="ja-JP" b="0" i="1" smtClean="0">
+                              <a:latin typeface="Cambria Math" panose="02040503050406030204" pitchFamily="18" charset="0"/>
+                            </a:rPr>
+                            <m:t>+</m:t>
+                          </m:r>
+                          <m:r>
+                            <a:rPr kumimoji="1" lang="en-US" altLang="ja-JP" b="0" i="1" smtClean="0">
+                              <a:latin typeface="Cambria Math" panose="02040503050406030204" pitchFamily="18" charset="0"/>
+                            </a:rPr>
+                            <m:t>𝑗</m:t>
+                          </m:r>
+                          <m:r>
+                            <a:rPr kumimoji="1" lang="en-US" altLang="ja-JP" b="0" i="1" smtClean="0">
+                              <a:latin typeface="Cambria Math" panose="02040503050406030204" pitchFamily="18" charset="0"/>
+                            </a:rPr>
+                            <m:t>𝜔</m:t>
+                          </m:r>
+                          <m:sSub>
+                            <m:sSubPr>
+                              <m:ctrlPr>
+                                <a:rPr kumimoji="1" lang="en-US" altLang="ja-JP" b="0" i="1" smtClean="0">
+                                  <a:latin typeface="Cambria Math" panose="02040503050406030204" pitchFamily="18" charset="0"/>
+                                </a:rPr>
+                              </m:ctrlPr>
+                            </m:sSubPr>
+                            <m:e>
+                              <m:r>
+                                <a:rPr kumimoji="1" lang="en-US" altLang="ja-JP" b="0" i="1" smtClean="0">
+                                  <a:latin typeface="Cambria Math" panose="02040503050406030204" pitchFamily="18" charset="0"/>
+                                </a:rPr>
+                                <m:t>𝐶</m:t>
+                              </m:r>
+                            </m:e>
+                            <m:sub>
+                              <m:r>
+                                <a:rPr kumimoji="1" lang="en-US" altLang="ja-JP" b="0" i="1" smtClean="0">
+                                  <a:latin typeface="Cambria Math" panose="02040503050406030204" pitchFamily="18" charset="0"/>
+                                </a:rPr>
+                                <m:t>1</m:t>
+                              </m:r>
+                            </m:sub>
+                          </m:sSub>
+                        </m:den>
+                      </m:f>
+                      <m:r>
+                        <a:rPr kumimoji="1" lang="en-US" altLang="ja-JP" b="0" i="1" smtClean="0">
+                          <a:latin typeface="Cambria Math" panose="02040503050406030204" pitchFamily="18" charset="0"/>
+                        </a:rPr>
+                        <m:t>⋅</m:t>
+                      </m:r>
+                      <m:f>
+                        <m:fPr>
+                          <m:ctrlPr>
+                            <a:rPr lang="en-US" altLang="ja-JP" i="1">
+                              <a:latin typeface="Cambria Math" panose="02040503050406030204" pitchFamily="18" charset="0"/>
+                            </a:rPr>
+                          </m:ctrlPr>
+                        </m:fPr>
+                        <m:num>
                           <m:sSub>
                             <m:sSubPr>
                               <m:ctrlPr>
@@ -10898,7 +13599,7 @@
                                 <a:rPr lang="en-US" altLang="ja-JP" i="1">
                                   <a:latin typeface="Cambria Math" panose="02040503050406030204" pitchFamily="18" charset="0"/>
                                 </a:rPr>
-                                <m:t>𝑖</m:t>
+                                <m:t>𝐺</m:t>
                               </m:r>
                             </m:e>
                             <m:sub>
@@ -10906,7 +13607,371 @@
                                 <a:rPr lang="en-US" altLang="ja-JP" i="1">
                                   <a:latin typeface="Cambria Math" panose="02040503050406030204" pitchFamily="18" charset="0"/>
                                 </a:rPr>
-                                <m:t>𝑖𝑛</m:t>
+                                <m:t>𝐶</m:t>
+                              </m:r>
+                              <m:r>
+                                <a:rPr lang="en-US" altLang="ja-JP" i="1">
+                                  <a:latin typeface="Cambria Math" panose="02040503050406030204" pitchFamily="18" charset="0"/>
+                                </a:rPr>
+                                <m:t>2</m:t>
+                              </m:r>
+                            </m:sub>
+                          </m:sSub>
+                          <m:r>
+                            <a:rPr lang="en-US" altLang="ja-JP" i="1">
+                              <a:latin typeface="Cambria Math" panose="02040503050406030204" pitchFamily="18" charset="0"/>
+                            </a:rPr>
+                            <m:t>+</m:t>
+                          </m:r>
+                          <m:sSub>
+                            <m:sSubPr>
+                              <m:ctrlPr>
+                                <a:rPr lang="en-US" altLang="ja-JP" i="1">
+                                  <a:latin typeface="Cambria Math" panose="02040503050406030204" pitchFamily="18" charset="0"/>
+                                </a:rPr>
+                              </m:ctrlPr>
+                            </m:sSubPr>
+                            <m:e>
+                              <m:r>
+                                <a:rPr lang="en-US" altLang="ja-JP" i="1">
+                                  <a:latin typeface="Cambria Math" panose="02040503050406030204" pitchFamily="18" charset="0"/>
+                                </a:rPr>
+                                <m:t>𝑔</m:t>
+                              </m:r>
+                            </m:e>
+                            <m:sub>
+                              <m:r>
+                                <a:rPr lang="en-US" altLang="ja-JP" i="1">
+                                  <a:latin typeface="Cambria Math" panose="02040503050406030204" pitchFamily="18" charset="0"/>
+                                </a:rPr>
+                                <m:t>𝑐𝑒</m:t>
+                              </m:r>
+                              <m:r>
+                                <a:rPr lang="en-US" altLang="ja-JP" i="1">
+                                  <a:latin typeface="Cambria Math" panose="02040503050406030204" pitchFamily="18" charset="0"/>
+                                </a:rPr>
+                                <m:t>2</m:t>
+                              </m:r>
+                            </m:sub>
+                          </m:sSub>
+                          <m:r>
+                            <a:rPr lang="en-US" altLang="ja-JP" i="1">
+                              <a:latin typeface="Cambria Math" panose="02040503050406030204" pitchFamily="18" charset="0"/>
+                            </a:rPr>
+                            <m:t>+</m:t>
+                          </m:r>
+                          <m:r>
+                            <a:rPr lang="en-US" altLang="ja-JP" i="1">
+                              <a:latin typeface="Cambria Math" panose="02040503050406030204" pitchFamily="18" charset="0"/>
+                            </a:rPr>
+                            <m:t>𝑗</m:t>
+                          </m:r>
+                          <m:r>
+                            <a:rPr lang="en-US" altLang="ja-JP" i="1">
+                              <a:latin typeface="Cambria Math" panose="02040503050406030204" pitchFamily="18" charset="0"/>
+                            </a:rPr>
+                            <m:t>𝜔</m:t>
+                          </m:r>
+                          <m:sSub>
+                            <m:sSubPr>
+                              <m:ctrlPr>
+                                <a:rPr lang="en-US" altLang="ja-JP" i="1">
+                                  <a:latin typeface="Cambria Math" panose="02040503050406030204" pitchFamily="18" charset="0"/>
+                                </a:rPr>
+                              </m:ctrlPr>
+                            </m:sSubPr>
+                            <m:e>
+                              <m:r>
+                                <a:rPr lang="en-US" altLang="ja-JP" i="1">
+                                  <a:latin typeface="Cambria Math" panose="02040503050406030204" pitchFamily="18" charset="0"/>
+                                </a:rPr>
+                                <m:t>𝐶</m:t>
+                              </m:r>
+                            </m:e>
+                            <m:sub>
+                              <m:r>
+                                <a:rPr lang="en-US" altLang="ja-JP" i="1">
+                                  <a:latin typeface="Cambria Math" panose="02040503050406030204" pitchFamily="18" charset="0"/>
+                                </a:rPr>
+                                <m:t>𝑗𝑐</m:t>
+                              </m:r>
+                              <m:r>
+                                <a:rPr lang="en-US" altLang="ja-JP" i="1">
+                                  <a:latin typeface="Cambria Math" panose="02040503050406030204" pitchFamily="18" charset="0"/>
+                                </a:rPr>
+                                <m:t>2</m:t>
+                              </m:r>
+                            </m:sub>
+                          </m:sSub>
+                        </m:num>
+                        <m:den>
+                          <m:r>
+                            <a:rPr lang="en-US" altLang="ja-JP" i="1">
+                              <a:latin typeface="Cambria Math" panose="02040503050406030204" pitchFamily="18" charset="0"/>
+                            </a:rPr>
+                            <m:t>−</m:t>
+                          </m:r>
+                          <m:sSub>
+                            <m:sSubPr>
+                              <m:ctrlPr>
+                                <a:rPr lang="en-US" altLang="ja-JP" i="1">
+                                  <a:latin typeface="Cambria Math" panose="02040503050406030204" pitchFamily="18" charset="0"/>
+                                </a:rPr>
+                              </m:ctrlPr>
+                            </m:sSubPr>
+                            <m:e>
+                              <m:r>
+                                <a:rPr lang="en-US" altLang="ja-JP" i="1">
+                                  <a:latin typeface="Cambria Math" panose="02040503050406030204" pitchFamily="18" charset="0"/>
+                                </a:rPr>
+                                <m:t>𝑔</m:t>
+                              </m:r>
+                            </m:e>
+                            <m:sub>
+                              <m:r>
+                                <a:rPr lang="en-US" altLang="ja-JP" i="1">
+                                  <a:latin typeface="Cambria Math" panose="02040503050406030204" pitchFamily="18" charset="0"/>
+                                </a:rPr>
+                                <m:t>𝑚</m:t>
+                              </m:r>
+                              <m:r>
+                                <a:rPr lang="en-US" altLang="ja-JP" i="1">
+                                  <a:latin typeface="Cambria Math" panose="02040503050406030204" pitchFamily="18" charset="0"/>
+                                </a:rPr>
+                                <m:t>2</m:t>
+                              </m:r>
+                            </m:sub>
+                          </m:sSub>
+                          <m:r>
+                            <a:rPr lang="en-US" altLang="ja-JP" i="1">
+                              <a:latin typeface="Cambria Math" panose="02040503050406030204" pitchFamily="18" charset="0"/>
+                            </a:rPr>
+                            <m:t>+</m:t>
+                          </m:r>
+                          <m:r>
+                            <a:rPr lang="en-US" altLang="ja-JP" i="1">
+                              <a:latin typeface="Cambria Math" panose="02040503050406030204" pitchFamily="18" charset="0"/>
+                            </a:rPr>
+                            <m:t>𝑗</m:t>
+                          </m:r>
+                          <m:r>
+                            <a:rPr lang="en-US" altLang="ja-JP" i="1">
+                              <a:latin typeface="Cambria Math" panose="02040503050406030204" pitchFamily="18" charset="0"/>
+                            </a:rPr>
+                            <m:t>𝜔</m:t>
+                          </m:r>
+                          <m:sSub>
+                            <m:sSubPr>
+                              <m:ctrlPr>
+                                <a:rPr lang="en-US" altLang="ja-JP" i="1">
+                                  <a:latin typeface="Cambria Math" panose="02040503050406030204" pitchFamily="18" charset="0"/>
+                                </a:rPr>
+                              </m:ctrlPr>
+                            </m:sSubPr>
+                            <m:e>
+                              <m:r>
+                                <a:rPr lang="en-US" altLang="ja-JP" i="1">
+                                  <a:latin typeface="Cambria Math" panose="02040503050406030204" pitchFamily="18" charset="0"/>
+                                </a:rPr>
+                                <m:t>𝐶</m:t>
+                              </m:r>
+                            </m:e>
+                            <m:sub>
+                              <m:r>
+                                <a:rPr lang="en-US" altLang="ja-JP" i="1">
+                                  <a:latin typeface="Cambria Math" panose="02040503050406030204" pitchFamily="18" charset="0"/>
+                                </a:rPr>
+                                <m:t>𝑗𝑐</m:t>
+                              </m:r>
+                              <m:r>
+                                <a:rPr lang="en-US" altLang="ja-JP" i="1">
+                                  <a:latin typeface="Cambria Math" panose="02040503050406030204" pitchFamily="18" charset="0"/>
+                                </a:rPr>
+                                <m:t>2</m:t>
+                              </m:r>
+                            </m:sub>
+                          </m:sSub>
+                        </m:den>
+                      </m:f>
+                      <m:sSub>
+                        <m:sSubPr>
+                          <m:ctrlPr>
+                            <a:rPr lang="en-US" altLang="ja-JP" b="0" i="1" smtClean="0">
+                              <a:latin typeface="Cambria Math" panose="02040503050406030204" pitchFamily="18" charset="0"/>
+                            </a:rPr>
+                          </m:ctrlPr>
+                        </m:sSubPr>
+                        <m:e>
+                          <m:r>
+                            <a:rPr lang="en-US" altLang="ja-JP" b="0" i="1" smtClean="0">
+                              <a:latin typeface="Cambria Math" panose="02040503050406030204" pitchFamily="18" charset="0"/>
+                            </a:rPr>
+                            <m:t>𝑣</m:t>
+                          </m:r>
+                        </m:e>
+                        <m:sub>
+                          <m:r>
+                            <a:rPr lang="en-US" altLang="ja-JP" b="0" i="1" smtClean="0">
+                              <a:latin typeface="Cambria Math" panose="02040503050406030204" pitchFamily="18" charset="0"/>
+                            </a:rPr>
+                            <m:t>𝑜𝑢𝑡</m:t>
+                          </m:r>
+                        </m:sub>
+                      </m:sSub>
+                      <m:r>
+                        <a:rPr kumimoji="1" lang="en-US" altLang="ja-JP" b="0" i="1" smtClean="0">
+                          <a:latin typeface="Cambria Math" panose="02040503050406030204" pitchFamily="18" charset="0"/>
+                        </a:rPr>
+                        <m:t>+</m:t>
+                      </m:r>
+                      <m:r>
+                        <a:rPr kumimoji="1" lang="en-US" altLang="ja-JP" b="0" i="1" smtClean="0">
+                          <a:latin typeface="Cambria Math" panose="02040503050406030204" pitchFamily="18" charset="0"/>
+                        </a:rPr>
+                        <m:t>𝑗</m:t>
+                      </m:r>
+                      <m:r>
+                        <a:rPr kumimoji="1" lang="en-US" altLang="ja-JP" b="0" i="1" smtClean="0">
+                          <a:latin typeface="Cambria Math" panose="02040503050406030204" pitchFamily="18" charset="0"/>
+                        </a:rPr>
+                        <m:t>𝜔</m:t>
+                      </m:r>
+                      <m:sSub>
+                        <m:sSubPr>
+                          <m:ctrlPr>
+                            <a:rPr kumimoji="1" lang="en-US" altLang="ja-JP" b="0" i="1" smtClean="0">
+                              <a:latin typeface="Cambria Math" panose="02040503050406030204" pitchFamily="18" charset="0"/>
+                            </a:rPr>
+                          </m:ctrlPr>
+                        </m:sSubPr>
+                        <m:e>
+                          <m:r>
+                            <a:rPr kumimoji="1" lang="en-US" altLang="ja-JP" b="0" i="1" smtClean="0">
+                              <a:latin typeface="Cambria Math" panose="02040503050406030204" pitchFamily="18" charset="0"/>
+                            </a:rPr>
+                            <m:t>𝐶</m:t>
+                          </m:r>
+                        </m:e>
+                        <m:sub>
+                          <m:r>
+                            <a:rPr kumimoji="1" lang="en-US" altLang="ja-JP" b="0" i="1" smtClean="0">
+                              <a:latin typeface="Cambria Math" panose="02040503050406030204" pitchFamily="18" charset="0"/>
+                            </a:rPr>
+                            <m:t>𝑗𝑐</m:t>
+                          </m:r>
+                          <m:r>
+                            <a:rPr kumimoji="1" lang="en-US" altLang="ja-JP" b="0" i="1" smtClean="0">
+                              <a:latin typeface="Cambria Math" panose="02040503050406030204" pitchFamily="18" charset="0"/>
+                            </a:rPr>
+                            <m:t>2</m:t>
+                          </m:r>
+                        </m:sub>
+                      </m:sSub>
+                      <m:sSub>
+                        <m:sSubPr>
+                          <m:ctrlPr>
+                            <a:rPr kumimoji="1" lang="en-US" altLang="ja-JP" b="0" i="1" smtClean="0">
+                              <a:latin typeface="Cambria Math" panose="02040503050406030204" pitchFamily="18" charset="0"/>
+                            </a:rPr>
+                          </m:ctrlPr>
+                        </m:sSubPr>
+                        <m:e>
+                          <m:r>
+                            <a:rPr kumimoji="1" lang="en-US" altLang="ja-JP" b="0" i="1" smtClean="0">
+                              <a:latin typeface="Cambria Math" panose="02040503050406030204" pitchFamily="18" charset="0"/>
+                            </a:rPr>
+                            <m:t>𝑣</m:t>
+                          </m:r>
+                        </m:e>
+                        <m:sub>
+                          <m:r>
+                            <a:rPr kumimoji="1" lang="en-US" altLang="ja-JP" b="0" i="1" smtClean="0">
+                              <a:latin typeface="Cambria Math" panose="02040503050406030204" pitchFamily="18" charset="0"/>
+                            </a:rPr>
+                            <m:t>𝑜𝑢𝑡</m:t>
+                          </m:r>
+                        </m:sub>
+                      </m:sSub>
+                      <m:r>
+                        <a:rPr kumimoji="1" lang="en-US" altLang="ja-JP" b="0" i="1" smtClean="0">
+                          <a:latin typeface="Cambria Math" panose="02040503050406030204" pitchFamily="18" charset="0"/>
+                        </a:rPr>
+                        <m:t>=</m:t>
+                      </m:r>
+                      <m:f>
+                        <m:fPr>
+                          <m:ctrlPr>
+                            <a:rPr lang="en-US" altLang="ja-JP" i="1">
+                              <a:latin typeface="Cambria Math" panose="02040503050406030204" pitchFamily="18" charset="0"/>
+                            </a:rPr>
+                          </m:ctrlPr>
+                        </m:fPr>
+                        <m:num>
+                          <m:sSub>
+                            <m:sSubPr>
+                              <m:ctrlPr>
+                                <a:rPr lang="en-US" altLang="ja-JP" i="1">
+                                  <a:latin typeface="Cambria Math" panose="02040503050406030204" pitchFamily="18" charset="0"/>
+                                </a:rPr>
+                              </m:ctrlPr>
+                            </m:sSubPr>
+                            <m:e>
+                              <m:r>
+                                <a:rPr lang="en-US" altLang="ja-JP" i="1">
+                                  <a:latin typeface="Cambria Math" panose="02040503050406030204" pitchFamily="18" charset="0"/>
+                                </a:rPr>
+                                <m:t>𝑔</m:t>
+                              </m:r>
+                            </m:e>
+                            <m:sub>
+                              <m:r>
+                                <a:rPr lang="en-US" altLang="ja-JP" i="1">
+                                  <a:latin typeface="Cambria Math" panose="02040503050406030204" pitchFamily="18" charset="0"/>
+                                </a:rPr>
+                                <m:t>𝑚</m:t>
+                              </m:r>
+                              <m:r>
+                                <a:rPr lang="en-US" altLang="ja-JP" i="1">
+                                  <a:latin typeface="Cambria Math" panose="02040503050406030204" pitchFamily="18" charset="0"/>
+                                </a:rPr>
+                                <m:t>1</m:t>
+                              </m:r>
+                            </m:sub>
+                          </m:sSub>
+                          <m:r>
+                            <a:rPr lang="en-US" altLang="ja-JP" i="1">
+                              <a:latin typeface="Cambria Math" panose="02040503050406030204" pitchFamily="18" charset="0"/>
+                            </a:rPr>
+                            <m:t>+</m:t>
+                          </m:r>
+                          <m:sSub>
+                            <m:sSubPr>
+                              <m:ctrlPr>
+                                <a:rPr lang="en-US" altLang="ja-JP" i="1">
+                                  <a:latin typeface="Cambria Math" panose="02040503050406030204" pitchFamily="18" charset="0"/>
+                                </a:rPr>
+                              </m:ctrlPr>
+                            </m:sSubPr>
+                            <m:e>
+                              <m:r>
+                                <a:rPr lang="en-US" altLang="ja-JP" i="1">
+                                  <a:latin typeface="Cambria Math" panose="02040503050406030204" pitchFamily="18" charset="0"/>
+                                </a:rPr>
+                                <m:t>𝑔</m:t>
+                              </m:r>
+                            </m:e>
+                            <m:sub>
+                              <m:r>
+                                <a:rPr lang="en-US" altLang="ja-JP" i="1">
+                                  <a:latin typeface="Cambria Math" panose="02040503050406030204" pitchFamily="18" charset="0"/>
+                                </a:rPr>
+                                <m:t>𝑐𝑒</m:t>
+                              </m:r>
+                              <m:r>
+                                <a:rPr lang="en-US" altLang="ja-JP" i="1">
+                                  <a:latin typeface="Cambria Math" panose="02040503050406030204" pitchFamily="18" charset="0"/>
+                                </a:rPr>
+                                <m:t>1</m:t>
                               </m:r>
                             </m:sub>
                           </m:sSub>
@@ -10933,12 +13998,6 @@
                                 <a:rPr lang="en-US" altLang="ja-JP" i="1">
                                   <a:latin typeface="Cambria Math" panose="02040503050406030204" pitchFamily="18" charset="0"/>
                                 </a:rPr>
-                                <m:t>𝐸</m:t>
-                              </m:r>
-                              <m:r>
-                                <a:rPr lang="en-US" altLang="ja-JP" i="1">
-                                  <a:latin typeface="Cambria Math" panose="02040503050406030204" pitchFamily="18" charset="0"/>
-                                </a:rPr>
                                 <m:t>1</m:t>
                               </m:r>
                             </m:sub>
@@ -10948,6 +14007,18 @@
                               <a:latin typeface="Cambria Math" panose="02040503050406030204" pitchFamily="18" charset="0"/>
                             </a:rPr>
                             <m:t>+</m:t>
+                          </m:r>
+                          <m:r>
+                            <a:rPr lang="en-US" altLang="ja-JP" i="1">
+                              <a:latin typeface="Cambria Math" panose="02040503050406030204" pitchFamily="18" charset="0"/>
+                            </a:rPr>
+                            <m:t>𝑗</m:t>
+                          </m:r>
+                          <m:r>
+                            <a:rPr lang="en-US" altLang="ja-JP" i="1">
+                              <a:latin typeface="Cambria Math" panose="02040503050406030204" pitchFamily="18" charset="0"/>
+                            </a:rPr>
+                            <m:t>𝜔</m:t>
                           </m:r>
                           <m:sSub>
                             <m:sSubPr>
@@ -10962,7 +14033,7 @@
                                 <a:rPr lang="en-US" altLang="ja-JP" i="1">
                                   <a:latin typeface="Cambria Math" panose="02040503050406030204" pitchFamily="18" charset="0"/>
                                 </a:rPr>
-                                <m:t>𝑔</m:t>
+                                <m:t>𝐶</m:t>
                               </m:r>
                             </m:e>
                             <m:sub>
@@ -10970,150 +14041,45 @@
                                 <a:rPr lang="en-US" altLang="ja-JP" i="1">
                                   <a:latin typeface="Cambria Math" panose="02040503050406030204" pitchFamily="18" charset="0"/>
                                 </a:rPr>
-                                <m:t>𝑚</m:t>
-                              </m:r>
-                              <m:r>
-                                <a:rPr lang="en-US" altLang="ja-JP" i="1">
-                                  <a:latin typeface="Cambria Math" panose="02040503050406030204" pitchFamily="18" charset="0"/>
-                                </a:rPr>
                                 <m:t>1</m:t>
                               </m:r>
                             </m:sub>
                           </m:sSub>
-                          <m:r>
-                            <a:rPr lang="en-US" altLang="ja-JP" i="1">
-                              <a:latin typeface="Cambria Math" panose="02040503050406030204" pitchFamily="18" charset="0"/>
-                            </a:rPr>
-                            <m:t>+</m:t>
-                          </m:r>
-                          <m:sSub>
-                            <m:sSubPr>
-                              <m:ctrlPr>
-                                <a:rPr lang="en-US" altLang="ja-JP" i="1">
-                                  <a:latin typeface="Cambria Math" panose="02040503050406030204" pitchFamily="18" charset="0"/>
-                                </a:rPr>
-                              </m:ctrlPr>
-                            </m:sSubPr>
-                            <m:e>
-                              <m:r>
-                                <a:rPr lang="en-US" altLang="ja-JP" i="1">
-                                  <a:latin typeface="Cambria Math" panose="02040503050406030204" pitchFamily="18" charset="0"/>
-                                </a:rPr>
-                                <m:t>𝑔</m:t>
-                              </m:r>
-                            </m:e>
-                            <m:sub>
-                              <m:r>
-                                <a:rPr lang="en-US" altLang="ja-JP" i="1">
-                                  <a:latin typeface="Cambria Math" panose="02040503050406030204" pitchFamily="18" charset="0"/>
-                                </a:rPr>
-                                <m:t>𝑐</m:t>
-                              </m:r>
-                              <m:r>
-                                <a:rPr lang="en-US" altLang="ja-JP" i="1">
-                                  <a:latin typeface="Cambria Math" panose="02040503050406030204" pitchFamily="18" charset="0"/>
-                                </a:rPr>
-                                <m:t>1</m:t>
-                              </m:r>
-                            </m:sub>
-                          </m:sSub>
-                          <m:r>
-                            <a:rPr lang="en-US" altLang="ja-JP" i="1">
-                              <a:latin typeface="Cambria Math" panose="02040503050406030204" pitchFamily="18" charset="0"/>
-                            </a:rPr>
-                            <m:t>+</m:t>
-                          </m:r>
-                          <m:r>
-                            <a:rPr lang="en-US" altLang="ja-JP" i="1">
-                              <a:latin typeface="Cambria Math" panose="02040503050406030204" pitchFamily="18" charset="0"/>
-                            </a:rPr>
-                            <m:t>𝑗</m:t>
-                          </m:r>
-                          <m:r>
-                            <a:rPr lang="en-US" altLang="ja-JP" i="1">
-                              <a:latin typeface="Cambria Math" panose="02040503050406030204" pitchFamily="18" charset="0"/>
-                            </a:rPr>
-                            <m:t>𝜔</m:t>
-                          </m:r>
-                          <m:r>
-                            <a:rPr lang="en-US" altLang="ja-JP" i="1">
-                              <a:latin typeface="Cambria Math" panose="02040503050406030204" pitchFamily="18" charset="0"/>
-                            </a:rPr>
-                            <m:t>(</m:t>
-                          </m:r>
-                          <m:sSub>
-                            <m:sSubPr>
-                              <m:ctrlPr>
-                                <a:rPr lang="en-US" altLang="ja-JP" i="1">
-                                  <a:latin typeface="Cambria Math" panose="02040503050406030204" pitchFamily="18" charset="0"/>
-                                </a:rPr>
-                              </m:ctrlPr>
-                            </m:sSubPr>
-                            <m:e>
-                              <m:r>
-                                <a:rPr lang="en-US" altLang="ja-JP" i="1">
-                                  <a:latin typeface="Cambria Math" panose="02040503050406030204" pitchFamily="18" charset="0"/>
-                                </a:rPr>
-                                <m:t>𝐶</m:t>
-                              </m:r>
-                            </m:e>
-                            <m:sub>
-                              <m:r>
-                                <a:rPr lang="en-US" altLang="ja-JP" i="1">
-                                  <a:latin typeface="Cambria Math" panose="02040503050406030204" pitchFamily="18" charset="0"/>
-                                </a:rPr>
-                                <m:t>𝑃𝐷</m:t>
-                              </m:r>
-                            </m:sub>
-                          </m:sSub>
-                          <m:r>
-                            <a:rPr lang="en-US" altLang="ja-JP" i="1">
-                              <a:latin typeface="Cambria Math" panose="02040503050406030204" pitchFamily="18" charset="0"/>
-                            </a:rPr>
-                            <m:t>+</m:t>
-                          </m:r>
-                          <m:sSub>
-                            <m:sSubPr>
-                              <m:ctrlPr>
-                                <a:rPr lang="en-US" altLang="ja-JP" i="1">
-                                  <a:latin typeface="Cambria Math" panose="02040503050406030204" pitchFamily="18" charset="0"/>
-                                </a:rPr>
-                              </m:ctrlPr>
-                            </m:sSubPr>
-                            <m:e>
-                              <m:r>
-                                <a:rPr lang="en-US" altLang="ja-JP" i="1">
-                                  <a:latin typeface="Cambria Math" panose="02040503050406030204" pitchFamily="18" charset="0"/>
-                                </a:rPr>
-                                <m:t>𝐶</m:t>
-                              </m:r>
-                            </m:e>
-                            <m:sub>
-                              <m:r>
-                                <a:rPr lang="en-US" altLang="ja-JP" i="1">
-                                  <a:latin typeface="Cambria Math" panose="02040503050406030204" pitchFamily="18" charset="0"/>
-                                </a:rPr>
-                                <m:t>𝑗𝑒</m:t>
-                              </m:r>
-                              <m:r>
-                                <a:rPr lang="en-US" altLang="ja-JP" i="1">
-                                  <a:latin typeface="Cambria Math" panose="02040503050406030204" pitchFamily="18" charset="0"/>
-                                </a:rPr>
-                                <m:t>1</m:t>
-                              </m:r>
-                            </m:sub>
-                          </m:sSub>
-                          <m:r>
-                            <a:rPr lang="en-US" altLang="ja-JP" i="1">
-                              <a:latin typeface="Cambria Math" panose="02040503050406030204" pitchFamily="18" charset="0"/>
-                            </a:rPr>
-                            <m:t>)</m:t>
-                          </m:r>
                         </m:den>
                       </m:f>
+                      <m:sSub>
+                        <m:sSubPr>
+                          <m:ctrlPr>
+                            <a:rPr lang="en-US" altLang="ja-JP" i="1">
+                              <a:latin typeface="Cambria Math" panose="02040503050406030204" pitchFamily="18" charset="0"/>
+                            </a:rPr>
+                          </m:ctrlPr>
+                        </m:sSubPr>
+                        <m:e>
+                          <m:r>
+                            <a:rPr lang="en-US" altLang="ja-JP" i="1">
+                              <a:latin typeface="Cambria Math" panose="02040503050406030204" pitchFamily="18" charset="0"/>
+                            </a:rPr>
+                            <m:t>𝑖</m:t>
+                          </m:r>
+                        </m:e>
+                        <m:sub>
+                          <m:r>
+                            <a:rPr lang="en-US" altLang="ja-JP" i="1">
+                              <a:latin typeface="Cambria Math" panose="02040503050406030204" pitchFamily="18" charset="0"/>
+                            </a:rPr>
+                            <m:t>𝑖𝑛</m:t>
+                          </m:r>
+                        </m:sub>
+                      </m:sSub>
                     </m:oMath>
                   </m:oMathPara>
                 </a14:m>
+                <a:endParaRPr kumimoji="1" lang="en-US" altLang="ja-JP" dirty="0">
+                  <a:latin typeface="Times Newer Roman" panose="00000500000000000000" pitchFamily="50" charset="0"/>
+                </a:endParaRPr>
+              </a:p>
+              <a:p>
                 <a:endParaRPr kumimoji="1" lang="ja-JP" altLang="en-US" dirty="0">
                   <a:latin typeface="Times Newer Roman" panose="00000500000000000000" pitchFamily="50" charset="0"/>
                 </a:endParaRPr>
@@ -11124,10 +14090,10 @@
         <mc:Fallback>
           <p:sp>
             <p:nvSpPr>
-              <p:cNvPr id="15" name="テキスト ボックス 14">
+              <p:cNvPr id="7" name="テキスト ボックス 6">
                 <a:extLst>
                   <a:ext uri="{FF2B5EF4-FFF2-40B4-BE49-F238E27FC236}">
-                    <a16:creationId xmlns:a16="http://schemas.microsoft.com/office/drawing/2014/main" id="{4CE474ED-7E24-4291-8900-763B2BBBE879}"/>
+                    <a16:creationId xmlns:a16="http://schemas.microsoft.com/office/drawing/2014/main" id="{8D38E9B7-C254-46F8-FCEF-87CE4AB986A8}"/>
                   </a:ext>
                 </a:extLst>
               </p:cNvPr>
@@ -11138,14 +14104,14 @@
             </p:nvSpPr>
             <p:spPr>
               <a:xfrm>
-                <a:off x="-286371" y="4677087"/>
-                <a:ext cx="12989360" cy="1029128"/>
+                <a:off x="266700" y="1248770"/>
+                <a:ext cx="11658600" cy="2193677"/>
               </a:xfrm>
               <a:prstGeom prst="rect">
                 <a:avLst/>
               </a:prstGeom>
               <a:blipFill>
-                <a:blip r:embed="rId5"/>
+                <a:blip r:embed="rId2"/>
                 <a:stretch>
                   <a:fillRect/>
                 </a:stretch>
@@ -11169,7 +14135,7 @@
     </p:spTree>
     <p:extLst>
       <p:ext uri="{BB962C8B-B14F-4D97-AF65-F5344CB8AC3E}">
-        <p14:creationId xmlns:p14="http://schemas.microsoft.com/office/powerpoint/2010/main" val="4048698383"/>
+        <p14:creationId xmlns:p14="http://schemas.microsoft.com/office/powerpoint/2010/main" val="1532611122"/>
       </p:ext>
     </p:extLst>
   </p:cSld>
